--- a/05-Duragan-Veri-Analizi/02_apache_spark_dataframe_structured_api/01_apache_structured_dataframe_dataset_api.pptx
+++ b/05-Duragan-Veri-Analizi/02_apache_spark_dataframe_structured_api/01_apache_structured_dataframe_dataset_api.pptx
@@ -250,7 +250,7 @@
           <a:p>
             <a:fld id="{6F77F576-AE14-466D-AA6B-335273622B21}" type="datetimeFigureOut">
               <a:rPr lang="en-US" smtClean="0"/>
-              <a:t>7/18/2019</a:t>
+              <a:t>10/4/2019</a:t>
             </a:fld>
             <a:endParaRPr lang="en-US"/>
           </a:p>
@@ -649,7 +649,7 @@
           <a:p>
             <a:fld id="{54AA066D-271F-4C1A-B89A-0705A7689EE9}" type="datetimeFigureOut">
               <a:rPr lang="en-US" smtClean="0"/>
-              <a:t>7/18/2019</a:t>
+              <a:t>10/4/2019</a:t>
             </a:fld>
             <a:endParaRPr lang="en-US"/>
           </a:p>
@@ -819,7 +819,7 @@
           <a:p>
             <a:fld id="{54AA066D-271F-4C1A-B89A-0705A7689EE9}" type="datetimeFigureOut">
               <a:rPr lang="en-US" smtClean="0"/>
-              <a:t>7/18/2019</a:t>
+              <a:t>10/4/2019</a:t>
             </a:fld>
             <a:endParaRPr lang="en-US"/>
           </a:p>
@@ -999,7 +999,7 @@
           <a:p>
             <a:fld id="{54AA066D-271F-4C1A-B89A-0705A7689EE9}" type="datetimeFigureOut">
               <a:rPr lang="en-US" smtClean="0"/>
-              <a:t>7/18/2019</a:t>
+              <a:t>10/4/2019</a:t>
             </a:fld>
             <a:endParaRPr lang="en-US"/>
           </a:p>
@@ -1169,7 +1169,7 @@
           <a:p>
             <a:fld id="{54AA066D-271F-4C1A-B89A-0705A7689EE9}" type="datetimeFigureOut">
               <a:rPr lang="en-US" smtClean="0"/>
-              <a:t>7/18/2019</a:t>
+              <a:t>10/4/2019</a:t>
             </a:fld>
             <a:endParaRPr lang="en-US"/>
           </a:p>
@@ -1415,7 +1415,7 @@
           <a:p>
             <a:fld id="{54AA066D-271F-4C1A-B89A-0705A7689EE9}" type="datetimeFigureOut">
               <a:rPr lang="en-US" smtClean="0"/>
-              <a:t>7/18/2019</a:t>
+              <a:t>10/4/2019</a:t>
             </a:fld>
             <a:endParaRPr lang="en-US"/>
           </a:p>
@@ -1647,7 +1647,7 @@
           <a:p>
             <a:fld id="{54AA066D-271F-4C1A-B89A-0705A7689EE9}" type="datetimeFigureOut">
               <a:rPr lang="en-US" smtClean="0"/>
-              <a:t>7/18/2019</a:t>
+              <a:t>10/4/2019</a:t>
             </a:fld>
             <a:endParaRPr lang="en-US"/>
           </a:p>
@@ -2014,7 +2014,7 @@
           <a:p>
             <a:fld id="{54AA066D-271F-4C1A-B89A-0705A7689EE9}" type="datetimeFigureOut">
               <a:rPr lang="en-US" smtClean="0"/>
-              <a:t>7/18/2019</a:t>
+              <a:t>10/4/2019</a:t>
             </a:fld>
             <a:endParaRPr lang="en-US"/>
           </a:p>
@@ -2132,7 +2132,7 @@
           <a:p>
             <a:fld id="{54AA066D-271F-4C1A-B89A-0705A7689EE9}" type="datetimeFigureOut">
               <a:rPr lang="en-US" smtClean="0"/>
-              <a:t>7/18/2019</a:t>
+              <a:t>10/4/2019</a:t>
             </a:fld>
             <a:endParaRPr lang="en-US"/>
           </a:p>
@@ -2227,7 +2227,7 @@
           <a:p>
             <a:fld id="{54AA066D-271F-4C1A-B89A-0705A7689EE9}" type="datetimeFigureOut">
               <a:rPr lang="en-US" smtClean="0"/>
-              <a:t>7/18/2019</a:t>
+              <a:t>10/4/2019</a:t>
             </a:fld>
             <a:endParaRPr lang="en-US"/>
           </a:p>
@@ -2504,7 +2504,7 @@
           <a:p>
             <a:fld id="{54AA066D-271F-4C1A-B89A-0705A7689EE9}" type="datetimeFigureOut">
               <a:rPr lang="en-US" smtClean="0"/>
-              <a:t>7/18/2019</a:t>
+              <a:t>10/4/2019</a:t>
             </a:fld>
             <a:endParaRPr lang="en-US"/>
           </a:p>
@@ -2757,7 +2757,7 @@
           <a:p>
             <a:fld id="{54AA066D-271F-4C1A-B89A-0705A7689EE9}" type="datetimeFigureOut">
               <a:rPr lang="en-US" smtClean="0"/>
-              <a:t>7/18/2019</a:t>
+              <a:t>10/4/2019</a:t>
             </a:fld>
             <a:endParaRPr lang="en-US"/>
           </a:p>
@@ -2970,7 +2970,7 @@
           <a:p>
             <a:fld id="{54AA066D-271F-4C1A-B89A-0705A7689EE9}" type="datetimeFigureOut">
               <a:rPr lang="en-US" smtClean="0"/>
-              <a:t>7/18/2019</a:t>
+              <a:t>10/4/2019</a:t>
             </a:fld>
             <a:endParaRPr lang="en-US"/>
           </a:p>
@@ -3412,362 +3412,6 @@
           </a:fontRef>
         </p:style>
       </p:cxnSp>
-      <p:grpSp>
-        <p:nvGrpSpPr>
-          <p:cNvPr id="15" name="Grup 14"/>
-          <p:cNvGrpSpPr/>
-          <p:nvPr/>
-        </p:nvGrpSpPr>
-        <p:grpSpPr>
-          <a:xfrm>
-            <a:off x="228596" y="6231467"/>
-            <a:ext cx="3041654" cy="492576"/>
-            <a:chOff x="228596" y="6231467"/>
-            <a:chExt cx="3041654" cy="492576"/>
-          </a:xfrm>
-        </p:grpSpPr>
-        <p:grpSp>
-          <p:nvGrpSpPr>
-            <p:cNvPr id="8" name="Grup 7"/>
-            <p:cNvGrpSpPr/>
-            <p:nvPr/>
-          </p:nvGrpSpPr>
-          <p:grpSpPr>
-            <a:xfrm>
-              <a:off x="228596" y="6231467"/>
-              <a:ext cx="2802471" cy="457084"/>
-              <a:chOff x="127000" y="5901146"/>
-              <a:chExt cx="5156200" cy="838200"/>
-            </a:xfrm>
-          </p:grpSpPr>
-          <p:sp>
-            <p:nvSpPr>
-              <p:cNvPr id="7" name="Dikdörtgen 6"/>
-              <p:cNvSpPr/>
-              <p:nvPr/>
-            </p:nvSpPr>
-            <p:spPr>
-              <a:xfrm>
-                <a:off x="127000" y="5901146"/>
-                <a:ext cx="5156200" cy="838200"/>
-              </a:xfrm>
-              <a:prstGeom prst="rect">
-                <a:avLst/>
-              </a:prstGeom>
-              <a:solidFill>
-                <a:schemeClr val="bg1">
-                  <a:lumMod val="95000"/>
-                </a:schemeClr>
-              </a:solidFill>
-              <a:ln>
-                <a:noFill/>
-              </a:ln>
-            </p:spPr>
-            <p:style>
-              <a:lnRef idx="2">
-                <a:schemeClr val="accent1">
-                  <a:shade val="50000"/>
-                </a:schemeClr>
-              </a:lnRef>
-              <a:fillRef idx="1">
-                <a:schemeClr val="accent1"/>
-              </a:fillRef>
-              <a:effectRef idx="0">
-                <a:schemeClr val="accent1"/>
-              </a:effectRef>
-              <a:fontRef idx="minor">
-                <a:schemeClr val="lt1"/>
-              </a:fontRef>
-            </p:style>
-            <p:txBody>
-              <a:bodyPr rtlCol="0" anchor="ctr"/>
-              <a:lstStyle/>
-              <a:p>
-                <a:pPr algn="ctr"/>
-                <a:endParaRPr lang="en-US" sz="2000"/>
-              </a:p>
-            </p:txBody>
-          </p:sp>
-          <p:grpSp>
-            <p:nvGrpSpPr>
-              <p:cNvPr id="6" name="Grup 5"/>
-              <p:cNvGrpSpPr/>
-              <p:nvPr/>
-            </p:nvGrpSpPr>
-            <p:grpSpPr>
-              <a:xfrm>
-                <a:off x="211667" y="6019800"/>
-                <a:ext cx="5012266" cy="605115"/>
-                <a:chOff x="211667" y="6019800"/>
-                <a:chExt cx="5012266" cy="605115"/>
-              </a:xfrm>
-            </p:grpSpPr>
-            <p:pic>
-              <p:nvPicPr>
-                <p:cNvPr id="4" name="Resim 3"/>
-                <p:cNvPicPr>
-                  <a:picLocks noChangeAspect="1"/>
-                </p:cNvPicPr>
-                <p:nvPr/>
-              </p:nvPicPr>
-              <p:blipFill rotWithShape="1">
-                <a:blip r:embed="rId2" cstate="print">
-                  <a:extLst>
-                    <a:ext uri="{28A0092B-C50C-407E-A947-70E740481C1C}">
-                      <a14:useLocalDpi xmlns:a14="http://schemas.microsoft.com/office/drawing/2010/main" val="0"/>
-                    </a:ext>
-                  </a:extLst>
-                </a:blip>
-                <a:srcRect l="24387" t="8319" r="18355" b="50150"/>
-                <a:stretch/>
-              </p:blipFill>
-              <p:spPr>
-                <a:xfrm>
-                  <a:off x="211667" y="6019800"/>
-                  <a:ext cx="1072095" cy="600892"/>
-                </a:xfrm>
-                <a:prstGeom prst="rect">
-                  <a:avLst/>
-                </a:prstGeom>
-              </p:spPr>
-            </p:pic>
-            <p:sp>
-              <p:nvSpPr>
-                <p:cNvPr id="5" name="Unvan 1"/>
-                <p:cNvSpPr txBox="1">
-                  <a:spLocks/>
-                </p:cNvSpPr>
-                <p:nvPr/>
-              </p:nvSpPr>
-              <p:spPr>
-                <a:xfrm>
-                  <a:off x="1283763" y="6024023"/>
-                  <a:ext cx="3940170" cy="600892"/>
-                </a:xfrm>
-                <a:prstGeom prst="rect">
-                  <a:avLst/>
-                </a:prstGeom>
-              </p:spPr>
-              <p:txBody>
-                <a:bodyPr vert="horz" lIns="91440" tIns="45720" rIns="91440" bIns="45720" rtlCol="0" anchor="b">
-                  <a:noAutofit/>
-                </a:bodyPr>
-                <a:lstStyle>
-                  <a:lvl1pPr algn="ctr" defTabSz="914400" rtl="0" eaLnBrk="1" latinLnBrk="0" hangingPunct="1">
-                    <a:lnSpc>
-                      <a:spcPct val="90000"/>
-                    </a:lnSpc>
-                    <a:spcBef>
-                      <a:spcPct val="0"/>
-                    </a:spcBef>
-                    <a:buNone/>
-                    <a:defRPr sz="6000" kern="1200">
-                      <a:solidFill>
-                        <a:schemeClr val="tx1"/>
-                      </a:solidFill>
-                      <a:latin typeface="+mj-lt"/>
-                      <a:ea typeface="+mj-ea"/>
-                      <a:cs typeface="+mj-cs"/>
-                    </a:defRPr>
-                  </a:lvl1pPr>
-                </a:lstStyle>
-                <a:p>
-                  <a:pPr algn="l"/>
-                  <a:r>
-                    <a:rPr lang="tr-TR" sz="2000" dirty="0">
-                      <a:solidFill>
-                        <a:srgbClr val="CB171F"/>
-                      </a:solidFill>
-                      <a:latin typeface="Constantia" panose="02030602050306030303" pitchFamily="18" charset="0"/>
-                      <a:ea typeface="Verdana" panose="020B0604030504040204" pitchFamily="34" charset="0"/>
-                      <a:cs typeface="Arial" panose="020B0604020202020204" pitchFamily="34" charset="0"/>
-                    </a:rPr>
-                    <a:t>Veri Bilimi Okulu</a:t>
-                  </a:r>
-                  <a:endParaRPr lang="en-US" sz="2000" dirty="0">
-                    <a:solidFill>
-                      <a:srgbClr val="CB171F"/>
-                    </a:solidFill>
-                    <a:latin typeface="Constantia" panose="02030602050306030303" pitchFamily="18" charset="0"/>
-                    <a:ea typeface="Verdana" panose="020B0604030504040204" pitchFamily="34" charset="0"/>
-                    <a:cs typeface="Arial" panose="020B0604020202020204" pitchFamily="34" charset="0"/>
-                  </a:endParaRPr>
-                </a:p>
-              </p:txBody>
-            </p:sp>
-          </p:grpSp>
-        </p:grpSp>
-        <p:sp>
-          <p:nvSpPr>
-            <p:cNvPr id="12" name="Metin kutusu 11"/>
-            <p:cNvSpPr txBox="1"/>
-            <p:nvPr/>
-          </p:nvSpPr>
-          <p:spPr>
-            <a:xfrm>
-              <a:off x="1582782" y="6493211"/>
-              <a:ext cx="1687468" cy="230832"/>
-            </a:xfrm>
-            <a:prstGeom prst="rect">
-              <a:avLst/>
-            </a:prstGeom>
-            <a:noFill/>
-          </p:spPr>
-          <p:txBody>
-            <a:bodyPr wrap="square" rtlCol="0">
-              <a:spAutoFit/>
-            </a:bodyPr>
-            <a:lstStyle/>
-            <a:p>
-              <a:r>
-                <a:rPr lang="en-US" sz="900" dirty="0">
-                  <a:solidFill>
-                    <a:srgbClr val="0B8043"/>
-                  </a:solidFill>
-                </a:rPr>
-                <a:t>https:</a:t>
-              </a:r>
-              <a:r>
-                <a:rPr lang="en-US" sz="900" dirty="0">
-                  <a:solidFill>
-                    <a:schemeClr val="bg1">
-                      <a:lumMod val="50000"/>
-                    </a:schemeClr>
-                  </a:solidFill>
-                </a:rPr>
-                <a:t>//www.veribilimi.co</a:t>
-              </a:r>
-            </a:p>
-          </p:txBody>
-        </p:sp>
-      </p:grpSp>
-      <p:grpSp>
-        <p:nvGrpSpPr>
-          <p:cNvPr id="11" name="Grup 10"/>
-          <p:cNvGrpSpPr/>
-          <p:nvPr/>
-        </p:nvGrpSpPr>
-        <p:grpSpPr>
-          <a:xfrm>
-            <a:off x="9194796" y="6231467"/>
-            <a:ext cx="2802471" cy="457084"/>
-            <a:chOff x="184993" y="5905369"/>
-            <a:chExt cx="5156200" cy="838200"/>
-          </a:xfrm>
-        </p:grpSpPr>
-        <p:sp>
-          <p:nvSpPr>
-            <p:cNvPr id="13" name="Dikdörtgen 12"/>
-            <p:cNvSpPr/>
-            <p:nvPr/>
-          </p:nvSpPr>
-          <p:spPr>
-            <a:xfrm>
-              <a:off x="184993" y="5905369"/>
-              <a:ext cx="5156200" cy="838200"/>
-            </a:xfrm>
-            <a:prstGeom prst="rect">
-              <a:avLst/>
-            </a:prstGeom>
-            <a:solidFill>
-              <a:schemeClr val="bg1">
-                <a:lumMod val="95000"/>
-              </a:schemeClr>
-            </a:solidFill>
-            <a:ln>
-              <a:noFill/>
-            </a:ln>
-          </p:spPr>
-          <p:style>
-            <a:lnRef idx="2">
-              <a:schemeClr val="accent1">
-                <a:shade val="50000"/>
-              </a:schemeClr>
-            </a:lnRef>
-            <a:fillRef idx="1">
-              <a:schemeClr val="accent1"/>
-            </a:fillRef>
-            <a:effectRef idx="0">
-              <a:schemeClr val="accent1"/>
-            </a:effectRef>
-            <a:fontRef idx="minor">
-              <a:schemeClr val="lt1"/>
-            </a:fontRef>
-          </p:style>
-          <p:txBody>
-            <a:bodyPr rtlCol="0" anchor="ctr"/>
-            <a:lstStyle/>
-            <a:p>
-              <a:pPr algn="ctr"/>
-              <a:endParaRPr lang="en-US" sz="2000"/>
-            </a:p>
-          </p:txBody>
-        </p:sp>
-        <p:sp>
-          <p:nvSpPr>
-            <p:cNvPr id="14" name="Unvan 1"/>
-            <p:cNvSpPr txBox="1">
-              <a:spLocks/>
-            </p:cNvSpPr>
-            <p:nvPr/>
-          </p:nvSpPr>
-          <p:spPr>
-            <a:xfrm>
-              <a:off x="302252" y="6024023"/>
-              <a:ext cx="4921678" cy="600892"/>
-            </a:xfrm>
-            <a:prstGeom prst="rect">
-              <a:avLst/>
-            </a:prstGeom>
-          </p:spPr>
-          <p:txBody>
-            <a:bodyPr vert="horz" lIns="91440" tIns="45720" rIns="91440" bIns="45720" rtlCol="0" anchor="b">
-              <a:noAutofit/>
-            </a:bodyPr>
-            <a:lstStyle>
-              <a:lvl1pPr algn="ctr" defTabSz="914400" rtl="0" eaLnBrk="1" latinLnBrk="0" hangingPunct="1">
-                <a:lnSpc>
-                  <a:spcPct val="90000"/>
-                </a:lnSpc>
-                <a:spcBef>
-                  <a:spcPct val="0"/>
-                </a:spcBef>
-                <a:buNone/>
-                <a:defRPr sz="6000" kern="1200">
-                  <a:solidFill>
-                    <a:schemeClr val="tx1"/>
-                  </a:solidFill>
-                  <a:latin typeface="+mj-lt"/>
-                  <a:ea typeface="+mj-ea"/>
-                  <a:cs typeface="+mj-cs"/>
-                </a:defRPr>
-              </a:lvl1pPr>
-            </a:lstStyle>
-            <a:p>
-              <a:pPr algn="l"/>
-              <a:r>
-                <a:rPr lang="tr-TR" sz="2000" dirty="0">
-                  <a:solidFill>
-                    <a:srgbClr val="CB171F"/>
-                  </a:solidFill>
-                  <a:latin typeface="Constantia" panose="02030602050306030303" pitchFamily="18" charset="0"/>
-                  <a:ea typeface="Verdana" panose="020B0604030504040204" pitchFamily="34" charset="0"/>
-                  <a:cs typeface="Arial" panose="020B0604020202020204" pitchFamily="34" charset="0"/>
-                </a:rPr>
-                <a:t>A’dan Z’ye Büyük Veri</a:t>
-              </a:r>
-              <a:endParaRPr lang="en-US" sz="2000" dirty="0">
-                <a:solidFill>
-                  <a:srgbClr val="CB171F"/>
-                </a:solidFill>
-                <a:latin typeface="Constantia" panose="02030602050306030303" pitchFamily="18" charset="0"/>
-                <a:ea typeface="Verdana" panose="020B0604030504040204" pitchFamily="34" charset="0"/>
-                <a:cs typeface="Arial" panose="020B0604020202020204" pitchFamily="34" charset="0"/>
-              </a:endParaRPr>
-            </a:p>
-          </p:txBody>
-        </p:sp>
-      </p:grpSp>
       <p:pic>
         <p:nvPicPr>
           <p:cNvPr id="2" name="Resim 1"/>
@@ -3777,7 +3421,7 @@
           <p:nvPr/>
         </p:nvPicPr>
         <p:blipFill>
-          <a:blip r:embed="rId3">
+          <a:blip r:embed="rId2">
             <a:extLst>
               <a:ext uri="{28A0092B-C50C-407E-A947-70E740481C1C}">
                 <a14:useLocalDpi xmlns:a14="http://schemas.microsoft.com/office/drawing/2010/main" val="0"/>
@@ -3963,362 +3607,6 @@
           </a:fontRef>
         </p:style>
       </p:cxnSp>
-      <p:grpSp>
-        <p:nvGrpSpPr>
-          <p:cNvPr id="15" name="Grup 14"/>
-          <p:cNvGrpSpPr/>
-          <p:nvPr/>
-        </p:nvGrpSpPr>
-        <p:grpSpPr>
-          <a:xfrm>
-            <a:off x="228596" y="6231467"/>
-            <a:ext cx="3041654" cy="492576"/>
-            <a:chOff x="228596" y="6231467"/>
-            <a:chExt cx="3041654" cy="492576"/>
-          </a:xfrm>
-        </p:grpSpPr>
-        <p:grpSp>
-          <p:nvGrpSpPr>
-            <p:cNvPr id="8" name="Grup 7"/>
-            <p:cNvGrpSpPr/>
-            <p:nvPr/>
-          </p:nvGrpSpPr>
-          <p:grpSpPr>
-            <a:xfrm>
-              <a:off x="228596" y="6231467"/>
-              <a:ext cx="2802471" cy="457084"/>
-              <a:chOff x="127000" y="5901146"/>
-              <a:chExt cx="5156200" cy="838200"/>
-            </a:xfrm>
-          </p:grpSpPr>
-          <p:sp>
-            <p:nvSpPr>
-              <p:cNvPr id="7" name="Dikdörtgen 6"/>
-              <p:cNvSpPr/>
-              <p:nvPr/>
-            </p:nvSpPr>
-            <p:spPr>
-              <a:xfrm>
-                <a:off x="127000" y="5901146"/>
-                <a:ext cx="5156200" cy="838200"/>
-              </a:xfrm>
-              <a:prstGeom prst="rect">
-                <a:avLst/>
-              </a:prstGeom>
-              <a:solidFill>
-                <a:schemeClr val="bg1">
-                  <a:lumMod val="95000"/>
-                </a:schemeClr>
-              </a:solidFill>
-              <a:ln>
-                <a:noFill/>
-              </a:ln>
-            </p:spPr>
-            <p:style>
-              <a:lnRef idx="2">
-                <a:schemeClr val="accent1">
-                  <a:shade val="50000"/>
-                </a:schemeClr>
-              </a:lnRef>
-              <a:fillRef idx="1">
-                <a:schemeClr val="accent1"/>
-              </a:fillRef>
-              <a:effectRef idx="0">
-                <a:schemeClr val="accent1"/>
-              </a:effectRef>
-              <a:fontRef idx="minor">
-                <a:schemeClr val="lt1"/>
-              </a:fontRef>
-            </p:style>
-            <p:txBody>
-              <a:bodyPr rtlCol="0" anchor="ctr"/>
-              <a:lstStyle/>
-              <a:p>
-                <a:pPr algn="ctr"/>
-                <a:endParaRPr lang="en-US" sz="2000"/>
-              </a:p>
-            </p:txBody>
-          </p:sp>
-          <p:grpSp>
-            <p:nvGrpSpPr>
-              <p:cNvPr id="6" name="Grup 5"/>
-              <p:cNvGrpSpPr/>
-              <p:nvPr/>
-            </p:nvGrpSpPr>
-            <p:grpSpPr>
-              <a:xfrm>
-                <a:off x="211667" y="6019800"/>
-                <a:ext cx="5012266" cy="605115"/>
-                <a:chOff x="211667" y="6019800"/>
-                <a:chExt cx="5012266" cy="605115"/>
-              </a:xfrm>
-            </p:grpSpPr>
-            <p:pic>
-              <p:nvPicPr>
-                <p:cNvPr id="4" name="Resim 3"/>
-                <p:cNvPicPr>
-                  <a:picLocks noChangeAspect="1"/>
-                </p:cNvPicPr>
-                <p:nvPr/>
-              </p:nvPicPr>
-              <p:blipFill rotWithShape="1">
-                <a:blip r:embed="rId2" cstate="print">
-                  <a:extLst>
-                    <a:ext uri="{28A0092B-C50C-407E-A947-70E740481C1C}">
-                      <a14:useLocalDpi xmlns:a14="http://schemas.microsoft.com/office/drawing/2010/main" val="0"/>
-                    </a:ext>
-                  </a:extLst>
-                </a:blip>
-                <a:srcRect l="24387" t="8319" r="18355" b="50150"/>
-                <a:stretch/>
-              </p:blipFill>
-              <p:spPr>
-                <a:xfrm>
-                  <a:off x="211667" y="6019800"/>
-                  <a:ext cx="1072095" cy="600892"/>
-                </a:xfrm>
-                <a:prstGeom prst="rect">
-                  <a:avLst/>
-                </a:prstGeom>
-              </p:spPr>
-            </p:pic>
-            <p:sp>
-              <p:nvSpPr>
-                <p:cNvPr id="5" name="Unvan 1"/>
-                <p:cNvSpPr txBox="1">
-                  <a:spLocks/>
-                </p:cNvSpPr>
-                <p:nvPr/>
-              </p:nvSpPr>
-              <p:spPr>
-                <a:xfrm>
-                  <a:off x="1283763" y="6024023"/>
-                  <a:ext cx="3940170" cy="600892"/>
-                </a:xfrm>
-                <a:prstGeom prst="rect">
-                  <a:avLst/>
-                </a:prstGeom>
-              </p:spPr>
-              <p:txBody>
-                <a:bodyPr vert="horz" lIns="91440" tIns="45720" rIns="91440" bIns="45720" rtlCol="0" anchor="b">
-                  <a:noAutofit/>
-                </a:bodyPr>
-                <a:lstStyle>
-                  <a:lvl1pPr algn="ctr" defTabSz="914400" rtl="0" eaLnBrk="1" latinLnBrk="0" hangingPunct="1">
-                    <a:lnSpc>
-                      <a:spcPct val="90000"/>
-                    </a:lnSpc>
-                    <a:spcBef>
-                      <a:spcPct val="0"/>
-                    </a:spcBef>
-                    <a:buNone/>
-                    <a:defRPr sz="6000" kern="1200">
-                      <a:solidFill>
-                        <a:schemeClr val="tx1"/>
-                      </a:solidFill>
-                      <a:latin typeface="+mj-lt"/>
-                      <a:ea typeface="+mj-ea"/>
-                      <a:cs typeface="+mj-cs"/>
-                    </a:defRPr>
-                  </a:lvl1pPr>
-                </a:lstStyle>
-                <a:p>
-                  <a:pPr algn="l"/>
-                  <a:r>
-                    <a:rPr lang="tr-TR" sz="2000" dirty="0">
-                      <a:solidFill>
-                        <a:srgbClr val="CB171F"/>
-                      </a:solidFill>
-                      <a:latin typeface="Constantia" panose="02030602050306030303" pitchFamily="18" charset="0"/>
-                      <a:ea typeface="Verdana" panose="020B0604030504040204" pitchFamily="34" charset="0"/>
-                      <a:cs typeface="Arial" panose="020B0604020202020204" pitchFamily="34" charset="0"/>
-                    </a:rPr>
-                    <a:t>Veri Bilimi Okulu</a:t>
-                  </a:r>
-                  <a:endParaRPr lang="en-US" sz="2000" dirty="0">
-                    <a:solidFill>
-                      <a:srgbClr val="CB171F"/>
-                    </a:solidFill>
-                    <a:latin typeface="Constantia" panose="02030602050306030303" pitchFamily="18" charset="0"/>
-                    <a:ea typeface="Verdana" panose="020B0604030504040204" pitchFamily="34" charset="0"/>
-                    <a:cs typeface="Arial" panose="020B0604020202020204" pitchFamily="34" charset="0"/>
-                  </a:endParaRPr>
-                </a:p>
-              </p:txBody>
-            </p:sp>
-          </p:grpSp>
-        </p:grpSp>
-        <p:sp>
-          <p:nvSpPr>
-            <p:cNvPr id="12" name="Metin kutusu 11"/>
-            <p:cNvSpPr txBox="1"/>
-            <p:nvPr/>
-          </p:nvSpPr>
-          <p:spPr>
-            <a:xfrm>
-              <a:off x="1582782" y="6493211"/>
-              <a:ext cx="1687468" cy="230832"/>
-            </a:xfrm>
-            <a:prstGeom prst="rect">
-              <a:avLst/>
-            </a:prstGeom>
-            <a:noFill/>
-          </p:spPr>
-          <p:txBody>
-            <a:bodyPr wrap="square" rtlCol="0">
-              <a:spAutoFit/>
-            </a:bodyPr>
-            <a:lstStyle/>
-            <a:p>
-              <a:r>
-                <a:rPr lang="en-US" sz="900" dirty="0">
-                  <a:solidFill>
-                    <a:srgbClr val="0B8043"/>
-                  </a:solidFill>
-                </a:rPr>
-                <a:t>https:</a:t>
-              </a:r>
-              <a:r>
-                <a:rPr lang="en-US" sz="900" dirty="0">
-                  <a:solidFill>
-                    <a:schemeClr val="bg1">
-                      <a:lumMod val="50000"/>
-                    </a:schemeClr>
-                  </a:solidFill>
-                </a:rPr>
-                <a:t>//www.veribilimi.co</a:t>
-              </a:r>
-            </a:p>
-          </p:txBody>
-        </p:sp>
-      </p:grpSp>
-      <p:grpSp>
-        <p:nvGrpSpPr>
-          <p:cNvPr id="11" name="Grup 10"/>
-          <p:cNvGrpSpPr/>
-          <p:nvPr/>
-        </p:nvGrpSpPr>
-        <p:grpSpPr>
-          <a:xfrm>
-            <a:off x="9194796" y="6231467"/>
-            <a:ext cx="2802471" cy="457084"/>
-            <a:chOff x="184993" y="5905369"/>
-            <a:chExt cx="5156200" cy="838200"/>
-          </a:xfrm>
-        </p:grpSpPr>
-        <p:sp>
-          <p:nvSpPr>
-            <p:cNvPr id="13" name="Dikdörtgen 12"/>
-            <p:cNvSpPr/>
-            <p:nvPr/>
-          </p:nvSpPr>
-          <p:spPr>
-            <a:xfrm>
-              <a:off x="184993" y="5905369"/>
-              <a:ext cx="5156200" cy="838200"/>
-            </a:xfrm>
-            <a:prstGeom prst="rect">
-              <a:avLst/>
-            </a:prstGeom>
-            <a:solidFill>
-              <a:schemeClr val="bg1">
-                <a:lumMod val="95000"/>
-              </a:schemeClr>
-            </a:solidFill>
-            <a:ln>
-              <a:noFill/>
-            </a:ln>
-          </p:spPr>
-          <p:style>
-            <a:lnRef idx="2">
-              <a:schemeClr val="accent1">
-                <a:shade val="50000"/>
-              </a:schemeClr>
-            </a:lnRef>
-            <a:fillRef idx="1">
-              <a:schemeClr val="accent1"/>
-            </a:fillRef>
-            <a:effectRef idx="0">
-              <a:schemeClr val="accent1"/>
-            </a:effectRef>
-            <a:fontRef idx="minor">
-              <a:schemeClr val="lt1"/>
-            </a:fontRef>
-          </p:style>
-          <p:txBody>
-            <a:bodyPr rtlCol="0" anchor="ctr"/>
-            <a:lstStyle/>
-            <a:p>
-              <a:pPr algn="ctr"/>
-              <a:endParaRPr lang="en-US" sz="2000"/>
-            </a:p>
-          </p:txBody>
-        </p:sp>
-        <p:sp>
-          <p:nvSpPr>
-            <p:cNvPr id="14" name="Unvan 1"/>
-            <p:cNvSpPr txBox="1">
-              <a:spLocks/>
-            </p:cNvSpPr>
-            <p:nvPr/>
-          </p:nvSpPr>
-          <p:spPr>
-            <a:xfrm>
-              <a:off x="302252" y="6024023"/>
-              <a:ext cx="4921678" cy="600892"/>
-            </a:xfrm>
-            <a:prstGeom prst="rect">
-              <a:avLst/>
-            </a:prstGeom>
-          </p:spPr>
-          <p:txBody>
-            <a:bodyPr vert="horz" lIns="91440" tIns="45720" rIns="91440" bIns="45720" rtlCol="0" anchor="b">
-              <a:noAutofit/>
-            </a:bodyPr>
-            <a:lstStyle>
-              <a:lvl1pPr algn="ctr" defTabSz="914400" rtl="0" eaLnBrk="1" latinLnBrk="0" hangingPunct="1">
-                <a:lnSpc>
-                  <a:spcPct val="90000"/>
-                </a:lnSpc>
-                <a:spcBef>
-                  <a:spcPct val="0"/>
-                </a:spcBef>
-                <a:buNone/>
-                <a:defRPr sz="6000" kern="1200">
-                  <a:solidFill>
-                    <a:schemeClr val="tx1"/>
-                  </a:solidFill>
-                  <a:latin typeface="+mj-lt"/>
-                  <a:ea typeface="+mj-ea"/>
-                  <a:cs typeface="+mj-cs"/>
-                </a:defRPr>
-              </a:lvl1pPr>
-            </a:lstStyle>
-            <a:p>
-              <a:pPr algn="l"/>
-              <a:r>
-                <a:rPr lang="tr-TR" sz="2000" dirty="0">
-                  <a:solidFill>
-                    <a:srgbClr val="CB171F"/>
-                  </a:solidFill>
-                  <a:latin typeface="Constantia" panose="02030602050306030303" pitchFamily="18" charset="0"/>
-                  <a:ea typeface="Verdana" panose="020B0604030504040204" pitchFamily="34" charset="0"/>
-                  <a:cs typeface="Arial" panose="020B0604020202020204" pitchFamily="34" charset="0"/>
-                </a:rPr>
-                <a:t>A’dan Z’ye Büyük Veri</a:t>
-              </a:r>
-              <a:endParaRPr lang="en-US" sz="2000" dirty="0">
-                <a:solidFill>
-                  <a:srgbClr val="CB171F"/>
-                </a:solidFill>
-                <a:latin typeface="Constantia" panose="02030602050306030303" pitchFamily="18" charset="0"/>
-                <a:ea typeface="Verdana" panose="020B0604030504040204" pitchFamily="34" charset="0"/>
-                <a:cs typeface="Arial" panose="020B0604020202020204" pitchFamily="34" charset="0"/>
-              </a:endParaRPr>
-            </a:p>
-          </p:txBody>
-        </p:sp>
-      </p:grpSp>
       <p:sp>
         <p:nvSpPr>
           <p:cNvPr id="16" name="Unvan 1"/>
@@ -5911,7 +5199,7 @@
                 <p:nvPr/>
               </p:nvPicPr>
               <p:blipFill rotWithShape="1">
-                <a:blip r:embed="rId3" cstate="print">
+                <a:blip r:embed="rId2" cstate="print">
                   <a:extLst>
                     <a:ext uri="{28A0092B-C50C-407E-A947-70E740481C1C}">
                       <a14:useLocalDpi xmlns:a14="http://schemas.microsoft.com/office/drawing/2010/main" val="0"/>
@@ -6230,7 +5518,7 @@
                 <p:nvPr/>
               </p:nvPicPr>
               <p:blipFill rotWithShape="1">
-                <a:blip r:embed="rId3" cstate="print">
+                <a:blip r:embed="rId2" cstate="print">
                   <a:extLst>
                     <a:ext uri="{28A0092B-C50C-407E-A947-70E740481C1C}">
                       <a14:useLocalDpi xmlns:a14="http://schemas.microsoft.com/office/drawing/2010/main" val="0"/>
@@ -6549,7 +5837,7 @@
                 <p:nvPr/>
               </p:nvPicPr>
               <p:blipFill rotWithShape="1">
-                <a:blip r:embed="rId3" cstate="print">
+                <a:blip r:embed="rId2" cstate="print">
                   <a:extLst>
                     <a:ext uri="{28A0092B-C50C-407E-A947-70E740481C1C}">
                       <a14:useLocalDpi xmlns:a14="http://schemas.microsoft.com/office/drawing/2010/main" val="0"/>
@@ -6868,7 +6156,7 @@
                 <p:nvPr/>
               </p:nvPicPr>
               <p:blipFill rotWithShape="1">
-                <a:blip r:embed="rId3" cstate="print">
+                <a:blip r:embed="rId2" cstate="print">
                   <a:extLst>
                     <a:ext uri="{28A0092B-C50C-407E-A947-70E740481C1C}">
                       <a14:useLocalDpi xmlns:a14="http://schemas.microsoft.com/office/drawing/2010/main" val="0"/>
@@ -7187,7 +6475,7 @@
                 <p:nvPr/>
               </p:nvPicPr>
               <p:blipFill rotWithShape="1">
-                <a:blip r:embed="rId3" cstate="print">
+                <a:blip r:embed="rId2" cstate="print">
                   <a:extLst>
                     <a:ext uri="{28A0092B-C50C-407E-A947-70E740481C1C}">
                       <a14:useLocalDpi xmlns:a14="http://schemas.microsoft.com/office/drawing/2010/main" val="0"/>
@@ -7506,7 +6794,7 @@
                 <p:nvPr/>
               </p:nvPicPr>
               <p:blipFill rotWithShape="1">
-                <a:blip r:embed="rId3" cstate="print">
+                <a:blip r:embed="rId2" cstate="print">
                   <a:extLst>
                     <a:ext uri="{28A0092B-C50C-407E-A947-70E740481C1C}">
                       <a14:useLocalDpi xmlns:a14="http://schemas.microsoft.com/office/drawing/2010/main" val="0"/>
@@ -7957,362 +7245,6 @@
           </a:fontRef>
         </p:style>
       </p:cxnSp>
-      <p:grpSp>
-        <p:nvGrpSpPr>
-          <p:cNvPr id="15" name="Grup 14"/>
-          <p:cNvGrpSpPr/>
-          <p:nvPr/>
-        </p:nvGrpSpPr>
-        <p:grpSpPr>
-          <a:xfrm>
-            <a:off x="228596" y="6231467"/>
-            <a:ext cx="3041654" cy="492576"/>
-            <a:chOff x="228596" y="6231467"/>
-            <a:chExt cx="3041654" cy="492576"/>
-          </a:xfrm>
-        </p:grpSpPr>
-        <p:grpSp>
-          <p:nvGrpSpPr>
-            <p:cNvPr id="8" name="Grup 7"/>
-            <p:cNvGrpSpPr/>
-            <p:nvPr/>
-          </p:nvGrpSpPr>
-          <p:grpSpPr>
-            <a:xfrm>
-              <a:off x="228596" y="6231467"/>
-              <a:ext cx="2802471" cy="457084"/>
-              <a:chOff x="127000" y="5901146"/>
-              <a:chExt cx="5156200" cy="838200"/>
-            </a:xfrm>
-          </p:grpSpPr>
-          <p:sp>
-            <p:nvSpPr>
-              <p:cNvPr id="7" name="Dikdörtgen 6"/>
-              <p:cNvSpPr/>
-              <p:nvPr/>
-            </p:nvSpPr>
-            <p:spPr>
-              <a:xfrm>
-                <a:off x="127000" y="5901146"/>
-                <a:ext cx="5156200" cy="838200"/>
-              </a:xfrm>
-              <a:prstGeom prst="rect">
-                <a:avLst/>
-              </a:prstGeom>
-              <a:solidFill>
-                <a:schemeClr val="bg1">
-                  <a:lumMod val="95000"/>
-                </a:schemeClr>
-              </a:solidFill>
-              <a:ln>
-                <a:noFill/>
-              </a:ln>
-            </p:spPr>
-            <p:style>
-              <a:lnRef idx="2">
-                <a:schemeClr val="accent1">
-                  <a:shade val="50000"/>
-                </a:schemeClr>
-              </a:lnRef>
-              <a:fillRef idx="1">
-                <a:schemeClr val="accent1"/>
-              </a:fillRef>
-              <a:effectRef idx="0">
-                <a:schemeClr val="accent1"/>
-              </a:effectRef>
-              <a:fontRef idx="minor">
-                <a:schemeClr val="lt1"/>
-              </a:fontRef>
-            </p:style>
-            <p:txBody>
-              <a:bodyPr rtlCol="0" anchor="ctr"/>
-              <a:lstStyle/>
-              <a:p>
-                <a:pPr algn="ctr"/>
-                <a:endParaRPr lang="en-US" sz="2000"/>
-              </a:p>
-            </p:txBody>
-          </p:sp>
-          <p:grpSp>
-            <p:nvGrpSpPr>
-              <p:cNvPr id="6" name="Grup 5"/>
-              <p:cNvGrpSpPr/>
-              <p:nvPr/>
-            </p:nvGrpSpPr>
-            <p:grpSpPr>
-              <a:xfrm>
-                <a:off x="211667" y="6019800"/>
-                <a:ext cx="5012266" cy="605115"/>
-                <a:chOff x="211667" y="6019800"/>
-                <a:chExt cx="5012266" cy="605115"/>
-              </a:xfrm>
-            </p:grpSpPr>
-            <p:pic>
-              <p:nvPicPr>
-                <p:cNvPr id="4" name="Resim 3"/>
-                <p:cNvPicPr>
-                  <a:picLocks noChangeAspect="1"/>
-                </p:cNvPicPr>
-                <p:nvPr/>
-              </p:nvPicPr>
-              <p:blipFill rotWithShape="1">
-                <a:blip r:embed="rId2" cstate="print">
-                  <a:extLst>
-                    <a:ext uri="{28A0092B-C50C-407E-A947-70E740481C1C}">
-                      <a14:useLocalDpi xmlns:a14="http://schemas.microsoft.com/office/drawing/2010/main" val="0"/>
-                    </a:ext>
-                  </a:extLst>
-                </a:blip>
-                <a:srcRect l="24387" t="8319" r="18355" b="50150"/>
-                <a:stretch/>
-              </p:blipFill>
-              <p:spPr>
-                <a:xfrm>
-                  <a:off x="211667" y="6019800"/>
-                  <a:ext cx="1072095" cy="600892"/>
-                </a:xfrm>
-                <a:prstGeom prst="rect">
-                  <a:avLst/>
-                </a:prstGeom>
-              </p:spPr>
-            </p:pic>
-            <p:sp>
-              <p:nvSpPr>
-                <p:cNvPr id="5" name="Unvan 1"/>
-                <p:cNvSpPr txBox="1">
-                  <a:spLocks/>
-                </p:cNvSpPr>
-                <p:nvPr/>
-              </p:nvSpPr>
-              <p:spPr>
-                <a:xfrm>
-                  <a:off x="1283763" y="6024023"/>
-                  <a:ext cx="3940170" cy="600892"/>
-                </a:xfrm>
-                <a:prstGeom prst="rect">
-                  <a:avLst/>
-                </a:prstGeom>
-              </p:spPr>
-              <p:txBody>
-                <a:bodyPr vert="horz" lIns="91440" tIns="45720" rIns="91440" bIns="45720" rtlCol="0" anchor="b">
-                  <a:noAutofit/>
-                </a:bodyPr>
-                <a:lstStyle>
-                  <a:lvl1pPr algn="ctr" defTabSz="914400" rtl="0" eaLnBrk="1" latinLnBrk="0" hangingPunct="1">
-                    <a:lnSpc>
-                      <a:spcPct val="90000"/>
-                    </a:lnSpc>
-                    <a:spcBef>
-                      <a:spcPct val="0"/>
-                    </a:spcBef>
-                    <a:buNone/>
-                    <a:defRPr sz="6000" kern="1200">
-                      <a:solidFill>
-                        <a:schemeClr val="tx1"/>
-                      </a:solidFill>
-                      <a:latin typeface="+mj-lt"/>
-                      <a:ea typeface="+mj-ea"/>
-                      <a:cs typeface="+mj-cs"/>
-                    </a:defRPr>
-                  </a:lvl1pPr>
-                </a:lstStyle>
-                <a:p>
-                  <a:pPr algn="l"/>
-                  <a:r>
-                    <a:rPr lang="tr-TR" sz="2000" dirty="0">
-                      <a:solidFill>
-                        <a:srgbClr val="CB171F"/>
-                      </a:solidFill>
-                      <a:latin typeface="Constantia" panose="02030602050306030303" pitchFamily="18" charset="0"/>
-                      <a:ea typeface="Verdana" panose="020B0604030504040204" pitchFamily="34" charset="0"/>
-                      <a:cs typeface="Arial" panose="020B0604020202020204" pitchFamily="34" charset="0"/>
-                    </a:rPr>
-                    <a:t>Veri Bilimi Okulu</a:t>
-                  </a:r>
-                  <a:endParaRPr lang="en-US" sz="2000" dirty="0">
-                    <a:solidFill>
-                      <a:srgbClr val="CB171F"/>
-                    </a:solidFill>
-                    <a:latin typeface="Constantia" panose="02030602050306030303" pitchFamily="18" charset="0"/>
-                    <a:ea typeface="Verdana" panose="020B0604030504040204" pitchFamily="34" charset="0"/>
-                    <a:cs typeface="Arial" panose="020B0604020202020204" pitchFamily="34" charset="0"/>
-                  </a:endParaRPr>
-                </a:p>
-              </p:txBody>
-            </p:sp>
-          </p:grpSp>
-        </p:grpSp>
-        <p:sp>
-          <p:nvSpPr>
-            <p:cNvPr id="12" name="Metin kutusu 11"/>
-            <p:cNvSpPr txBox="1"/>
-            <p:nvPr/>
-          </p:nvSpPr>
-          <p:spPr>
-            <a:xfrm>
-              <a:off x="1582782" y="6493211"/>
-              <a:ext cx="1687468" cy="230832"/>
-            </a:xfrm>
-            <a:prstGeom prst="rect">
-              <a:avLst/>
-            </a:prstGeom>
-            <a:noFill/>
-          </p:spPr>
-          <p:txBody>
-            <a:bodyPr wrap="square" rtlCol="0">
-              <a:spAutoFit/>
-            </a:bodyPr>
-            <a:lstStyle/>
-            <a:p>
-              <a:r>
-                <a:rPr lang="en-US" sz="900" dirty="0">
-                  <a:solidFill>
-                    <a:srgbClr val="0B8043"/>
-                  </a:solidFill>
-                </a:rPr>
-                <a:t>https:</a:t>
-              </a:r>
-              <a:r>
-                <a:rPr lang="en-US" sz="900" dirty="0">
-                  <a:solidFill>
-                    <a:schemeClr val="bg1">
-                      <a:lumMod val="50000"/>
-                    </a:schemeClr>
-                  </a:solidFill>
-                </a:rPr>
-                <a:t>//www.veribilimi.co</a:t>
-              </a:r>
-            </a:p>
-          </p:txBody>
-        </p:sp>
-      </p:grpSp>
-      <p:grpSp>
-        <p:nvGrpSpPr>
-          <p:cNvPr id="11" name="Grup 10"/>
-          <p:cNvGrpSpPr/>
-          <p:nvPr/>
-        </p:nvGrpSpPr>
-        <p:grpSpPr>
-          <a:xfrm>
-            <a:off x="9194796" y="6231467"/>
-            <a:ext cx="2802471" cy="457084"/>
-            <a:chOff x="184993" y="5905369"/>
-            <a:chExt cx="5156200" cy="838200"/>
-          </a:xfrm>
-        </p:grpSpPr>
-        <p:sp>
-          <p:nvSpPr>
-            <p:cNvPr id="13" name="Dikdörtgen 12"/>
-            <p:cNvSpPr/>
-            <p:nvPr/>
-          </p:nvSpPr>
-          <p:spPr>
-            <a:xfrm>
-              <a:off x="184993" y="5905369"/>
-              <a:ext cx="5156200" cy="838200"/>
-            </a:xfrm>
-            <a:prstGeom prst="rect">
-              <a:avLst/>
-            </a:prstGeom>
-            <a:solidFill>
-              <a:schemeClr val="bg1">
-                <a:lumMod val="95000"/>
-              </a:schemeClr>
-            </a:solidFill>
-            <a:ln>
-              <a:noFill/>
-            </a:ln>
-          </p:spPr>
-          <p:style>
-            <a:lnRef idx="2">
-              <a:schemeClr val="accent1">
-                <a:shade val="50000"/>
-              </a:schemeClr>
-            </a:lnRef>
-            <a:fillRef idx="1">
-              <a:schemeClr val="accent1"/>
-            </a:fillRef>
-            <a:effectRef idx="0">
-              <a:schemeClr val="accent1"/>
-            </a:effectRef>
-            <a:fontRef idx="minor">
-              <a:schemeClr val="lt1"/>
-            </a:fontRef>
-          </p:style>
-          <p:txBody>
-            <a:bodyPr rtlCol="0" anchor="ctr"/>
-            <a:lstStyle/>
-            <a:p>
-              <a:pPr algn="ctr"/>
-              <a:endParaRPr lang="en-US" sz="2000"/>
-            </a:p>
-          </p:txBody>
-        </p:sp>
-        <p:sp>
-          <p:nvSpPr>
-            <p:cNvPr id="14" name="Unvan 1"/>
-            <p:cNvSpPr txBox="1">
-              <a:spLocks/>
-            </p:cNvSpPr>
-            <p:nvPr/>
-          </p:nvSpPr>
-          <p:spPr>
-            <a:xfrm>
-              <a:off x="302252" y="6024023"/>
-              <a:ext cx="4921678" cy="600892"/>
-            </a:xfrm>
-            <a:prstGeom prst="rect">
-              <a:avLst/>
-            </a:prstGeom>
-          </p:spPr>
-          <p:txBody>
-            <a:bodyPr vert="horz" lIns="91440" tIns="45720" rIns="91440" bIns="45720" rtlCol="0" anchor="b">
-              <a:noAutofit/>
-            </a:bodyPr>
-            <a:lstStyle>
-              <a:lvl1pPr algn="ctr" defTabSz="914400" rtl="0" eaLnBrk="1" latinLnBrk="0" hangingPunct="1">
-                <a:lnSpc>
-                  <a:spcPct val="90000"/>
-                </a:lnSpc>
-                <a:spcBef>
-                  <a:spcPct val="0"/>
-                </a:spcBef>
-                <a:buNone/>
-                <a:defRPr sz="6000" kern="1200">
-                  <a:solidFill>
-                    <a:schemeClr val="tx1"/>
-                  </a:solidFill>
-                  <a:latin typeface="+mj-lt"/>
-                  <a:ea typeface="+mj-ea"/>
-                  <a:cs typeface="+mj-cs"/>
-                </a:defRPr>
-              </a:lvl1pPr>
-            </a:lstStyle>
-            <a:p>
-              <a:pPr algn="l"/>
-              <a:r>
-                <a:rPr lang="tr-TR" sz="2000" dirty="0">
-                  <a:solidFill>
-                    <a:srgbClr val="CB171F"/>
-                  </a:solidFill>
-                  <a:latin typeface="Constantia" panose="02030602050306030303" pitchFamily="18" charset="0"/>
-                  <a:ea typeface="Verdana" panose="020B0604030504040204" pitchFamily="34" charset="0"/>
-                  <a:cs typeface="Arial" panose="020B0604020202020204" pitchFamily="34" charset="0"/>
-                </a:rPr>
-                <a:t>A’dan Z’ye Büyük Veri</a:t>
-              </a:r>
-              <a:endParaRPr lang="en-US" sz="2000" dirty="0">
-                <a:solidFill>
-                  <a:srgbClr val="CB171F"/>
-                </a:solidFill>
-                <a:latin typeface="Constantia" panose="02030602050306030303" pitchFamily="18" charset="0"/>
-                <a:ea typeface="Verdana" panose="020B0604030504040204" pitchFamily="34" charset="0"/>
-                <a:cs typeface="Arial" panose="020B0604020202020204" pitchFamily="34" charset="0"/>
-              </a:endParaRPr>
-            </a:p>
-          </p:txBody>
-        </p:sp>
-      </p:grpSp>
       <p:sp>
         <p:nvSpPr>
           <p:cNvPr id="9" name="Dikdörtgen 8"/>
@@ -8538,7 +7470,7 @@
           <p:nvPr/>
         </p:nvPicPr>
         <p:blipFill>
-          <a:blip r:embed="rId3" cstate="print">
+          <a:blip r:embed="rId2" cstate="print">
             <a:extLst>
               <a:ext uri="{28A0092B-C50C-407E-A947-70E740481C1C}">
                 <a14:useLocalDpi xmlns:a14="http://schemas.microsoft.com/office/drawing/2010/main" val="0"/>
@@ -9139,362 +8071,6 @@
           </a:fontRef>
         </p:style>
       </p:cxnSp>
-      <p:grpSp>
-        <p:nvGrpSpPr>
-          <p:cNvPr id="15" name="Grup 14"/>
-          <p:cNvGrpSpPr/>
-          <p:nvPr/>
-        </p:nvGrpSpPr>
-        <p:grpSpPr>
-          <a:xfrm>
-            <a:off x="228596" y="6231467"/>
-            <a:ext cx="3041654" cy="492576"/>
-            <a:chOff x="228596" y="6231467"/>
-            <a:chExt cx="3041654" cy="492576"/>
-          </a:xfrm>
-        </p:grpSpPr>
-        <p:grpSp>
-          <p:nvGrpSpPr>
-            <p:cNvPr id="8" name="Grup 7"/>
-            <p:cNvGrpSpPr/>
-            <p:nvPr/>
-          </p:nvGrpSpPr>
-          <p:grpSpPr>
-            <a:xfrm>
-              <a:off x="228596" y="6231467"/>
-              <a:ext cx="2802471" cy="457084"/>
-              <a:chOff x="127000" y="5901146"/>
-              <a:chExt cx="5156200" cy="838200"/>
-            </a:xfrm>
-          </p:grpSpPr>
-          <p:sp>
-            <p:nvSpPr>
-              <p:cNvPr id="7" name="Dikdörtgen 6"/>
-              <p:cNvSpPr/>
-              <p:nvPr/>
-            </p:nvSpPr>
-            <p:spPr>
-              <a:xfrm>
-                <a:off x="127000" y="5901146"/>
-                <a:ext cx="5156200" cy="838200"/>
-              </a:xfrm>
-              <a:prstGeom prst="rect">
-                <a:avLst/>
-              </a:prstGeom>
-              <a:solidFill>
-                <a:schemeClr val="bg1">
-                  <a:lumMod val="95000"/>
-                </a:schemeClr>
-              </a:solidFill>
-              <a:ln>
-                <a:noFill/>
-              </a:ln>
-            </p:spPr>
-            <p:style>
-              <a:lnRef idx="2">
-                <a:schemeClr val="accent1">
-                  <a:shade val="50000"/>
-                </a:schemeClr>
-              </a:lnRef>
-              <a:fillRef idx="1">
-                <a:schemeClr val="accent1"/>
-              </a:fillRef>
-              <a:effectRef idx="0">
-                <a:schemeClr val="accent1"/>
-              </a:effectRef>
-              <a:fontRef idx="minor">
-                <a:schemeClr val="lt1"/>
-              </a:fontRef>
-            </p:style>
-            <p:txBody>
-              <a:bodyPr rtlCol="0" anchor="ctr"/>
-              <a:lstStyle/>
-              <a:p>
-                <a:pPr algn="ctr"/>
-                <a:endParaRPr lang="en-US" sz="2000"/>
-              </a:p>
-            </p:txBody>
-          </p:sp>
-          <p:grpSp>
-            <p:nvGrpSpPr>
-              <p:cNvPr id="6" name="Grup 5"/>
-              <p:cNvGrpSpPr/>
-              <p:nvPr/>
-            </p:nvGrpSpPr>
-            <p:grpSpPr>
-              <a:xfrm>
-                <a:off x="211667" y="6019800"/>
-                <a:ext cx="5012266" cy="605115"/>
-                <a:chOff x="211667" y="6019800"/>
-                <a:chExt cx="5012266" cy="605115"/>
-              </a:xfrm>
-            </p:grpSpPr>
-            <p:pic>
-              <p:nvPicPr>
-                <p:cNvPr id="4" name="Resim 3"/>
-                <p:cNvPicPr>
-                  <a:picLocks noChangeAspect="1"/>
-                </p:cNvPicPr>
-                <p:nvPr/>
-              </p:nvPicPr>
-              <p:blipFill rotWithShape="1">
-                <a:blip r:embed="rId2" cstate="print">
-                  <a:extLst>
-                    <a:ext uri="{28A0092B-C50C-407E-A947-70E740481C1C}">
-                      <a14:useLocalDpi xmlns:a14="http://schemas.microsoft.com/office/drawing/2010/main" val="0"/>
-                    </a:ext>
-                  </a:extLst>
-                </a:blip>
-                <a:srcRect l="24387" t="8319" r="18355" b="50150"/>
-                <a:stretch/>
-              </p:blipFill>
-              <p:spPr>
-                <a:xfrm>
-                  <a:off x="211667" y="6019800"/>
-                  <a:ext cx="1072095" cy="600892"/>
-                </a:xfrm>
-                <a:prstGeom prst="rect">
-                  <a:avLst/>
-                </a:prstGeom>
-              </p:spPr>
-            </p:pic>
-            <p:sp>
-              <p:nvSpPr>
-                <p:cNvPr id="5" name="Unvan 1"/>
-                <p:cNvSpPr txBox="1">
-                  <a:spLocks/>
-                </p:cNvSpPr>
-                <p:nvPr/>
-              </p:nvSpPr>
-              <p:spPr>
-                <a:xfrm>
-                  <a:off x="1283763" y="6024023"/>
-                  <a:ext cx="3940170" cy="600892"/>
-                </a:xfrm>
-                <a:prstGeom prst="rect">
-                  <a:avLst/>
-                </a:prstGeom>
-              </p:spPr>
-              <p:txBody>
-                <a:bodyPr vert="horz" lIns="91440" tIns="45720" rIns="91440" bIns="45720" rtlCol="0" anchor="b">
-                  <a:noAutofit/>
-                </a:bodyPr>
-                <a:lstStyle>
-                  <a:lvl1pPr algn="ctr" defTabSz="914400" rtl="0" eaLnBrk="1" latinLnBrk="0" hangingPunct="1">
-                    <a:lnSpc>
-                      <a:spcPct val="90000"/>
-                    </a:lnSpc>
-                    <a:spcBef>
-                      <a:spcPct val="0"/>
-                    </a:spcBef>
-                    <a:buNone/>
-                    <a:defRPr sz="6000" kern="1200">
-                      <a:solidFill>
-                        <a:schemeClr val="tx1"/>
-                      </a:solidFill>
-                      <a:latin typeface="+mj-lt"/>
-                      <a:ea typeface="+mj-ea"/>
-                      <a:cs typeface="+mj-cs"/>
-                    </a:defRPr>
-                  </a:lvl1pPr>
-                </a:lstStyle>
-                <a:p>
-                  <a:pPr algn="l"/>
-                  <a:r>
-                    <a:rPr lang="tr-TR" sz="2000" dirty="0">
-                      <a:solidFill>
-                        <a:srgbClr val="CB171F"/>
-                      </a:solidFill>
-                      <a:latin typeface="Constantia" panose="02030602050306030303" pitchFamily="18" charset="0"/>
-                      <a:ea typeface="Verdana" panose="020B0604030504040204" pitchFamily="34" charset="0"/>
-                      <a:cs typeface="Arial" panose="020B0604020202020204" pitchFamily="34" charset="0"/>
-                    </a:rPr>
-                    <a:t>Veri Bilimi Okulu</a:t>
-                  </a:r>
-                  <a:endParaRPr lang="en-US" sz="2000" dirty="0">
-                    <a:solidFill>
-                      <a:srgbClr val="CB171F"/>
-                    </a:solidFill>
-                    <a:latin typeface="Constantia" panose="02030602050306030303" pitchFamily="18" charset="0"/>
-                    <a:ea typeface="Verdana" panose="020B0604030504040204" pitchFamily="34" charset="0"/>
-                    <a:cs typeface="Arial" panose="020B0604020202020204" pitchFamily="34" charset="0"/>
-                  </a:endParaRPr>
-                </a:p>
-              </p:txBody>
-            </p:sp>
-          </p:grpSp>
-        </p:grpSp>
-        <p:sp>
-          <p:nvSpPr>
-            <p:cNvPr id="12" name="Metin kutusu 11"/>
-            <p:cNvSpPr txBox="1"/>
-            <p:nvPr/>
-          </p:nvSpPr>
-          <p:spPr>
-            <a:xfrm>
-              <a:off x="1582782" y="6493211"/>
-              <a:ext cx="1687468" cy="230832"/>
-            </a:xfrm>
-            <a:prstGeom prst="rect">
-              <a:avLst/>
-            </a:prstGeom>
-            <a:noFill/>
-          </p:spPr>
-          <p:txBody>
-            <a:bodyPr wrap="square" rtlCol="0">
-              <a:spAutoFit/>
-            </a:bodyPr>
-            <a:lstStyle/>
-            <a:p>
-              <a:r>
-                <a:rPr lang="en-US" sz="900" dirty="0">
-                  <a:solidFill>
-                    <a:srgbClr val="0B8043"/>
-                  </a:solidFill>
-                </a:rPr>
-                <a:t>https:</a:t>
-              </a:r>
-              <a:r>
-                <a:rPr lang="en-US" sz="900" dirty="0">
-                  <a:solidFill>
-                    <a:schemeClr val="bg1">
-                      <a:lumMod val="50000"/>
-                    </a:schemeClr>
-                  </a:solidFill>
-                </a:rPr>
-                <a:t>//www.veribilimi.co</a:t>
-              </a:r>
-            </a:p>
-          </p:txBody>
-        </p:sp>
-      </p:grpSp>
-      <p:grpSp>
-        <p:nvGrpSpPr>
-          <p:cNvPr id="11" name="Grup 10"/>
-          <p:cNvGrpSpPr/>
-          <p:nvPr/>
-        </p:nvGrpSpPr>
-        <p:grpSpPr>
-          <a:xfrm>
-            <a:off x="9194796" y="6231467"/>
-            <a:ext cx="2802471" cy="457084"/>
-            <a:chOff x="184993" y="5905369"/>
-            <a:chExt cx="5156200" cy="838200"/>
-          </a:xfrm>
-        </p:grpSpPr>
-        <p:sp>
-          <p:nvSpPr>
-            <p:cNvPr id="13" name="Dikdörtgen 12"/>
-            <p:cNvSpPr/>
-            <p:nvPr/>
-          </p:nvSpPr>
-          <p:spPr>
-            <a:xfrm>
-              <a:off x="184993" y="5905369"/>
-              <a:ext cx="5156200" cy="838200"/>
-            </a:xfrm>
-            <a:prstGeom prst="rect">
-              <a:avLst/>
-            </a:prstGeom>
-            <a:solidFill>
-              <a:schemeClr val="bg1">
-                <a:lumMod val="95000"/>
-              </a:schemeClr>
-            </a:solidFill>
-            <a:ln>
-              <a:noFill/>
-            </a:ln>
-          </p:spPr>
-          <p:style>
-            <a:lnRef idx="2">
-              <a:schemeClr val="accent1">
-                <a:shade val="50000"/>
-              </a:schemeClr>
-            </a:lnRef>
-            <a:fillRef idx="1">
-              <a:schemeClr val="accent1"/>
-            </a:fillRef>
-            <a:effectRef idx="0">
-              <a:schemeClr val="accent1"/>
-            </a:effectRef>
-            <a:fontRef idx="minor">
-              <a:schemeClr val="lt1"/>
-            </a:fontRef>
-          </p:style>
-          <p:txBody>
-            <a:bodyPr rtlCol="0" anchor="ctr"/>
-            <a:lstStyle/>
-            <a:p>
-              <a:pPr algn="ctr"/>
-              <a:endParaRPr lang="en-US" sz="2000"/>
-            </a:p>
-          </p:txBody>
-        </p:sp>
-        <p:sp>
-          <p:nvSpPr>
-            <p:cNvPr id="14" name="Unvan 1"/>
-            <p:cNvSpPr txBox="1">
-              <a:spLocks/>
-            </p:cNvSpPr>
-            <p:nvPr/>
-          </p:nvSpPr>
-          <p:spPr>
-            <a:xfrm>
-              <a:off x="302252" y="6024023"/>
-              <a:ext cx="4921678" cy="600892"/>
-            </a:xfrm>
-            <a:prstGeom prst="rect">
-              <a:avLst/>
-            </a:prstGeom>
-          </p:spPr>
-          <p:txBody>
-            <a:bodyPr vert="horz" lIns="91440" tIns="45720" rIns="91440" bIns="45720" rtlCol="0" anchor="b">
-              <a:noAutofit/>
-            </a:bodyPr>
-            <a:lstStyle>
-              <a:lvl1pPr algn="ctr" defTabSz="914400" rtl="0" eaLnBrk="1" latinLnBrk="0" hangingPunct="1">
-                <a:lnSpc>
-                  <a:spcPct val="90000"/>
-                </a:lnSpc>
-                <a:spcBef>
-                  <a:spcPct val="0"/>
-                </a:spcBef>
-                <a:buNone/>
-                <a:defRPr sz="6000" kern="1200">
-                  <a:solidFill>
-                    <a:schemeClr val="tx1"/>
-                  </a:solidFill>
-                  <a:latin typeface="+mj-lt"/>
-                  <a:ea typeface="+mj-ea"/>
-                  <a:cs typeface="+mj-cs"/>
-                </a:defRPr>
-              </a:lvl1pPr>
-            </a:lstStyle>
-            <a:p>
-              <a:pPr algn="l"/>
-              <a:r>
-                <a:rPr lang="tr-TR" sz="2000" dirty="0">
-                  <a:solidFill>
-                    <a:srgbClr val="CB171F"/>
-                  </a:solidFill>
-                  <a:latin typeface="Constantia" panose="02030602050306030303" pitchFamily="18" charset="0"/>
-                  <a:ea typeface="Verdana" panose="020B0604030504040204" pitchFamily="34" charset="0"/>
-                  <a:cs typeface="Arial" panose="020B0604020202020204" pitchFamily="34" charset="0"/>
-                </a:rPr>
-                <a:t>A’dan Z’ye Büyük Veri</a:t>
-              </a:r>
-              <a:endParaRPr lang="en-US" sz="2000" dirty="0">
-                <a:solidFill>
-                  <a:srgbClr val="CB171F"/>
-                </a:solidFill>
-                <a:latin typeface="Constantia" panose="02030602050306030303" pitchFamily="18" charset="0"/>
-                <a:ea typeface="Verdana" panose="020B0604030504040204" pitchFamily="34" charset="0"/>
-                <a:cs typeface="Arial" panose="020B0604020202020204" pitchFamily="34" charset="0"/>
-              </a:endParaRPr>
-            </a:p>
-          </p:txBody>
-        </p:sp>
-      </p:grpSp>
       <p:sp>
         <p:nvSpPr>
           <p:cNvPr id="16" name="Unvan 1"/>
@@ -10976,362 +9552,6 @@
           </a:fontRef>
         </p:style>
       </p:cxnSp>
-      <p:grpSp>
-        <p:nvGrpSpPr>
-          <p:cNvPr id="15" name="Grup 14"/>
-          <p:cNvGrpSpPr/>
-          <p:nvPr/>
-        </p:nvGrpSpPr>
-        <p:grpSpPr>
-          <a:xfrm>
-            <a:off x="228596" y="6231467"/>
-            <a:ext cx="3041654" cy="492576"/>
-            <a:chOff x="228596" y="6231467"/>
-            <a:chExt cx="3041654" cy="492576"/>
-          </a:xfrm>
-        </p:grpSpPr>
-        <p:grpSp>
-          <p:nvGrpSpPr>
-            <p:cNvPr id="8" name="Grup 7"/>
-            <p:cNvGrpSpPr/>
-            <p:nvPr/>
-          </p:nvGrpSpPr>
-          <p:grpSpPr>
-            <a:xfrm>
-              <a:off x="228596" y="6231467"/>
-              <a:ext cx="2802471" cy="457084"/>
-              <a:chOff x="127000" y="5901146"/>
-              <a:chExt cx="5156200" cy="838200"/>
-            </a:xfrm>
-          </p:grpSpPr>
-          <p:sp>
-            <p:nvSpPr>
-              <p:cNvPr id="7" name="Dikdörtgen 6"/>
-              <p:cNvSpPr/>
-              <p:nvPr/>
-            </p:nvSpPr>
-            <p:spPr>
-              <a:xfrm>
-                <a:off x="127000" y="5901146"/>
-                <a:ext cx="5156200" cy="838200"/>
-              </a:xfrm>
-              <a:prstGeom prst="rect">
-                <a:avLst/>
-              </a:prstGeom>
-              <a:solidFill>
-                <a:schemeClr val="bg1">
-                  <a:lumMod val="95000"/>
-                </a:schemeClr>
-              </a:solidFill>
-              <a:ln>
-                <a:noFill/>
-              </a:ln>
-            </p:spPr>
-            <p:style>
-              <a:lnRef idx="2">
-                <a:schemeClr val="accent1">
-                  <a:shade val="50000"/>
-                </a:schemeClr>
-              </a:lnRef>
-              <a:fillRef idx="1">
-                <a:schemeClr val="accent1"/>
-              </a:fillRef>
-              <a:effectRef idx="0">
-                <a:schemeClr val="accent1"/>
-              </a:effectRef>
-              <a:fontRef idx="minor">
-                <a:schemeClr val="lt1"/>
-              </a:fontRef>
-            </p:style>
-            <p:txBody>
-              <a:bodyPr rtlCol="0" anchor="ctr"/>
-              <a:lstStyle/>
-              <a:p>
-                <a:pPr algn="ctr"/>
-                <a:endParaRPr lang="en-US" sz="2000"/>
-              </a:p>
-            </p:txBody>
-          </p:sp>
-          <p:grpSp>
-            <p:nvGrpSpPr>
-              <p:cNvPr id="6" name="Grup 5"/>
-              <p:cNvGrpSpPr/>
-              <p:nvPr/>
-            </p:nvGrpSpPr>
-            <p:grpSpPr>
-              <a:xfrm>
-                <a:off x="211667" y="6019800"/>
-                <a:ext cx="5012266" cy="605115"/>
-                <a:chOff x="211667" y="6019800"/>
-                <a:chExt cx="5012266" cy="605115"/>
-              </a:xfrm>
-            </p:grpSpPr>
-            <p:pic>
-              <p:nvPicPr>
-                <p:cNvPr id="4" name="Resim 3"/>
-                <p:cNvPicPr>
-                  <a:picLocks noChangeAspect="1"/>
-                </p:cNvPicPr>
-                <p:nvPr/>
-              </p:nvPicPr>
-              <p:blipFill rotWithShape="1">
-                <a:blip r:embed="rId2" cstate="print">
-                  <a:extLst>
-                    <a:ext uri="{28A0092B-C50C-407E-A947-70E740481C1C}">
-                      <a14:useLocalDpi xmlns:a14="http://schemas.microsoft.com/office/drawing/2010/main" val="0"/>
-                    </a:ext>
-                  </a:extLst>
-                </a:blip>
-                <a:srcRect l="24387" t="8319" r="18355" b="50150"/>
-                <a:stretch/>
-              </p:blipFill>
-              <p:spPr>
-                <a:xfrm>
-                  <a:off x="211667" y="6019800"/>
-                  <a:ext cx="1072095" cy="600892"/>
-                </a:xfrm>
-                <a:prstGeom prst="rect">
-                  <a:avLst/>
-                </a:prstGeom>
-              </p:spPr>
-            </p:pic>
-            <p:sp>
-              <p:nvSpPr>
-                <p:cNvPr id="5" name="Unvan 1"/>
-                <p:cNvSpPr txBox="1">
-                  <a:spLocks/>
-                </p:cNvSpPr>
-                <p:nvPr/>
-              </p:nvSpPr>
-              <p:spPr>
-                <a:xfrm>
-                  <a:off x="1283763" y="6024023"/>
-                  <a:ext cx="3940170" cy="600892"/>
-                </a:xfrm>
-                <a:prstGeom prst="rect">
-                  <a:avLst/>
-                </a:prstGeom>
-              </p:spPr>
-              <p:txBody>
-                <a:bodyPr vert="horz" lIns="91440" tIns="45720" rIns="91440" bIns="45720" rtlCol="0" anchor="b">
-                  <a:noAutofit/>
-                </a:bodyPr>
-                <a:lstStyle>
-                  <a:lvl1pPr algn="ctr" defTabSz="914400" rtl="0" eaLnBrk="1" latinLnBrk="0" hangingPunct="1">
-                    <a:lnSpc>
-                      <a:spcPct val="90000"/>
-                    </a:lnSpc>
-                    <a:spcBef>
-                      <a:spcPct val="0"/>
-                    </a:spcBef>
-                    <a:buNone/>
-                    <a:defRPr sz="6000" kern="1200">
-                      <a:solidFill>
-                        <a:schemeClr val="tx1"/>
-                      </a:solidFill>
-                      <a:latin typeface="+mj-lt"/>
-                      <a:ea typeface="+mj-ea"/>
-                      <a:cs typeface="+mj-cs"/>
-                    </a:defRPr>
-                  </a:lvl1pPr>
-                </a:lstStyle>
-                <a:p>
-                  <a:pPr algn="l"/>
-                  <a:r>
-                    <a:rPr lang="tr-TR" sz="2000" dirty="0">
-                      <a:solidFill>
-                        <a:srgbClr val="CB171F"/>
-                      </a:solidFill>
-                      <a:latin typeface="Constantia" panose="02030602050306030303" pitchFamily="18" charset="0"/>
-                      <a:ea typeface="Verdana" panose="020B0604030504040204" pitchFamily="34" charset="0"/>
-                      <a:cs typeface="Arial" panose="020B0604020202020204" pitchFamily="34" charset="0"/>
-                    </a:rPr>
-                    <a:t>Veri Bilimi Okulu</a:t>
-                  </a:r>
-                  <a:endParaRPr lang="en-US" sz="2000" dirty="0">
-                    <a:solidFill>
-                      <a:srgbClr val="CB171F"/>
-                    </a:solidFill>
-                    <a:latin typeface="Constantia" panose="02030602050306030303" pitchFamily="18" charset="0"/>
-                    <a:ea typeface="Verdana" panose="020B0604030504040204" pitchFamily="34" charset="0"/>
-                    <a:cs typeface="Arial" panose="020B0604020202020204" pitchFamily="34" charset="0"/>
-                  </a:endParaRPr>
-                </a:p>
-              </p:txBody>
-            </p:sp>
-          </p:grpSp>
-        </p:grpSp>
-        <p:sp>
-          <p:nvSpPr>
-            <p:cNvPr id="12" name="Metin kutusu 11"/>
-            <p:cNvSpPr txBox="1"/>
-            <p:nvPr/>
-          </p:nvSpPr>
-          <p:spPr>
-            <a:xfrm>
-              <a:off x="1582782" y="6493211"/>
-              <a:ext cx="1687468" cy="230832"/>
-            </a:xfrm>
-            <a:prstGeom prst="rect">
-              <a:avLst/>
-            </a:prstGeom>
-            <a:noFill/>
-          </p:spPr>
-          <p:txBody>
-            <a:bodyPr wrap="square" rtlCol="0">
-              <a:spAutoFit/>
-            </a:bodyPr>
-            <a:lstStyle/>
-            <a:p>
-              <a:r>
-                <a:rPr lang="en-US" sz="900" dirty="0">
-                  <a:solidFill>
-                    <a:srgbClr val="0B8043"/>
-                  </a:solidFill>
-                </a:rPr>
-                <a:t>https:</a:t>
-              </a:r>
-              <a:r>
-                <a:rPr lang="en-US" sz="900" dirty="0">
-                  <a:solidFill>
-                    <a:schemeClr val="bg1">
-                      <a:lumMod val="50000"/>
-                    </a:schemeClr>
-                  </a:solidFill>
-                </a:rPr>
-                <a:t>//www.veribilimi.co</a:t>
-              </a:r>
-            </a:p>
-          </p:txBody>
-        </p:sp>
-      </p:grpSp>
-      <p:grpSp>
-        <p:nvGrpSpPr>
-          <p:cNvPr id="11" name="Grup 10"/>
-          <p:cNvGrpSpPr/>
-          <p:nvPr/>
-        </p:nvGrpSpPr>
-        <p:grpSpPr>
-          <a:xfrm>
-            <a:off x="9194796" y="6231467"/>
-            <a:ext cx="2802471" cy="457084"/>
-            <a:chOff x="184993" y="5905369"/>
-            <a:chExt cx="5156200" cy="838200"/>
-          </a:xfrm>
-        </p:grpSpPr>
-        <p:sp>
-          <p:nvSpPr>
-            <p:cNvPr id="13" name="Dikdörtgen 12"/>
-            <p:cNvSpPr/>
-            <p:nvPr/>
-          </p:nvSpPr>
-          <p:spPr>
-            <a:xfrm>
-              <a:off x="184993" y="5905369"/>
-              <a:ext cx="5156200" cy="838200"/>
-            </a:xfrm>
-            <a:prstGeom prst="rect">
-              <a:avLst/>
-            </a:prstGeom>
-            <a:solidFill>
-              <a:schemeClr val="bg1">
-                <a:lumMod val="95000"/>
-              </a:schemeClr>
-            </a:solidFill>
-            <a:ln>
-              <a:noFill/>
-            </a:ln>
-          </p:spPr>
-          <p:style>
-            <a:lnRef idx="2">
-              <a:schemeClr val="accent1">
-                <a:shade val="50000"/>
-              </a:schemeClr>
-            </a:lnRef>
-            <a:fillRef idx="1">
-              <a:schemeClr val="accent1"/>
-            </a:fillRef>
-            <a:effectRef idx="0">
-              <a:schemeClr val="accent1"/>
-            </a:effectRef>
-            <a:fontRef idx="minor">
-              <a:schemeClr val="lt1"/>
-            </a:fontRef>
-          </p:style>
-          <p:txBody>
-            <a:bodyPr rtlCol="0" anchor="ctr"/>
-            <a:lstStyle/>
-            <a:p>
-              <a:pPr algn="ctr"/>
-              <a:endParaRPr lang="en-US" sz="2000"/>
-            </a:p>
-          </p:txBody>
-        </p:sp>
-        <p:sp>
-          <p:nvSpPr>
-            <p:cNvPr id="14" name="Unvan 1"/>
-            <p:cNvSpPr txBox="1">
-              <a:spLocks/>
-            </p:cNvSpPr>
-            <p:nvPr/>
-          </p:nvSpPr>
-          <p:spPr>
-            <a:xfrm>
-              <a:off x="302252" y="6024023"/>
-              <a:ext cx="4921678" cy="600892"/>
-            </a:xfrm>
-            <a:prstGeom prst="rect">
-              <a:avLst/>
-            </a:prstGeom>
-          </p:spPr>
-          <p:txBody>
-            <a:bodyPr vert="horz" lIns="91440" tIns="45720" rIns="91440" bIns="45720" rtlCol="0" anchor="b">
-              <a:noAutofit/>
-            </a:bodyPr>
-            <a:lstStyle>
-              <a:lvl1pPr algn="ctr" defTabSz="914400" rtl="0" eaLnBrk="1" latinLnBrk="0" hangingPunct="1">
-                <a:lnSpc>
-                  <a:spcPct val="90000"/>
-                </a:lnSpc>
-                <a:spcBef>
-                  <a:spcPct val="0"/>
-                </a:spcBef>
-                <a:buNone/>
-                <a:defRPr sz="6000" kern="1200">
-                  <a:solidFill>
-                    <a:schemeClr val="tx1"/>
-                  </a:solidFill>
-                  <a:latin typeface="+mj-lt"/>
-                  <a:ea typeface="+mj-ea"/>
-                  <a:cs typeface="+mj-cs"/>
-                </a:defRPr>
-              </a:lvl1pPr>
-            </a:lstStyle>
-            <a:p>
-              <a:pPr algn="l"/>
-              <a:r>
-                <a:rPr lang="tr-TR" sz="2000" dirty="0">
-                  <a:solidFill>
-                    <a:srgbClr val="CB171F"/>
-                  </a:solidFill>
-                  <a:latin typeface="Constantia" panose="02030602050306030303" pitchFamily="18" charset="0"/>
-                  <a:ea typeface="Verdana" panose="020B0604030504040204" pitchFamily="34" charset="0"/>
-                  <a:cs typeface="Arial" panose="020B0604020202020204" pitchFamily="34" charset="0"/>
-                </a:rPr>
-                <a:t>A’dan Z’ye Büyük Veri</a:t>
-              </a:r>
-              <a:endParaRPr lang="en-US" sz="2000" dirty="0">
-                <a:solidFill>
-                  <a:srgbClr val="CB171F"/>
-                </a:solidFill>
-                <a:latin typeface="Constantia" panose="02030602050306030303" pitchFamily="18" charset="0"/>
-                <a:ea typeface="Verdana" panose="020B0604030504040204" pitchFamily="34" charset="0"/>
-                <a:cs typeface="Arial" panose="020B0604020202020204" pitchFamily="34" charset="0"/>
-              </a:endParaRPr>
-            </a:p>
-          </p:txBody>
-        </p:sp>
-      </p:grpSp>
       <p:sp>
         <p:nvSpPr>
           <p:cNvPr id="16" name="Unvan 1"/>
@@ -11685,7 +9905,7 @@
             <p:nvPr/>
           </p:nvPicPr>
           <p:blipFill rotWithShape="1">
-            <a:blip r:embed="rId3" cstate="print">
+            <a:blip r:embed="rId2" cstate="print">
               <a:extLst>
                 <a:ext uri="{28A0092B-C50C-407E-A947-70E740481C1C}">
                   <a14:useLocalDpi xmlns:a14="http://schemas.microsoft.com/office/drawing/2010/main" val="0"/>
@@ -12004,7 +10224,7 @@
             <p:nvPr/>
           </p:nvPicPr>
           <p:blipFill rotWithShape="1">
-            <a:blip r:embed="rId3" cstate="print">
+            <a:blip r:embed="rId2" cstate="print">
               <a:extLst>
                 <a:ext uri="{28A0092B-C50C-407E-A947-70E740481C1C}">
                   <a14:useLocalDpi xmlns:a14="http://schemas.microsoft.com/office/drawing/2010/main" val="0"/>
@@ -12323,7 +10543,7 @@
             <p:nvPr/>
           </p:nvPicPr>
           <p:blipFill rotWithShape="1">
-            <a:blip r:embed="rId3" cstate="print">
+            <a:blip r:embed="rId2" cstate="print">
               <a:extLst>
                 <a:ext uri="{28A0092B-C50C-407E-A947-70E740481C1C}">
                   <a14:useLocalDpi xmlns:a14="http://schemas.microsoft.com/office/drawing/2010/main" val="0"/>
@@ -12642,7 +10862,7 @@
             <p:nvPr/>
           </p:nvPicPr>
           <p:blipFill rotWithShape="1">
-            <a:blip r:embed="rId3" cstate="print">
+            <a:blip r:embed="rId2" cstate="print">
               <a:extLst>
                 <a:ext uri="{28A0092B-C50C-407E-A947-70E740481C1C}">
                   <a14:useLocalDpi xmlns:a14="http://schemas.microsoft.com/office/drawing/2010/main" val="0"/>
@@ -12961,7 +11181,7 @@
             <p:nvPr/>
           </p:nvPicPr>
           <p:blipFill rotWithShape="1">
-            <a:blip r:embed="rId3" cstate="print">
+            <a:blip r:embed="rId2" cstate="print">
               <a:extLst>
                 <a:ext uri="{28A0092B-C50C-407E-A947-70E740481C1C}">
                   <a14:useLocalDpi xmlns:a14="http://schemas.microsoft.com/office/drawing/2010/main" val="0"/>
@@ -13280,7 +11500,7 @@
             <p:nvPr/>
           </p:nvPicPr>
           <p:blipFill rotWithShape="1">
-            <a:blip r:embed="rId3" cstate="print">
+            <a:blip r:embed="rId2" cstate="print">
               <a:extLst>
                 <a:ext uri="{28A0092B-C50C-407E-A947-70E740481C1C}">
                   <a14:useLocalDpi xmlns:a14="http://schemas.microsoft.com/office/drawing/2010/main" val="0"/>
@@ -13594,7 +11814,7 @@
           <p:nvPr/>
         </p:nvPicPr>
         <p:blipFill>
-          <a:blip r:embed="rId4" cstate="print">
+          <a:blip r:embed="rId3" cstate="print">
             <a:extLst>
               <a:ext uri="{28A0092B-C50C-407E-A947-70E740481C1C}">
                 <a14:useLocalDpi xmlns:a14="http://schemas.microsoft.com/office/drawing/2010/main" val="0"/>
@@ -13718,7 +11938,7 @@
           <p:nvPr/>
         </p:nvPicPr>
         <p:blipFill>
-          <a:blip r:embed="rId5"/>
+          <a:blip r:embed="rId4"/>
           <a:stretch>
             <a:fillRect/>
           </a:stretch>
@@ -13742,7 +11962,7 @@
           <p:nvPr/>
         </p:nvPicPr>
         <p:blipFill>
-          <a:blip r:embed="rId6" cstate="print">
+          <a:blip r:embed="rId5" cstate="print">
             <a:extLst>
               <a:ext uri="{28A0092B-C50C-407E-A947-70E740481C1C}">
                 <a14:useLocalDpi xmlns:a14="http://schemas.microsoft.com/office/drawing/2010/main" val="0"/>
@@ -13772,7 +11992,7 @@
           <p:nvPr/>
         </p:nvPicPr>
         <p:blipFill>
-          <a:blip r:embed="rId6" cstate="print">
+          <a:blip r:embed="rId5" cstate="print">
             <a:extLst>
               <a:ext uri="{28A0092B-C50C-407E-A947-70E740481C1C}">
                 <a14:useLocalDpi xmlns:a14="http://schemas.microsoft.com/office/drawing/2010/main" val="0"/>
@@ -13802,7 +12022,7 @@
           <p:nvPr/>
         </p:nvPicPr>
         <p:blipFill>
-          <a:blip r:embed="rId6" cstate="print">
+          <a:blip r:embed="rId5" cstate="print">
             <a:extLst>
               <a:ext uri="{28A0092B-C50C-407E-A947-70E740481C1C}">
                 <a14:useLocalDpi xmlns:a14="http://schemas.microsoft.com/office/drawing/2010/main" val="0"/>
@@ -13832,7 +12052,7 @@
           <p:nvPr/>
         </p:nvPicPr>
         <p:blipFill>
-          <a:blip r:embed="rId6" cstate="print">
+          <a:blip r:embed="rId5" cstate="print">
             <a:extLst>
               <a:ext uri="{28A0092B-C50C-407E-A947-70E740481C1C}">
                 <a14:useLocalDpi xmlns:a14="http://schemas.microsoft.com/office/drawing/2010/main" val="0"/>
@@ -13862,7 +12082,7 @@
           <p:nvPr/>
         </p:nvPicPr>
         <p:blipFill>
-          <a:blip r:embed="rId6" cstate="print">
+          <a:blip r:embed="rId5" cstate="print">
             <a:extLst>
               <a:ext uri="{28A0092B-C50C-407E-A947-70E740481C1C}">
                 <a14:useLocalDpi xmlns:a14="http://schemas.microsoft.com/office/drawing/2010/main" val="0"/>
@@ -13892,7 +12112,7 @@
           <p:nvPr/>
         </p:nvPicPr>
         <p:blipFill>
-          <a:blip r:embed="rId6" cstate="print">
+          <a:blip r:embed="rId5" cstate="print">
             <a:extLst>
               <a:ext uri="{28A0092B-C50C-407E-A947-70E740481C1C}">
                 <a14:useLocalDpi xmlns:a14="http://schemas.microsoft.com/office/drawing/2010/main" val="0"/>
@@ -15233,362 +13453,6 @@
           </a:fontRef>
         </p:style>
       </p:cxnSp>
-      <p:grpSp>
-        <p:nvGrpSpPr>
-          <p:cNvPr id="15" name="Grup 14"/>
-          <p:cNvGrpSpPr/>
-          <p:nvPr/>
-        </p:nvGrpSpPr>
-        <p:grpSpPr>
-          <a:xfrm>
-            <a:off x="228596" y="6231467"/>
-            <a:ext cx="3041654" cy="492576"/>
-            <a:chOff x="228596" y="6231467"/>
-            <a:chExt cx="3041654" cy="492576"/>
-          </a:xfrm>
-        </p:grpSpPr>
-        <p:grpSp>
-          <p:nvGrpSpPr>
-            <p:cNvPr id="8" name="Grup 7"/>
-            <p:cNvGrpSpPr/>
-            <p:nvPr/>
-          </p:nvGrpSpPr>
-          <p:grpSpPr>
-            <a:xfrm>
-              <a:off x="228596" y="6231467"/>
-              <a:ext cx="2802471" cy="457084"/>
-              <a:chOff x="127000" y="5901146"/>
-              <a:chExt cx="5156200" cy="838200"/>
-            </a:xfrm>
-          </p:grpSpPr>
-          <p:sp>
-            <p:nvSpPr>
-              <p:cNvPr id="7" name="Dikdörtgen 6"/>
-              <p:cNvSpPr/>
-              <p:nvPr/>
-            </p:nvSpPr>
-            <p:spPr>
-              <a:xfrm>
-                <a:off x="127000" y="5901146"/>
-                <a:ext cx="5156200" cy="838200"/>
-              </a:xfrm>
-              <a:prstGeom prst="rect">
-                <a:avLst/>
-              </a:prstGeom>
-              <a:solidFill>
-                <a:schemeClr val="bg1">
-                  <a:lumMod val="95000"/>
-                </a:schemeClr>
-              </a:solidFill>
-              <a:ln>
-                <a:noFill/>
-              </a:ln>
-            </p:spPr>
-            <p:style>
-              <a:lnRef idx="2">
-                <a:schemeClr val="accent1">
-                  <a:shade val="50000"/>
-                </a:schemeClr>
-              </a:lnRef>
-              <a:fillRef idx="1">
-                <a:schemeClr val="accent1"/>
-              </a:fillRef>
-              <a:effectRef idx="0">
-                <a:schemeClr val="accent1"/>
-              </a:effectRef>
-              <a:fontRef idx="minor">
-                <a:schemeClr val="lt1"/>
-              </a:fontRef>
-            </p:style>
-            <p:txBody>
-              <a:bodyPr rtlCol="0" anchor="ctr"/>
-              <a:lstStyle/>
-              <a:p>
-                <a:pPr algn="ctr"/>
-                <a:endParaRPr lang="en-US" sz="2000"/>
-              </a:p>
-            </p:txBody>
-          </p:sp>
-          <p:grpSp>
-            <p:nvGrpSpPr>
-              <p:cNvPr id="6" name="Grup 5"/>
-              <p:cNvGrpSpPr/>
-              <p:nvPr/>
-            </p:nvGrpSpPr>
-            <p:grpSpPr>
-              <a:xfrm>
-                <a:off x="211667" y="6019800"/>
-                <a:ext cx="5012266" cy="605115"/>
-                <a:chOff x="211667" y="6019800"/>
-                <a:chExt cx="5012266" cy="605115"/>
-              </a:xfrm>
-            </p:grpSpPr>
-            <p:pic>
-              <p:nvPicPr>
-                <p:cNvPr id="4" name="Resim 3"/>
-                <p:cNvPicPr>
-                  <a:picLocks noChangeAspect="1"/>
-                </p:cNvPicPr>
-                <p:nvPr/>
-              </p:nvPicPr>
-              <p:blipFill rotWithShape="1">
-                <a:blip r:embed="rId2" cstate="print">
-                  <a:extLst>
-                    <a:ext uri="{28A0092B-C50C-407E-A947-70E740481C1C}">
-                      <a14:useLocalDpi xmlns:a14="http://schemas.microsoft.com/office/drawing/2010/main" val="0"/>
-                    </a:ext>
-                  </a:extLst>
-                </a:blip>
-                <a:srcRect l="24387" t="8319" r="18355" b="50150"/>
-                <a:stretch/>
-              </p:blipFill>
-              <p:spPr>
-                <a:xfrm>
-                  <a:off x="211667" y="6019800"/>
-                  <a:ext cx="1072095" cy="600892"/>
-                </a:xfrm>
-                <a:prstGeom prst="rect">
-                  <a:avLst/>
-                </a:prstGeom>
-              </p:spPr>
-            </p:pic>
-            <p:sp>
-              <p:nvSpPr>
-                <p:cNvPr id="5" name="Unvan 1"/>
-                <p:cNvSpPr txBox="1">
-                  <a:spLocks/>
-                </p:cNvSpPr>
-                <p:nvPr/>
-              </p:nvSpPr>
-              <p:spPr>
-                <a:xfrm>
-                  <a:off x="1283763" y="6024023"/>
-                  <a:ext cx="3940170" cy="600892"/>
-                </a:xfrm>
-                <a:prstGeom prst="rect">
-                  <a:avLst/>
-                </a:prstGeom>
-              </p:spPr>
-              <p:txBody>
-                <a:bodyPr vert="horz" lIns="91440" tIns="45720" rIns="91440" bIns="45720" rtlCol="0" anchor="b">
-                  <a:noAutofit/>
-                </a:bodyPr>
-                <a:lstStyle>
-                  <a:lvl1pPr algn="ctr" defTabSz="914400" rtl="0" eaLnBrk="1" latinLnBrk="0" hangingPunct="1">
-                    <a:lnSpc>
-                      <a:spcPct val="90000"/>
-                    </a:lnSpc>
-                    <a:spcBef>
-                      <a:spcPct val="0"/>
-                    </a:spcBef>
-                    <a:buNone/>
-                    <a:defRPr sz="6000" kern="1200">
-                      <a:solidFill>
-                        <a:schemeClr val="tx1"/>
-                      </a:solidFill>
-                      <a:latin typeface="+mj-lt"/>
-                      <a:ea typeface="+mj-ea"/>
-                      <a:cs typeface="+mj-cs"/>
-                    </a:defRPr>
-                  </a:lvl1pPr>
-                </a:lstStyle>
-                <a:p>
-                  <a:pPr algn="l"/>
-                  <a:r>
-                    <a:rPr lang="tr-TR" sz="2000" dirty="0">
-                      <a:solidFill>
-                        <a:srgbClr val="CB171F"/>
-                      </a:solidFill>
-                      <a:latin typeface="Constantia" panose="02030602050306030303" pitchFamily="18" charset="0"/>
-                      <a:ea typeface="Verdana" panose="020B0604030504040204" pitchFamily="34" charset="0"/>
-                      <a:cs typeface="Arial" panose="020B0604020202020204" pitchFamily="34" charset="0"/>
-                    </a:rPr>
-                    <a:t>Veri Bilimi Okulu</a:t>
-                  </a:r>
-                  <a:endParaRPr lang="en-US" sz="2000" dirty="0">
-                    <a:solidFill>
-                      <a:srgbClr val="CB171F"/>
-                    </a:solidFill>
-                    <a:latin typeface="Constantia" panose="02030602050306030303" pitchFamily="18" charset="0"/>
-                    <a:ea typeface="Verdana" panose="020B0604030504040204" pitchFamily="34" charset="0"/>
-                    <a:cs typeface="Arial" panose="020B0604020202020204" pitchFamily="34" charset="0"/>
-                  </a:endParaRPr>
-                </a:p>
-              </p:txBody>
-            </p:sp>
-          </p:grpSp>
-        </p:grpSp>
-        <p:sp>
-          <p:nvSpPr>
-            <p:cNvPr id="12" name="Metin kutusu 11"/>
-            <p:cNvSpPr txBox="1"/>
-            <p:nvPr/>
-          </p:nvSpPr>
-          <p:spPr>
-            <a:xfrm>
-              <a:off x="1582782" y="6493211"/>
-              <a:ext cx="1687468" cy="230832"/>
-            </a:xfrm>
-            <a:prstGeom prst="rect">
-              <a:avLst/>
-            </a:prstGeom>
-            <a:noFill/>
-          </p:spPr>
-          <p:txBody>
-            <a:bodyPr wrap="square" rtlCol="0">
-              <a:spAutoFit/>
-            </a:bodyPr>
-            <a:lstStyle/>
-            <a:p>
-              <a:r>
-                <a:rPr lang="en-US" sz="900" dirty="0">
-                  <a:solidFill>
-                    <a:srgbClr val="0B8043"/>
-                  </a:solidFill>
-                </a:rPr>
-                <a:t>https:</a:t>
-              </a:r>
-              <a:r>
-                <a:rPr lang="en-US" sz="900" dirty="0">
-                  <a:solidFill>
-                    <a:schemeClr val="bg1">
-                      <a:lumMod val="50000"/>
-                    </a:schemeClr>
-                  </a:solidFill>
-                </a:rPr>
-                <a:t>//www.veribilimi.co</a:t>
-              </a:r>
-            </a:p>
-          </p:txBody>
-        </p:sp>
-      </p:grpSp>
-      <p:grpSp>
-        <p:nvGrpSpPr>
-          <p:cNvPr id="11" name="Grup 10"/>
-          <p:cNvGrpSpPr/>
-          <p:nvPr/>
-        </p:nvGrpSpPr>
-        <p:grpSpPr>
-          <a:xfrm>
-            <a:off x="9194796" y="6231467"/>
-            <a:ext cx="2802471" cy="457084"/>
-            <a:chOff x="184993" y="5905369"/>
-            <a:chExt cx="5156200" cy="838200"/>
-          </a:xfrm>
-        </p:grpSpPr>
-        <p:sp>
-          <p:nvSpPr>
-            <p:cNvPr id="13" name="Dikdörtgen 12"/>
-            <p:cNvSpPr/>
-            <p:nvPr/>
-          </p:nvSpPr>
-          <p:spPr>
-            <a:xfrm>
-              <a:off x="184993" y="5905369"/>
-              <a:ext cx="5156200" cy="838200"/>
-            </a:xfrm>
-            <a:prstGeom prst="rect">
-              <a:avLst/>
-            </a:prstGeom>
-            <a:solidFill>
-              <a:schemeClr val="bg1">
-                <a:lumMod val="95000"/>
-              </a:schemeClr>
-            </a:solidFill>
-            <a:ln>
-              <a:noFill/>
-            </a:ln>
-          </p:spPr>
-          <p:style>
-            <a:lnRef idx="2">
-              <a:schemeClr val="accent1">
-                <a:shade val="50000"/>
-              </a:schemeClr>
-            </a:lnRef>
-            <a:fillRef idx="1">
-              <a:schemeClr val="accent1"/>
-            </a:fillRef>
-            <a:effectRef idx="0">
-              <a:schemeClr val="accent1"/>
-            </a:effectRef>
-            <a:fontRef idx="minor">
-              <a:schemeClr val="lt1"/>
-            </a:fontRef>
-          </p:style>
-          <p:txBody>
-            <a:bodyPr rtlCol="0" anchor="ctr"/>
-            <a:lstStyle/>
-            <a:p>
-              <a:pPr algn="ctr"/>
-              <a:endParaRPr lang="en-US" sz="2000"/>
-            </a:p>
-          </p:txBody>
-        </p:sp>
-        <p:sp>
-          <p:nvSpPr>
-            <p:cNvPr id="14" name="Unvan 1"/>
-            <p:cNvSpPr txBox="1">
-              <a:spLocks/>
-            </p:cNvSpPr>
-            <p:nvPr/>
-          </p:nvSpPr>
-          <p:spPr>
-            <a:xfrm>
-              <a:off x="302252" y="6024023"/>
-              <a:ext cx="4921678" cy="600892"/>
-            </a:xfrm>
-            <a:prstGeom prst="rect">
-              <a:avLst/>
-            </a:prstGeom>
-          </p:spPr>
-          <p:txBody>
-            <a:bodyPr vert="horz" lIns="91440" tIns="45720" rIns="91440" bIns="45720" rtlCol="0" anchor="b">
-              <a:noAutofit/>
-            </a:bodyPr>
-            <a:lstStyle>
-              <a:lvl1pPr algn="ctr" defTabSz="914400" rtl="0" eaLnBrk="1" latinLnBrk="0" hangingPunct="1">
-                <a:lnSpc>
-                  <a:spcPct val="90000"/>
-                </a:lnSpc>
-                <a:spcBef>
-                  <a:spcPct val="0"/>
-                </a:spcBef>
-                <a:buNone/>
-                <a:defRPr sz="6000" kern="1200">
-                  <a:solidFill>
-                    <a:schemeClr val="tx1"/>
-                  </a:solidFill>
-                  <a:latin typeface="+mj-lt"/>
-                  <a:ea typeface="+mj-ea"/>
-                  <a:cs typeface="+mj-cs"/>
-                </a:defRPr>
-              </a:lvl1pPr>
-            </a:lstStyle>
-            <a:p>
-              <a:pPr algn="l"/>
-              <a:r>
-                <a:rPr lang="tr-TR" sz="2000" dirty="0">
-                  <a:solidFill>
-                    <a:srgbClr val="CB171F"/>
-                  </a:solidFill>
-                  <a:latin typeface="Constantia" panose="02030602050306030303" pitchFamily="18" charset="0"/>
-                  <a:ea typeface="Verdana" panose="020B0604030504040204" pitchFamily="34" charset="0"/>
-                  <a:cs typeface="Arial" panose="020B0604020202020204" pitchFamily="34" charset="0"/>
-                </a:rPr>
-                <a:t>A’dan Z’ye Büyük Veri</a:t>
-              </a:r>
-              <a:endParaRPr lang="en-US" sz="2000" dirty="0">
-                <a:solidFill>
-                  <a:srgbClr val="CB171F"/>
-                </a:solidFill>
-                <a:latin typeface="Constantia" panose="02030602050306030303" pitchFamily="18" charset="0"/>
-                <a:ea typeface="Verdana" panose="020B0604030504040204" pitchFamily="34" charset="0"/>
-                <a:cs typeface="Arial" panose="020B0604020202020204" pitchFamily="34" charset="0"/>
-              </a:endParaRPr>
-            </a:p>
-          </p:txBody>
-        </p:sp>
-      </p:grpSp>
       <p:sp>
         <p:nvSpPr>
           <p:cNvPr id="16" name="Unvan 1"/>
@@ -15901,362 +13765,6 @@
           </a:fontRef>
         </p:style>
       </p:cxnSp>
-      <p:grpSp>
-        <p:nvGrpSpPr>
-          <p:cNvPr id="15" name="Grup 14"/>
-          <p:cNvGrpSpPr/>
-          <p:nvPr/>
-        </p:nvGrpSpPr>
-        <p:grpSpPr>
-          <a:xfrm>
-            <a:off x="228596" y="6231467"/>
-            <a:ext cx="3041654" cy="492576"/>
-            <a:chOff x="228596" y="6231467"/>
-            <a:chExt cx="3041654" cy="492576"/>
-          </a:xfrm>
-        </p:grpSpPr>
-        <p:grpSp>
-          <p:nvGrpSpPr>
-            <p:cNvPr id="8" name="Grup 7"/>
-            <p:cNvGrpSpPr/>
-            <p:nvPr/>
-          </p:nvGrpSpPr>
-          <p:grpSpPr>
-            <a:xfrm>
-              <a:off x="228596" y="6231467"/>
-              <a:ext cx="2802471" cy="457084"/>
-              <a:chOff x="127000" y="5901146"/>
-              <a:chExt cx="5156200" cy="838200"/>
-            </a:xfrm>
-          </p:grpSpPr>
-          <p:sp>
-            <p:nvSpPr>
-              <p:cNvPr id="7" name="Dikdörtgen 6"/>
-              <p:cNvSpPr/>
-              <p:nvPr/>
-            </p:nvSpPr>
-            <p:spPr>
-              <a:xfrm>
-                <a:off x="127000" y="5901146"/>
-                <a:ext cx="5156200" cy="838200"/>
-              </a:xfrm>
-              <a:prstGeom prst="rect">
-                <a:avLst/>
-              </a:prstGeom>
-              <a:solidFill>
-                <a:schemeClr val="bg1">
-                  <a:lumMod val="95000"/>
-                </a:schemeClr>
-              </a:solidFill>
-              <a:ln>
-                <a:noFill/>
-              </a:ln>
-            </p:spPr>
-            <p:style>
-              <a:lnRef idx="2">
-                <a:schemeClr val="accent1">
-                  <a:shade val="50000"/>
-                </a:schemeClr>
-              </a:lnRef>
-              <a:fillRef idx="1">
-                <a:schemeClr val="accent1"/>
-              </a:fillRef>
-              <a:effectRef idx="0">
-                <a:schemeClr val="accent1"/>
-              </a:effectRef>
-              <a:fontRef idx="minor">
-                <a:schemeClr val="lt1"/>
-              </a:fontRef>
-            </p:style>
-            <p:txBody>
-              <a:bodyPr rtlCol="0" anchor="ctr"/>
-              <a:lstStyle/>
-              <a:p>
-                <a:pPr algn="ctr"/>
-                <a:endParaRPr lang="en-US" sz="2000"/>
-              </a:p>
-            </p:txBody>
-          </p:sp>
-          <p:grpSp>
-            <p:nvGrpSpPr>
-              <p:cNvPr id="6" name="Grup 5"/>
-              <p:cNvGrpSpPr/>
-              <p:nvPr/>
-            </p:nvGrpSpPr>
-            <p:grpSpPr>
-              <a:xfrm>
-                <a:off x="211667" y="6019800"/>
-                <a:ext cx="5012266" cy="605115"/>
-                <a:chOff x="211667" y="6019800"/>
-                <a:chExt cx="5012266" cy="605115"/>
-              </a:xfrm>
-            </p:grpSpPr>
-            <p:pic>
-              <p:nvPicPr>
-                <p:cNvPr id="4" name="Resim 3"/>
-                <p:cNvPicPr>
-                  <a:picLocks noChangeAspect="1"/>
-                </p:cNvPicPr>
-                <p:nvPr/>
-              </p:nvPicPr>
-              <p:blipFill rotWithShape="1">
-                <a:blip r:embed="rId2" cstate="print">
-                  <a:extLst>
-                    <a:ext uri="{28A0092B-C50C-407E-A947-70E740481C1C}">
-                      <a14:useLocalDpi xmlns:a14="http://schemas.microsoft.com/office/drawing/2010/main" val="0"/>
-                    </a:ext>
-                  </a:extLst>
-                </a:blip>
-                <a:srcRect l="24387" t="8319" r="18355" b="50150"/>
-                <a:stretch/>
-              </p:blipFill>
-              <p:spPr>
-                <a:xfrm>
-                  <a:off x="211667" y="6019800"/>
-                  <a:ext cx="1072095" cy="600892"/>
-                </a:xfrm>
-                <a:prstGeom prst="rect">
-                  <a:avLst/>
-                </a:prstGeom>
-              </p:spPr>
-            </p:pic>
-            <p:sp>
-              <p:nvSpPr>
-                <p:cNvPr id="5" name="Unvan 1"/>
-                <p:cNvSpPr txBox="1">
-                  <a:spLocks/>
-                </p:cNvSpPr>
-                <p:nvPr/>
-              </p:nvSpPr>
-              <p:spPr>
-                <a:xfrm>
-                  <a:off x="1283763" y="6024023"/>
-                  <a:ext cx="3940170" cy="600892"/>
-                </a:xfrm>
-                <a:prstGeom prst="rect">
-                  <a:avLst/>
-                </a:prstGeom>
-              </p:spPr>
-              <p:txBody>
-                <a:bodyPr vert="horz" lIns="91440" tIns="45720" rIns="91440" bIns="45720" rtlCol="0" anchor="b">
-                  <a:noAutofit/>
-                </a:bodyPr>
-                <a:lstStyle>
-                  <a:lvl1pPr algn="ctr" defTabSz="914400" rtl="0" eaLnBrk="1" latinLnBrk="0" hangingPunct="1">
-                    <a:lnSpc>
-                      <a:spcPct val="90000"/>
-                    </a:lnSpc>
-                    <a:spcBef>
-                      <a:spcPct val="0"/>
-                    </a:spcBef>
-                    <a:buNone/>
-                    <a:defRPr sz="6000" kern="1200">
-                      <a:solidFill>
-                        <a:schemeClr val="tx1"/>
-                      </a:solidFill>
-                      <a:latin typeface="+mj-lt"/>
-                      <a:ea typeface="+mj-ea"/>
-                      <a:cs typeface="+mj-cs"/>
-                    </a:defRPr>
-                  </a:lvl1pPr>
-                </a:lstStyle>
-                <a:p>
-                  <a:pPr algn="l"/>
-                  <a:r>
-                    <a:rPr lang="tr-TR" sz="2000" dirty="0">
-                      <a:solidFill>
-                        <a:srgbClr val="CB171F"/>
-                      </a:solidFill>
-                      <a:latin typeface="Constantia" panose="02030602050306030303" pitchFamily="18" charset="0"/>
-                      <a:ea typeface="Verdana" panose="020B0604030504040204" pitchFamily="34" charset="0"/>
-                      <a:cs typeface="Arial" panose="020B0604020202020204" pitchFamily="34" charset="0"/>
-                    </a:rPr>
-                    <a:t>Veri Bilimi Okulu</a:t>
-                  </a:r>
-                  <a:endParaRPr lang="en-US" sz="2000" dirty="0">
-                    <a:solidFill>
-                      <a:srgbClr val="CB171F"/>
-                    </a:solidFill>
-                    <a:latin typeface="Constantia" panose="02030602050306030303" pitchFamily="18" charset="0"/>
-                    <a:ea typeface="Verdana" panose="020B0604030504040204" pitchFamily="34" charset="0"/>
-                    <a:cs typeface="Arial" panose="020B0604020202020204" pitchFamily="34" charset="0"/>
-                  </a:endParaRPr>
-                </a:p>
-              </p:txBody>
-            </p:sp>
-          </p:grpSp>
-        </p:grpSp>
-        <p:sp>
-          <p:nvSpPr>
-            <p:cNvPr id="12" name="Metin kutusu 11"/>
-            <p:cNvSpPr txBox="1"/>
-            <p:nvPr/>
-          </p:nvSpPr>
-          <p:spPr>
-            <a:xfrm>
-              <a:off x="1582782" y="6493211"/>
-              <a:ext cx="1687468" cy="230832"/>
-            </a:xfrm>
-            <a:prstGeom prst="rect">
-              <a:avLst/>
-            </a:prstGeom>
-            <a:noFill/>
-          </p:spPr>
-          <p:txBody>
-            <a:bodyPr wrap="square" rtlCol="0">
-              <a:spAutoFit/>
-            </a:bodyPr>
-            <a:lstStyle/>
-            <a:p>
-              <a:r>
-                <a:rPr lang="en-US" sz="900" dirty="0">
-                  <a:solidFill>
-                    <a:srgbClr val="0B8043"/>
-                  </a:solidFill>
-                </a:rPr>
-                <a:t>https:</a:t>
-              </a:r>
-              <a:r>
-                <a:rPr lang="en-US" sz="900" dirty="0">
-                  <a:solidFill>
-                    <a:schemeClr val="bg1">
-                      <a:lumMod val="50000"/>
-                    </a:schemeClr>
-                  </a:solidFill>
-                </a:rPr>
-                <a:t>//www.veribilimi.co</a:t>
-              </a:r>
-            </a:p>
-          </p:txBody>
-        </p:sp>
-      </p:grpSp>
-      <p:grpSp>
-        <p:nvGrpSpPr>
-          <p:cNvPr id="11" name="Grup 10"/>
-          <p:cNvGrpSpPr/>
-          <p:nvPr/>
-        </p:nvGrpSpPr>
-        <p:grpSpPr>
-          <a:xfrm>
-            <a:off x="9194796" y="6231467"/>
-            <a:ext cx="2802471" cy="457084"/>
-            <a:chOff x="184993" y="5905369"/>
-            <a:chExt cx="5156200" cy="838200"/>
-          </a:xfrm>
-        </p:grpSpPr>
-        <p:sp>
-          <p:nvSpPr>
-            <p:cNvPr id="13" name="Dikdörtgen 12"/>
-            <p:cNvSpPr/>
-            <p:nvPr/>
-          </p:nvSpPr>
-          <p:spPr>
-            <a:xfrm>
-              <a:off x="184993" y="5905369"/>
-              <a:ext cx="5156200" cy="838200"/>
-            </a:xfrm>
-            <a:prstGeom prst="rect">
-              <a:avLst/>
-            </a:prstGeom>
-            <a:solidFill>
-              <a:schemeClr val="bg1">
-                <a:lumMod val="95000"/>
-              </a:schemeClr>
-            </a:solidFill>
-            <a:ln>
-              <a:noFill/>
-            </a:ln>
-          </p:spPr>
-          <p:style>
-            <a:lnRef idx="2">
-              <a:schemeClr val="accent1">
-                <a:shade val="50000"/>
-              </a:schemeClr>
-            </a:lnRef>
-            <a:fillRef idx="1">
-              <a:schemeClr val="accent1"/>
-            </a:fillRef>
-            <a:effectRef idx="0">
-              <a:schemeClr val="accent1"/>
-            </a:effectRef>
-            <a:fontRef idx="minor">
-              <a:schemeClr val="lt1"/>
-            </a:fontRef>
-          </p:style>
-          <p:txBody>
-            <a:bodyPr rtlCol="0" anchor="ctr"/>
-            <a:lstStyle/>
-            <a:p>
-              <a:pPr algn="ctr"/>
-              <a:endParaRPr lang="en-US" sz="2000"/>
-            </a:p>
-          </p:txBody>
-        </p:sp>
-        <p:sp>
-          <p:nvSpPr>
-            <p:cNvPr id="14" name="Unvan 1"/>
-            <p:cNvSpPr txBox="1">
-              <a:spLocks/>
-            </p:cNvSpPr>
-            <p:nvPr/>
-          </p:nvSpPr>
-          <p:spPr>
-            <a:xfrm>
-              <a:off x="302252" y="6024023"/>
-              <a:ext cx="4921678" cy="600892"/>
-            </a:xfrm>
-            <a:prstGeom prst="rect">
-              <a:avLst/>
-            </a:prstGeom>
-          </p:spPr>
-          <p:txBody>
-            <a:bodyPr vert="horz" lIns="91440" tIns="45720" rIns="91440" bIns="45720" rtlCol="0" anchor="b">
-              <a:noAutofit/>
-            </a:bodyPr>
-            <a:lstStyle>
-              <a:lvl1pPr algn="ctr" defTabSz="914400" rtl="0" eaLnBrk="1" latinLnBrk="0" hangingPunct="1">
-                <a:lnSpc>
-                  <a:spcPct val="90000"/>
-                </a:lnSpc>
-                <a:spcBef>
-                  <a:spcPct val="0"/>
-                </a:spcBef>
-                <a:buNone/>
-                <a:defRPr sz="6000" kern="1200">
-                  <a:solidFill>
-                    <a:schemeClr val="tx1"/>
-                  </a:solidFill>
-                  <a:latin typeface="+mj-lt"/>
-                  <a:ea typeface="+mj-ea"/>
-                  <a:cs typeface="+mj-cs"/>
-                </a:defRPr>
-              </a:lvl1pPr>
-            </a:lstStyle>
-            <a:p>
-              <a:pPr algn="l"/>
-              <a:r>
-                <a:rPr lang="tr-TR" sz="2000" dirty="0">
-                  <a:solidFill>
-                    <a:srgbClr val="CB171F"/>
-                  </a:solidFill>
-                  <a:latin typeface="Constantia" panose="02030602050306030303" pitchFamily="18" charset="0"/>
-                  <a:ea typeface="Verdana" panose="020B0604030504040204" pitchFamily="34" charset="0"/>
-                  <a:cs typeface="Arial" panose="020B0604020202020204" pitchFamily="34" charset="0"/>
-                </a:rPr>
-                <a:t>A’dan Z’ye Büyük Veri</a:t>
-              </a:r>
-              <a:endParaRPr lang="en-US" sz="2000" dirty="0">
-                <a:solidFill>
-                  <a:srgbClr val="CB171F"/>
-                </a:solidFill>
-                <a:latin typeface="Constantia" panose="02030602050306030303" pitchFamily="18" charset="0"/>
-                <a:ea typeface="Verdana" panose="020B0604030504040204" pitchFamily="34" charset="0"/>
-                <a:cs typeface="Arial" panose="020B0604020202020204" pitchFamily="34" charset="0"/>
-              </a:endParaRPr>
-            </a:p>
-          </p:txBody>
-        </p:sp>
-      </p:grpSp>
       <p:sp>
         <p:nvSpPr>
           <p:cNvPr id="16" name="Unvan 1"/>
@@ -17463,362 +14971,6 @@
           </a:fontRef>
         </p:style>
       </p:cxnSp>
-      <p:grpSp>
-        <p:nvGrpSpPr>
-          <p:cNvPr id="15" name="Grup 14"/>
-          <p:cNvGrpSpPr/>
-          <p:nvPr/>
-        </p:nvGrpSpPr>
-        <p:grpSpPr>
-          <a:xfrm>
-            <a:off x="228596" y="6231467"/>
-            <a:ext cx="3041654" cy="492576"/>
-            <a:chOff x="228596" y="6231467"/>
-            <a:chExt cx="3041654" cy="492576"/>
-          </a:xfrm>
-        </p:grpSpPr>
-        <p:grpSp>
-          <p:nvGrpSpPr>
-            <p:cNvPr id="8" name="Grup 7"/>
-            <p:cNvGrpSpPr/>
-            <p:nvPr/>
-          </p:nvGrpSpPr>
-          <p:grpSpPr>
-            <a:xfrm>
-              <a:off x="228596" y="6231467"/>
-              <a:ext cx="2802471" cy="457084"/>
-              <a:chOff x="127000" y="5901146"/>
-              <a:chExt cx="5156200" cy="838200"/>
-            </a:xfrm>
-          </p:grpSpPr>
-          <p:sp>
-            <p:nvSpPr>
-              <p:cNvPr id="7" name="Dikdörtgen 6"/>
-              <p:cNvSpPr/>
-              <p:nvPr/>
-            </p:nvSpPr>
-            <p:spPr>
-              <a:xfrm>
-                <a:off x="127000" y="5901146"/>
-                <a:ext cx="5156200" cy="838200"/>
-              </a:xfrm>
-              <a:prstGeom prst="rect">
-                <a:avLst/>
-              </a:prstGeom>
-              <a:solidFill>
-                <a:schemeClr val="bg1">
-                  <a:lumMod val="95000"/>
-                </a:schemeClr>
-              </a:solidFill>
-              <a:ln>
-                <a:noFill/>
-              </a:ln>
-            </p:spPr>
-            <p:style>
-              <a:lnRef idx="2">
-                <a:schemeClr val="accent1">
-                  <a:shade val="50000"/>
-                </a:schemeClr>
-              </a:lnRef>
-              <a:fillRef idx="1">
-                <a:schemeClr val="accent1"/>
-              </a:fillRef>
-              <a:effectRef idx="0">
-                <a:schemeClr val="accent1"/>
-              </a:effectRef>
-              <a:fontRef idx="minor">
-                <a:schemeClr val="lt1"/>
-              </a:fontRef>
-            </p:style>
-            <p:txBody>
-              <a:bodyPr rtlCol="0" anchor="ctr"/>
-              <a:lstStyle/>
-              <a:p>
-                <a:pPr algn="ctr"/>
-                <a:endParaRPr lang="en-US" sz="2000"/>
-              </a:p>
-            </p:txBody>
-          </p:sp>
-          <p:grpSp>
-            <p:nvGrpSpPr>
-              <p:cNvPr id="6" name="Grup 5"/>
-              <p:cNvGrpSpPr/>
-              <p:nvPr/>
-            </p:nvGrpSpPr>
-            <p:grpSpPr>
-              <a:xfrm>
-                <a:off x="211667" y="6019800"/>
-                <a:ext cx="5012266" cy="605115"/>
-                <a:chOff x="211667" y="6019800"/>
-                <a:chExt cx="5012266" cy="605115"/>
-              </a:xfrm>
-            </p:grpSpPr>
-            <p:pic>
-              <p:nvPicPr>
-                <p:cNvPr id="4" name="Resim 3"/>
-                <p:cNvPicPr>
-                  <a:picLocks noChangeAspect="1"/>
-                </p:cNvPicPr>
-                <p:nvPr/>
-              </p:nvPicPr>
-              <p:blipFill rotWithShape="1">
-                <a:blip r:embed="rId2" cstate="print">
-                  <a:extLst>
-                    <a:ext uri="{28A0092B-C50C-407E-A947-70E740481C1C}">
-                      <a14:useLocalDpi xmlns:a14="http://schemas.microsoft.com/office/drawing/2010/main" val="0"/>
-                    </a:ext>
-                  </a:extLst>
-                </a:blip>
-                <a:srcRect l="24387" t="8319" r="18355" b="50150"/>
-                <a:stretch/>
-              </p:blipFill>
-              <p:spPr>
-                <a:xfrm>
-                  <a:off x="211667" y="6019800"/>
-                  <a:ext cx="1072095" cy="600892"/>
-                </a:xfrm>
-                <a:prstGeom prst="rect">
-                  <a:avLst/>
-                </a:prstGeom>
-              </p:spPr>
-            </p:pic>
-            <p:sp>
-              <p:nvSpPr>
-                <p:cNvPr id="5" name="Unvan 1"/>
-                <p:cNvSpPr txBox="1">
-                  <a:spLocks/>
-                </p:cNvSpPr>
-                <p:nvPr/>
-              </p:nvSpPr>
-              <p:spPr>
-                <a:xfrm>
-                  <a:off x="1283763" y="6024023"/>
-                  <a:ext cx="3940170" cy="600892"/>
-                </a:xfrm>
-                <a:prstGeom prst="rect">
-                  <a:avLst/>
-                </a:prstGeom>
-              </p:spPr>
-              <p:txBody>
-                <a:bodyPr vert="horz" lIns="91440" tIns="45720" rIns="91440" bIns="45720" rtlCol="0" anchor="b">
-                  <a:noAutofit/>
-                </a:bodyPr>
-                <a:lstStyle>
-                  <a:lvl1pPr algn="ctr" defTabSz="914400" rtl="0" eaLnBrk="1" latinLnBrk="0" hangingPunct="1">
-                    <a:lnSpc>
-                      <a:spcPct val="90000"/>
-                    </a:lnSpc>
-                    <a:spcBef>
-                      <a:spcPct val="0"/>
-                    </a:spcBef>
-                    <a:buNone/>
-                    <a:defRPr sz="6000" kern="1200">
-                      <a:solidFill>
-                        <a:schemeClr val="tx1"/>
-                      </a:solidFill>
-                      <a:latin typeface="+mj-lt"/>
-                      <a:ea typeface="+mj-ea"/>
-                      <a:cs typeface="+mj-cs"/>
-                    </a:defRPr>
-                  </a:lvl1pPr>
-                </a:lstStyle>
-                <a:p>
-                  <a:pPr algn="l"/>
-                  <a:r>
-                    <a:rPr lang="tr-TR" sz="2000" dirty="0">
-                      <a:solidFill>
-                        <a:srgbClr val="CB171F"/>
-                      </a:solidFill>
-                      <a:latin typeface="Constantia" panose="02030602050306030303" pitchFamily="18" charset="0"/>
-                      <a:ea typeface="Verdana" panose="020B0604030504040204" pitchFamily="34" charset="0"/>
-                      <a:cs typeface="Arial" panose="020B0604020202020204" pitchFamily="34" charset="0"/>
-                    </a:rPr>
-                    <a:t>Veri Bilimi Okulu</a:t>
-                  </a:r>
-                  <a:endParaRPr lang="en-US" sz="2000" dirty="0">
-                    <a:solidFill>
-                      <a:srgbClr val="CB171F"/>
-                    </a:solidFill>
-                    <a:latin typeface="Constantia" panose="02030602050306030303" pitchFamily="18" charset="0"/>
-                    <a:ea typeface="Verdana" panose="020B0604030504040204" pitchFamily="34" charset="0"/>
-                    <a:cs typeface="Arial" panose="020B0604020202020204" pitchFamily="34" charset="0"/>
-                  </a:endParaRPr>
-                </a:p>
-              </p:txBody>
-            </p:sp>
-          </p:grpSp>
-        </p:grpSp>
-        <p:sp>
-          <p:nvSpPr>
-            <p:cNvPr id="12" name="Metin kutusu 11"/>
-            <p:cNvSpPr txBox="1"/>
-            <p:nvPr/>
-          </p:nvSpPr>
-          <p:spPr>
-            <a:xfrm>
-              <a:off x="1582782" y="6493211"/>
-              <a:ext cx="1687468" cy="230832"/>
-            </a:xfrm>
-            <a:prstGeom prst="rect">
-              <a:avLst/>
-            </a:prstGeom>
-            <a:noFill/>
-          </p:spPr>
-          <p:txBody>
-            <a:bodyPr wrap="square" rtlCol="0">
-              <a:spAutoFit/>
-            </a:bodyPr>
-            <a:lstStyle/>
-            <a:p>
-              <a:r>
-                <a:rPr lang="en-US" sz="900" dirty="0">
-                  <a:solidFill>
-                    <a:srgbClr val="0B8043"/>
-                  </a:solidFill>
-                </a:rPr>
-                <a:t>https:</a:t>
-              </a:r>
-              <a:r>
-                <a:rPr lang="en-US" sz="900" dirty="0">
-                  <a:solidFill>
-                    <a:schemeClr val="bg1">
-                      <a:lumMod val="50000"/>
-                    </a:schemeClr>
-                  </a:solidFill>
-                </a:rPr>
-                <a:t>//www.veribilimi.co</a:t>
-              </a:r>
-            </a:p>
-          </p:txBody>
-        </p:sp>
-      </p:grpSp>
-      <p:grpSp>
-        <p:nvGrpSpPr>
-          <p:cNvPr id="11" name="Grup 10"/>
-          <p:cNvGrpSpPr/>
-          <p:nvPr/>
-        </p:nvGrpSpPr>
-        <p:grpSpPr>
-          <a:xfrm>
-            <a:off x="9194796" y="6231467"/>
-            <a:ext cx="2802471" cy="457084"/>
-            <a:chOff x="184993" y="5905369"/>
-            <a:chExt cx="5156200" cy="838200"/>
-          </a:xfrm>
-        </p:grpSpPr>
-        <p:sp>
-          <p:nvSpPr>
-            <p:cNvPr id="13" name="Dikdörtgen 12"/>
-            <p:cNvSpPr/>
-            <p:nvPr/>
-          </p:nvSpPr>
-          <p:spPr>
-            <a:xfrm>
-              <a:off x="184993" y="5905369"/>
-              <a:ext cx="5156200" cy="838200"/>
-            </a:xfrm>
-            <a:prstGeom prst="rect">
-              <a:avLst/>
-            </a:prstGeom>
-            <a:solidFill>
-              <a:schemeClr val="bg1">
-                <a:lumMod val="95000"/>
-              </a:schemeClr>
-            </a:solidFill>
-            <a:ln>
-              <a:noFill/>
-            </a:ln>
-          </p:spPr>
-          <p:style>
-            <a:lnRef idx="2">
-              <a:schemeClr val="accent1">
-                <a:shade val="50000"/>
-              </a:schemeClr>
-            </a:lnRef>
-            <a:fillRef idx="1">
-              <a:schemeClr val="accent1"/>
-            </a:fillRef>
-            <a:effectRef idx="0">
-              <a:schemeClr val="accent1"/>
-            </a:effectRef>
-            <a:fontRef idx="minor">
-              <a:schemeClr val="lt1"/>
-            </a:fontRef>
-          </p:style>
-          <p:txBody>
-            <a:bodyPr rtlCol="0" anchor="ctr"/>
-            <a:lstStyle/>
-            <a:p>
-              <a:pPr algn="ctr"/>
-              <a:endParaRPr lang="en-US" sz="2000"/>
-            </a:p>
-          </p:txBody>
-        </p:sp>
-        <p:sp>
-          <p:nvSpPr>
-            <p:cNvPr id="14" name="Unvan 1"/>
-            <p:cNvSpPr txBox="1">
-              <a:spLocks/>
-            </p:cNvSpPr>
-            <p:nvPr/>
-          </p:nvSpPr>
-          <p:spPr>
-            <a:xfrm>
-              <a:off x="302252" y="6024023"/>
-              <a:ext cx="4921678" cy="600892"/>
-            </a:xfrm>
-            <a:prstGeom prst="rect">
-              <a:avLst/>
-            </a:prstGeom>
-          </p:spPr>
-          <p:txBody>
-            <a:bodyPr vert="horz" lIns="91440" tIns="45720" rIns="91440" bIns="45720" rtlCol="0" anchor="b">
-              <a:noAutofit/>
-            </a:bodyPr>
-            <a:lstStyle>
-              <a:lvl1pPr algn="ctr" defTabSz="914400" rtl="0" eaLnBrk="1" latinLnBrk="0" hangingPunct="1">
-                <a:lnSpc>
-                  <a:spcPct val="90000"/>
-                </a:lnSpc>
-                <a:spcBef>
-                  <a:spcPct val="0"/>
-                </a:spcBef>
-                <a:buNone/>
-                <a:defRPr sz="6000" kern="1200">
-                  <a:solidFill>
-                    <a:schemeClr val="tx1"/>
-                  </a:solidFill>
-                  <a:latin typeface="+mj-lt"/>
-                  <a:ea typeface="+mj-ea"/>
-                  <a:cs typeface="+mj-cs"/>
-                </a:defRPr>
-              </a:lvl1pPr>
-            </a:lstStyle>
-            <a:p>
-              <a:pPr algn="l"/>
-              <a:r>
-                <a:rPr lang="tr-TR" sz="2000" dirty="0">
-                  <a:solidFill>
-                    <a:srgbClr val="CB171F"/>
-                  </a:solidFill>
-                  <a:latin typeface="Constantia" panose="02030602050306030303" pitchFamily="18" charset="0"/>
-                  <a:ea typeface="Verdana" panose="020B0604030504040204" pitchFamily="34" charset="0"/>
-                  <a:cs typeface="Arial" panose="020B0604020202020204" pitchFamily="34" charset="0"/>
-                </a:rPr>
-                <a:t>A’dan Z’ye Büyük Veri</a:t>
-              </a:r>
-              <a:endParaRPr lang="en-US" sz="2000" dirty="0">
-                <a:solidFill>
-                  <a:srgbClr val="CB171F"/>
-                </a:solidFill>
-                <a:latin typeface="Constantia" panose="02030602050306030303" pitchFamily="18" charset="0"/>
-                <a:ea typeface="Verdana" panose="020B0604030504040204" pitchFamily="34" charset="0"/>
-                <a:cs typeface="Arial" panose="020B0604020202020204" pitchFamily="34" charset="0"/>
-              </a:endParaRPr>
-            </a:p>
-          </p:txBody>
-        </p:sp>
-      </p:grpSp>
       <p:sp>
         <p:nvSpPr>
           <p:cNvPr id="16" name="Unvan 1"/>
@@ -18298,362 +15450,6 @@
           </a:fontRef>
         </p:style>
       </p:cxnSp>
-      <p:grpSp>
-        <p:nvGrpSpPr>
-          <p:cNvPr id="15" name="Grup 14"/>
-          <p:cNvGrpSpPr/>
-          <p:nvPr/>
-        </p:nvGrpSpPr>
-        <p:grpSpPr>
-          <a:xfrm>
-            <a:off x="228596" y="6231467"/>
-            <a:ext cx="3041654" cy="492576"/>
-            <a:chOff x="228596" y="6231467"/>
-            <a:chExt cx="3041654" cy="492576"/>
-          </a:xfrm>
-        </p:grpSpPr>
-        <p:grpSp>
-          <p:nvGrpSpPr>
-            <p:cNvPr id="8" name="Grup 7"/>
-            <p:cNvGrpSpPr/>
-            <p:nvPr/>
-          </p:nvGrpSpPr>
-          <p:grpSpPr>
-            <a:xfrm>
-              <a:off x="228596" y="6231467"/>
-              <a:ext cx="2802471" cy="457084"/>
-              <a:chOff x="127000" y="5901146"/>
-              <a:chExt cx="5156200" cy="838200"/>
-            </a:xfrm>
-          </p:grpSpPr>
-          <p:sp>
-            <p:nvSpPr>
-              <p:cNvPr id="7" name="Dikdörtgen 6"/>
-              <p:cNvSpPr/>
-              <p:nvPr/>
-            </p:nvSpPr>
-            <p:spPr>
-              <a:xfrm>
-                <a:off x="127000" y="5901146"/>
-                <a:ext cx="5156200" cy="838200"/>
-              </a:xfrm>
-              <a:prstGeom prst="rect">
-                <a:avLst/>
-              </a:prstGeom>
-              <a:solidFill>
-                <a:schemeClr val="bg1">
-                  <a:lumMod val="95000"/>
-                </a:schemeClr>
-              </a:solidFill>
-              <a:ln>
-                <a:noFill/>
-              </a:ln>
-            </p:spPr>
-            <p:style>
-              <a:lnRef idx="2">
-                <a:schemeClr val="accent1">
-                  <a:shade val="50000"/>
-                </a:schemeClr>
-              </a:lnRef>
-              <a:fillRef idx="1">
-                <a:schemeClr val="accent1"/>
-              </a:fillRef>
-              <a:effectRef idx="0">
-                <a:schemeClr val="accent1"/>
-              </a:effectRef>
-              <a:fontRef idx="minor">
-                <a:schemeClr val="lt1"/>
-              </a:fontRef>
-            </p:style>
-            <p:txBody>
-              <a:bodyPr rtlCol="0" anchor="ctr"/>
-              <a:lstStyle/>
-              <a:p>
-                <a:pPr algn="ctr"/>
-                <a:endParaRPr lang="en-US" sz="2000"/>
-              </a:p>
-            </p:txBody>
-          </p:sp>
-          <p:grpSp>
-            <p:nvGrpSpPr>
-              <p:cNvPr id="6" name="Grup 5"/>
-              <p:cNvGrpSpPr/>
-              <p:nvPr/>
-            </p:nvGrpSpPr>
-            <p:grpSpPr>
-              <a:xfrm>
-                <a:off x="211667" y="6019800"/>
-                <a:ext cx="5012266" cy="605115"/>
-                <a:chOff x="211667" y="6019800"/>
-                <a:chExt cx="5012266" cy="605115"/>
-              </a:xfrm>
-            </p:grpSpPr>
-            <p:pic>
-              <p:nvPicPr>
-                <p:cNvPr id="4" name="Resim 3"/>
-                <p:cNvPicPr>
-                  <a:picLocks noChangeAspect="1"/>
-                </p:cNvPicPr>
-                <p:nvPr/>
-              </p:nvPicPr>
-              <p:blipFill rotWithShape="1">
-                <a:blip r:embed="rId2" cstate="print">
-                  <a:extLst>
-                    <a:ext uri="{28A0092B-C50C-407E-A947-70E740481C1C}">
-                      <a14:useLocalDpi xmlns:a14="http://schemas.microsoft.com/office/drawing/2010/main" val="0"/>
-                    </a:ext>
-                  </a:extLst>
-                </a:blip>
-                <a:srcRect l="24387" t="8319" r="18355" b="50150"/>
-                <a:stretch/>
-              </p:blipFill>
-              <p:spPr>
-                <a:xfrm>
-                  <a:off x="211667" y="6019800"/>
-                  <a:ext cx="1072095" cy="600892"/>
-                </a:xfrm>
-                <a:prstGeom prst="rect">
-                  <a:avLst/>
-                </a:prstGeom>
-              </p:spPr>
-            </p:pic>
-            <p:sp>
-              <p:nvSpPr>
-                <p:cNvPr id="5" name="Unvan 1"/>
-                <p:cNvSpPr txBox="1">
-                  <a:spLocks/>
-                </p:cNvSpPr>
-                <p:nvPr/>
-              </p:nvSpPr>
-              <p:spPr>
-                <a:xfrm>
-                  <a:off x="1283763" y="6024023"/>
-                  <a:ext cx="3940170" cy="600892"/>
-                </a:xfrm>
-                <a:prstGeom prst="rect">
-                  <a:avLst/>
-                </a:prstGeom>
-              </p:spPr>
-              <p:txBody>
-                <a:bodyPr vert="horz" lIns="91440" tIns="45720" rIns="91440" bIns="45720" rtlCol="0" anchor="b">
-                  <a:noAutofit/>
-                </a:bodyPr>
-                <a:lstStyle>
-                  <a:lvl1pPr algn="ctr" defTabSz="914400" rtl="0" eaLnBrk="1" latinLnBrk="0" hangingPunct="1">
-                    <a:lnSpc>
-                      <a:spcPct val="90000"/>
-                    </a:lnSpc>
-                    <a:spcBef>
-                      <a:spcPct val="0"/>
-                    </a:spcBef>
-                    <a:buNone/>
-                    <a:defRPr sz="6000" kern="1200">
-                      <a:solidFill>
-                        <a:schemeClr val="tx1"/>
-                      </a:solidFill>
-                      <a:latin typeface="+mj-lt"/>
-                      <a:ea typeface="+mj-ea"/>
-                      <a:cs typeface="+mj-cs"/>
-                    </a:defRPr>
-                  </a:lvl1pPr>
-                </a:lstStyle>
-                <a:p>
-                  <a:pPr algn="l"/>
-                  <a:r>
-                    <a:rPr lang="tr-TR" sz="2000" dirty="0">
-                      <a:solidFill>
-                        <a:srgbClr val="CB171F"/>
-                      </a:solidFill>
-                      <a:latin typeface="Constantia" panose="02030602050306030303" pitchFamily="18" charset="0"/>
-                      <a:ea typeface="Verdana" panose="020B0604030504040204" pitchFamily="34" charset="0"/>
-                      <a:cs typeface="Arial" panose="020B0604020202020204" pitchFamily="34" charset="0"/>
-                    </a:rPr>
-                    <a:t>Veri Bilimi Okulu</a:t>
-                  </a:r>
-                  <a:endParaRPr lang="en-US" sz="2000" dirty="0">
-                    <a:solidFill>
-                      <a:srgbClr val="CB171F"/>
-                    </a:solidFill>
-                    <a:latin typeface="Constantia" panose="02030602050306030303" pitchFamily="18" charset="0"/>
-                    <a:ea typeface="Verdana" panose="020B0604030504040204" pitchFamily="34" charset="0"/>
-                    <a:cs typeface="Arial" panose="020B0604020202020204" pitchFamily="34" charset="0"/>
-                  </a:endParaRPr>
-                </a:p>
-              </p:txBody>
-            </p:sp>
-          </p:grpSp>
-        </p:grpSp>
-        <p:sp>
-          <p:nvSpPr>
-            <p:cNvPr id="12" name="Metin kutusu 11"/>
-            <p:cNvSpPr txBox="1"/>
-            <p:nvPr/>
-          </p:nvSpPr>
-          <p:spPr>
-            <a:xfrm>
-              <a:off x="1582782" y="6493211"/>
-              <a:ext cx="1687468" cy="230832"/>
-            </a:xfrm>
-            <a:prstGeom prst="rect">
-              <a:avLst/>
-            </a:prstGeom>
-            <a:noFill/>
-          </p:spPr>
-          <p:txBody>
-            <a:bodyPr wrap="square" rtlCol="0">
-              <a:spAutoFit/>
-            </a:bodyPr>
-            <a:lstStyle/>
-            <a:p>
-              <a:r>
-                <a:rPr lang="en-US" sz="900" dirty="0">
-                  <a:solidFill>
-                    <a:srgbClr val="0B8043"/>
-                  </a:solidFill>
-                </a:rPr>
-                <a:t>https:</a:t>
-              </a:r>
-              <a:r>
-                <a:rPr lang="en-US" sz="900" dirty="0">
-                  <a:solidFill>
-                    <a:schemeClr val="bg1">
-                      <a:lumMod val="50000"/>
-                    </a:schemeClr>
-                  </a:solidFill>
-                </a:rPr>
-                <a:t>//www.veribilimi.co</a:t>
-              </a:r>
-            </a:p>
-          </p:txBody>
-        </p:sp>
-      </p:grpSp>
-      <p:grpSp>
-        <p:nvGrpSpPr>
-          <p:cNvPr id="11" name="Grup 10"/>
-          <p:cNvGrpSpPr/>
-          <p:nvPr/>
-        </p:nvGrpSpPr>
-        <p:grpSpPr>
-          <a:xfrm>
-            <a:off x="9194796" y="6231467"/>
-            <a:ext cx="2802471" cy="457084"/>
-            <a:chOff x="184993" y="5905369"/>
-            <a:chExt cx="5156200" cy="838200"/>
-          </a:xfrm>
-        </p:grpSpPr>
-        <p:sp>
-          <p:nvSpPr>
-            <p:cNvPr id="13" name="Dikdörtgen 12"/>
-            <p:cNvSpPr/>
-            <p:nvPr/>
-          </p:nvSpPr>
-          <p:spPr>
-            <a:xfrm>
-              <a:off x="184993" y="5905369"/>
-              <a:ext cx="5156200" cy="838200"/>
-            </a:xfrm>
-            <a:prstGeom prst="rect">
-              <a:avLst/>
-            </a:prstGeom>
-            <a:solidFill>
-              <a:schemeClr val="bg1">
-                <a:lumMod val="95000"/>
-              </a:schemeClr>
-            </a:solidFill>
-            <a:ln>
-              <a:noFill/>
-            </a:ln>
-          </p:spPr>
-          <p:style>
-            <a:lnRef idx="2">
-              <a:schemeClr val="accent1">
-                <a:shade val="50000"/>
-              </a:schemeClr>
-            </a:lnRef>
-            <a:fillRef idx="1">
-              <a:schemeClr val="accent1"/>
-            </a:fillRef>
-            <a:effectRef idx="0">
-              <a:schemeClr val="accent1"/>
-            </a:effectRef>
-            <a:fontRef idx="minor">
-              <a:schemeClr val="lt1"/>
-            </a:fontRef>
-          </p:style>
-          <p:txBody>
-            <a:bodyPr rtlCol="0" anchor="ctr"/>
-            <a:lstStyle/>
-            <a:p>
-              <a:pPr algn="ctr"/>
-              <a:endParaRPr lang="en-US" sz="2000"/>
-            </a:p>
-          </p:txBody>
-        </p:sp>
-        <p:sp>
-          <p:nvSpPr>
-            <p:cNvPr id="14" name="Unvan 1"/>
-            <p:cNvSpPr txBox="1">
-              <a:spLocks/>
-            </p:cNvSpPr>
-            <p:nvPr/>
-          </p:nvSpPr>
-          <p:spPr>
-            <a:xfrm>
-              <a:off x="302252" y="6024023"/>
-              <a:ext cx="4921678" cy="600892"/>
-            </a:xfrm>
-            <a:prstGeom prst="rect">
-              <a:avLst/>
-            </a:prstGeom>
-          </p:spPr>
-          <p:txBody>
-            <a:bodyPr vert="horz" lIns="91440" tIns="45720" rIns="91440" bIns="45720" rtlCol="0" anchor="b">
-              <a:noAutofit/>
-            </a:bodyPr>
-            <a:lstStyle>
-              <a:lvl1pPr algn="ctr" defTabSz="914400" rtl="0" eaLnBrk="1" latinLnBrk="0" hangingPunct="1">
-                <a:lnSpc>
-                  <a:spcPct val="90000"/>
-                </a:lnSpc>
-                <a:spcBef>
-                  <a:spcPct val="0"/>
-                </a:spcBef>
-                <a:buNone/>
-                <a:defRPr sz="6000" kern="1200">
-                  <a:solidFill>
-                    <a:schemeClr val="tx1"/>
-                  </a:solidFill>
-                  <a:latin typeface="+mj-lt"/>
-                  <a:ea typeface="+mj-ea"/>
-                  <a:cs typeface="+mj-cs"/>
-                </a:defRPr>
-              </a:lvl1pPr>
-            </a:lstStyle>
-            <a:p>
-              <a:pPr algn="l"/>
-              <a:r>
-                <a:rPr lang="tr-TR" sz="2000" dirty="0">
-                  <a:solidFill>
-                    <a:srgbClr val="CB171F"/>
-                  </a:solidFill>
-                  <a:latin typeface="Constantia" panose="02030602050306030303" pitchFamily="18" charset="0"/>
-                  <a:ea typeface="Verdana" panose="020B0604030504040204" pitchFamily="34" charset="0"/>
-                  <a:cs typeface="Arial" panose="020B0604020202020204" pitchFamily="34" charset="0"/>
-                </a:rPr>
-                <a:t>A’dan Z’ye Büyük Veri</a:t>
-              </a:r>
-              <a:endParaRPr lang="en-US" sz="2000" dirty="0">
-                <a:solidFill>
-                  <a:srgbClr val="CB171F"/>
-                </a:solidFill>
-                <a:latin typeface="Constantia" panose="02030602050306030303" pitchFamily="18" charset="0"/>
-                <a:ea typeface="Verdana" panose="020B0604030504040204" pitchFamily="34" charset="0"/>
-                <a:cs typeface="Arial" panose="020B0604020202020204" pitchFamily="34" charset="0"/>
-              </a:endParaRPr>
-            </a:p>
-          </p:txBody>
-        </p:sp>
-      </p:grpSp>
       <p:sp>
         <p:nvSpPr>
           <p:cNvPr id="16" name="Unvan 1"/>
@@ -19328,362 +16124,6 @@
           </a:fontRef>
         </p:style>
       </p:cxnSp>
-      <p:grpSp>
-        <p:nvGrpSpPr>
-          <p:cNvPr id="15" name="Grup 14"/>
-          <p:cNvGrpSpPr/>
-          <p:nvPr/>
-        </p:nvGrpSpPr>
-        <p:grpSpPr>
-          <a:xfrm>
-            <a:off x="228596" y="6231467"/>
-            <a:ext cx="3041654" cy="492576"/>
-            <a:chOff x="228596" y="6231467"/>
-            <a:chExt cx="3041654" cy="492576"/>
-          </a:xfrm>
-        </p:grpSpPr>
-        <p:grpSp>
-          <p:nvGrpSpPr>
-            <p:cNvPr id="8" name="Grup 7"/>
-            <p:cNvGrpSpPr/>
-            <p:nvPr/>
-          </p:nvGrpSpPr>
-          <p:grpSpPr>
-            <a:xfrm>
-              <a:off x="228596" y="6231467"/>
-              <a:ext cx="2802471" cy="457084"/>
-              <a:chOff x="127000" y="5901146"/>
-              <a:chExt cx="5156200" cy="838200"/>
-            </a:xfrm>
-          </p:grpSpPr>
-          <p:sp>
-            <p:nvSpPr>
-              <p:cNvPr id="7" name="Dikdörtgen 6"/>
-              <p:cNvSpPr/>
-              <p:nvPr/>
-            </p:nvSpPr>
-            <p:spPr>
-              <a:xfrm>
-                <a:off x="127000" y="5901146"/>
-                <a:ext cx="5156200" cy="838200"/>
-              </a:xfrm>
-              <a:prstGeom prst="rect">
-                <a:avLst/>
-              </a:prstGeom>
-              <a:solidFill>
-                <a:schemeClr val="bg1">
-                  <a:lumMod val="95000"/>
-                </a:schemeClr>
-              </a:solidFill>
-              <a:ln>
-                <a:noFill/>
-              </a:ln>
-            </p:spPr>
-            <p:style>
-              <a:lnRef idx="2">
-                <a:schemeClr val="accent1">
-                  <a:shade val="50000"/>
-                </a:schemeClr>
-              </a:lnRef>
-              <a:fillRef idx="1">
-                <a:schemeClr val="accent1"/>
-              </a:fillRef>
-              <a:effectRef idx="0">
-                <a:schemeClr val="accent1"/>
-              </a:effectRef>
-              <a:fontRef idx="minor">
-                <a:schemeClr val="lt1"/>
-              </a:fontRef>
-            </p:style>
-            <p:txBody>
-              <a:bodyPr rtlCol="0" anchor="ctr"/>
-              <a:lstStyle/>
-              <a:p>
-                <a:pPr algn="ctr"/>
-                <a:endParaRPr lang="en-US" sz="2000"/>
-              </a:p>
-            </p:txBody>
-          </p:sp>
-          <p:grpSp>
-            <p:nvGrpSpPr>
-              <p:cNvPr id="6" name="Grup 5"/>
-              <p:cNvGrpSpPr/>
-              <p:nvPr/>
-            </p:nvGrpSpPr>
-            <p:grpSpPr>
-              <a:xfrm>
-                <a:off x="211667" y="6019800"/>
-                <a:ext cx="5012266" cy="605115"/>
-                <a:chOff x="211667" y="6019800"/>
-                <a:chExt cx="5012266" cy="605115"/>
-              </a:xfrm>
-            </p:grpSpPr>
-            <p:pic>
-              <p:nvPicPr>
-                <p:cNvPr id="4" name="Resim 3"/>
-                <p:cNvPicPr>
-                  <a:picLocks noChangeAspect="1"/>
-                </p:cNvPicPr>
-                <p:nvPr/>
-              </p:nvPicPr>
-              <p:blipFill rotWithShape="1">
-                <a:blip r:embed="rId2" cstate="print">
-                  <a:extLst>
-                    <a:ext uri="{28A0092B-C50C-407E-A947-70E740481C1C}">
-                      <a14:useLocalDpi xmlns:a14="http://schemas.microsoft.com/office/drawing/2010/main" val="0"/>
-                    </a:ext>
-                  </a:extLst>
-                </a:blip>
-                <a:srcRect l="24387" t="8319" r="18355" b="50150"/>
-                <a:stretch/>
-              </p:blipFill>
-              <p:spPr>
-                <a:xfrm>
-                  <a:off x="211667" y="6019800"/>
-                  <a:ext cx="1072095" cy="600892"/>
-                </a:xfrm>
-                <a:prstGeom prst="rect">
-                  <a:avLst/>
-                </a:prstGeom>
-              </p:spPr>
-            </p:pic>
-            <p:sp>
-              <p:nvSpPr>
-                <p:cNvPr id="5" name="Unvan 1"/>
-                <p:cNvSpPr txBox="1">
-                  <a:spLocks/>
-                </p:cNvSpPr>
-                <p:nvPr/>
-              </p:nvSpPr>
-              <p:spPr>
-                <a:xfrm>
-                  <a:off x="1283763" y="6024023"/>
-                  <a:ext cx="3940170" cy="600892"/>
-                </a:xfrm>
-                <a:prstGeom prst="rect">
-                  <a:avLst/>
-                </a:prstGeom>
-              </p:spPr>
-              <p:txBody>
-                <a:bodyPr vert="horz" lIns="91440" tIns="45720" rIns="91440" bIns="45720" rtlCol="0" anchor="b">
-                  <a:noAutofit/>
-                </a:bodyPr>
-                <a:lstStyle>
-                  <a:lvl1pPr algn="ctr" defTabSz="914400" rtl="0" eaLnBrk="1" latinLnBrk="0" hangingPunct="1">
-                    <a:lnSpc>
-                      <a:spcPct val="90000"/>
-                    </a:lnSpc>
-                    <a:spcBef>
-                      <a:spcPct val="0"/>
-                    </a:spcBef>
-                    <a:buNone/>
-                    <a:defRPr sz="6000" kern="1200">
-                      <a:solidFill>
-                        <a:schemeClr val="tx1"/>
-                      </a:solidFill>
-                      <a:latin typeface="+mj-lt"/>
-                      <a:ea typeface="+mj-ea"/>
-                      <a:cs typeface="+mj-cs"/>
-                    </a:defRPr>
-                  </a:lvl1pPr>
-                </a:lstStyle>
-                <a:p>
-                  <a:pPr algn="l"/>
-                  <a:r>
-                    <a:rPr lang="tr-TR" sz="2000" dirty="0">
-                      <a:solidFill>
-                        <a:srgbClr val="CB171F"/>
-                      </a:solidFill>
-                      <a:latin typeface="Constantia" panose="02030602050306030303" pitchFamily="18" charset="0"/>
-                      <a:ea typeface="Verdana" panose="020B0604030504040204" pitchFamily="34" charset="0"/>
-                      <a:cs typeface="Arial" panose="020B0604020202020204" pitchFamily="34" charset="0"/>
-                    </a:rPr>
-                    <a:t>Veri Bilimi Okulu</a:t>
-                  </a:r>
-                  <a:endParaRPr lang="en-US" sz="2000" dirty="0">
-                    <a:solidFill>
-                      <a:srgbClr val="CB171F"/>
-                    </a:solidFill>
-                    <a:latin typeface="Constantia" panose="02030602050306030303" pitchFamily="18" charset="0"/>
-                    <a:ea typeface="Verdana" panose="020B0604030504040204" pitchFamily="34" charset="0"/>
-                    <a:cs typeface="Arial" panose="020B0604020202020204" pitchFamily="34" charset="0"/>
-                  </a:endParaRPr>
-                </a:p>
-              </p:txBody>
-            </p:sp>
-          </p:grpSp>
-        </p:grpSp>
-        <p:sp>
-          <p:nvSpPr>
-            <p:cNvPr id="12" name="Metin kutusu 11"/>
-            <p:cNvSpPr txBox="1"/>
-            <p:nvPr/>
-          </p:nvSpPr>
-          <p:spPr>
-            <a:xfrm>
-              <a:off x="1582782" y="6493211"/>
-              <a:ext cx="1687468" cy="230832"/>
-            </a:xfrm>
-            <a:prstGeom prst="rect">
-              <a:avLst/>
-            </a:prstGeom>
-            <a:noFill/>
-          </p:spPr>
-          <p:txBody>
-            <a:bodyPr wrap="square" rtlCol="0">
-              <a:spAutoFit/>
-            </a:bodyPr>
-            <a:lstStyle/>
-            <a:p>
-              <a:r>
-                <a:rPr lang="en-US" sz="900" dirty="0">
-                  <a:solidFill>
-                    <a:srgbClr val="0B8043"/>
-                  </a:solidFill>
-                </a:rPr>
-                <a:t>https:</a:t>
-              </a:r>
-              <a:r>
-                <a:rPr lang="en-US" sz="900" dirty="0">
-                  <a:solidFill>
-                    <a:schemeClr val="bg1">
-                      <a:lumMod val="50000"/>
-                    </a:schemeClr>
-                  </a:solidFill>
-                </a:rPr>
-                <a:t>//www.veribilimi.co</a:t>
-              </a:r>
-            </a:p>
-          </p:txBody>
-        </p:sp>
-      </p:grpSp>
-      <p:grpSp>
-        <p:nvGrpSpPr>
-          <p:cNvPr id="11" name="Grup 10"/>
-          <p:cNvGrpSpPr/>
-          <p:nvPr/>
-        </p:nvGrpSpPr>
-        <p:grpSpPr>
-          <a:xfrm>
-            <a:off x="9194796" y="6231467"/>
-            <a:ext cx="2802471" cy="457084"/>
-            <a:chOff x="184993" y="5905369"/>
-            <a:chExt cx="5156200" cy="838200"/>
-          </a:xfrm>
-        </p:grpSpPr>
-        <p:sp>
-          <p:nvSpPr>
-            <p:cNvPr id="13" name="Dikdörtgen 12"/>
-            <p:cNvSpPr/>
-            <p:nvPr/>
-          </p:nvSpPr>
-          <p:spPr>
-            <a:xfrm>
-              <a:off x="184993" y="5905369"/>
-              <a:ext cx="5156200" cy="838200"/>
-            </a:xfrm>
-            <a:prstGeom prst="rect">
-              <a:avLst/>
-            </a:prstGeom>
-            <a:solidFill>
-              <a:schemeClr val="bg1">
-                <a:lumMod val="95000"/>
-              </a:schemeClr>
-            </a:solidFill>
-            <a:ln>
-              <a:noFill/>
-            </a:ln>
-          </p:spPr>
-          <p:style>
-            <a:lnRef idx="2">
-              <a:schemeClr val="accent1">
-                <a:shade val="50000"/>
-              </a:schemeClr>
-            </a:lnRef>
-            <a:fillRef idx="1">
-              <a:schemeClr val="accent1"/>
-            </a:fillRef>
-            <a:effectRef idx="0">
-              <a:schemeClr val="accent1"/>
-            </a:effectRef>
-            <a:fontRef idx="minor">
-              <a:schemeClr val="lt1"/>
-            </a:fontRef>
-          </p:style>
-          <p:txBody>
-            <a:bodyPr rtlCol="0" anchor="ctr"/>
-            <a:lstStyle/>
-            <a:p>
-              <a:pPr algn="ctr"/>
-              <a:endParaRPr lang="en-US" sz="2000"/>
-            </a:p>
-          </p:txBody>
-        </p:sp>
-        <p:sp>
-          <p:nvSpPr>
-            <p:cNvPr id="14" name="Unvan 1"/>
-            <p:cNvSpPr txBox="1">
-              <a:spLocks/>
-            </p:cNvSpPr>
-            <p:nvPr/>
-          </p:nvSpPr>
-          <p:spPr>
-            <a:xfrm>
-              <a:off x="302252" y="6024023"/>
-              <a:ext cx="4921678" cy="600892"/>
-            </a:xfrm>
-            <a:prstGeom prst="rect">
-              <a:avLst/>
-            </a:prstGeom>
-          </p:spPr>
-          <p:txBody>
-            <a:bodyPr vert="horz" lIns="91440" tIns="45720" rIns="91440" bIns="45720" rtlCol="0" anchor="b">
-              <a:noAutofit/>
-            </a:bodyPr>
-            <a:lstStyle>
-              <a:lvl1pPr algn="ctr" defTabSz="914400" rtl="0" eaLnBrk="1" latinLnBrk="0" hangingPunct="1">
-                <a:lnSpc>
-                  <a:spcPct val="90000"/>
-                </a:lnSpc>
-                <a:spcBef>
-                  <a:spcPct val="0"/>
-                </a:spcBef>
-                <a:buNone/>
-                <a:defRPr sz="6000" kern="1200">
-                  <a:solidFill>
-                    <a:schemeClr val="tx1"/>
-                  </a:solidFill>
-                  <a:latin typeface="+mj-lt"/>
-                  <a:ea typeface="+mj-ea"/>
-                  <a:cs typeface="+mj-cs"/>
-                </a:defRPr>
-              </a:lvl1pPr>
-            </a:lstStyle>
-            <a:p>
-              <a:pPr algn="l"/>
-              <a:r>
-                <a:rPr lang="tr-TR" sz="2000" dirty="0">
-                  <a:solidFill>
-                    <a:srgbClr val="CB171F"/>
-                  </a:solidFill>
-                  <a:latin typeface="Constantia" panose="02030602050306030303" pitchFamily="18" charset="0"/>
-                  <a:ea typeface="Verdana" panose="020B0604030504040204" pitchFamily="34" charset="0"/>
-                  <a:cs typeface="Arial" panose="020B0604020202020204" pitchFamily="34" charset="0"/>
-                </a:rPr>
-                <a:t>A’dan Z’ye Büyük Veri</a:t>
-              </a:r>
-              <a:endParaRPr lang="en-US" sz="2000" dirty="0">
-                <a:solidFill>
-                  <a:srgbClr val="CB171F"/>
-                </a:solidFill>
-                <a:latin typeface="Constantia" panose="02030602050306030303" pitchFamily="18" charset="0"/>
-                <a:ea typeface="Verdana" panose="020B0604030504040204" pitchFamily="34" charset="0"/>
-                <a:cs typeface="Arial" panose="020B0604020202020204" pitchFamily="34" charset="0"/>
-              </a:endParaRPr>
-            </a:p>
-          </p:txBody>
-        </p:sp>
-      </p:grpSp>
       <p:sp>
         <p:nvSpPr>
           <p:cNvPr id="16" name="Unvan 1"/>
@@ -20073,362 +16513,6 @@
           </a:fontRef>
         </p:style>
       </p:cxnSp>
-      <p:grpSp>
-        <p:nvGrpSpPr>
-          <p:cNvPr id="15" name="Grup 14"/>
-          <p:cNvGrpSpPr/>
-          <p:nvPr/>
-        </p:nvGrpSpPr>
-        <p:grpSpPr>
-          <a:xfrm>
-            <a:off x="228596" y="6231467"/>
-            <a:ext cx="3041654" cy="492576"/>
-            <a:chOff x="228596" y="6231467"/>
-            <a:chExt cx="3041654" cy="492576"/>
-          </a:xfrm>
-        </p:grpSpPr>
-        <p:grpSp>
-          <p:nvGrpSpPr>
-            <p:cNvPr id="8" name="Grup 7"/>
-            <p:cNvGrpSpPr/>
-            <p:nvPr/>
-          </p:nvGrpSpPr>
-          <p:grpSpPr>
-            <a:xfrm>
-              <a:off x="228596" y="6231467"/>
-              <a:ext cx="2802471" cy="457084"/>
-              <a:chOff x="127000" y="5901146"/>
-              <a:chExt cx="5156200" cy="838200"/>
-            </a:xfrm>
-          </p:grpSpPr>
-          <p:sp>
-            <p:nvSpPr>
-              <p:cNvPr id="7" name="Dikdörtgen 6"/>
-              <p:cNvSpPr/>
-              <p:nvPr/>
-            </p:nvSpPr>
-            <p:spPr>
-              <a:xfrm>
-                <a:off x="127000" y="5901146"/>
-                <a:ext cx="5156200" cy="838200"/>
-              </a:xfrm>
-              <a:prstGeom prst="rect">
-                <a:avLst/>
-              </a:prstGeom>
-              <a:solidFill>
-                <a:schemeClr val="bg1">
-                  <a:lumMod val="95000"/>
-                </a:schemeClr>
-              </a:solidFill>
-              <a:ln>
-                <a:noFill/>
-              </a:ln>
-            </p:spPr>
-            <p:style>
-              <a:lnRef idx="2">
-                <a:schemeClr val="accent1">
-                  <a:shade val="50000"/>
-                </a:schemeClr>
-              </a:lnRef>
-              <a:fillRef idx="1">
-                <a:schemeClr val="accent1"/>
-              </a:fillRef>
-              <a:effectRef idx="0">
-                <a:schemeClr val="accent1"/>
-              </a:effectRef>
-              <a:fontRef idx="minor">
-                <a:schemeClr val="lt1"/>
-              </a:fontRef>
-            </p:style>
-            <p:txBody>
-              <a:bodyPr rtlCol="0" anchor="ctr"/>
-              <a:lstStyle/>
-              <a:p>
-                <a:pPr algn="ctr"/>
-                <a:endParaRPr lang="en-US" sz="2000"/>
-              </a:p>
-            </p:txBody>
-          </p:sp>
-          <p:grpSp>
-            <p:nvGrpSpPr>
-              <p:cNvPr id="6" name="Grup 5"/>
-              <p:cNvGrpSpPr/>
-              <p:nvPr/>
-            </p:nvGrpSpPr>
-            <p:grpSpPr>
-              <a:xfrm>
-                <a:off x="211667" y="6019800"/>
-                <a:ext cx="5012266" cy="605115"/>
-                <a:chOff x="211667" y="6019800"/>
-                <a:chExt cx="5012266" cy="605115"/>
-              </a:xfrm>
-            </p:grpSpPr>
-            <p:pic>
-              <p:nvPicPr>
-                <p:cNvPr id="4" name="Resim 3"/>
-                <p:cNvPicPr>
-                  <a:picLocks noChangeAspect="1"/>
-                </p:cNvPicPr>
-                <p:nvPr/>
-              </p:nvPicPr>
-              <p:blipFill rotWithShape="1">
-                <a:blip r:embed="rId2" cstate="print">
-                  <a:extLst>
-                    <a:ext uri="{28A0092B-C50C-407E-A947-70E740481C1C}">
-                      <a14:useLocalDpi xmlns:a14="http://schemas.microsoft.com/office/drawing/2010/main" val="0"/>
-                    </a:ext>
-                  </a:extLst>
-                </a:blip>
-                <a:srcRect l="24387" t="8319" r="18355" b="50150"/>
-                <a:stretch/>
-              </p:blipFill>
-              <p:spPr>
-                <a:xfrm>
-                  <a:off x="211667" y="6019800"/>
-                  <a:ext cx="1072095" cy="600892"/>
-                </a:xfrm>
-                <a:prstGeom prst="rect">
-                  <a:avLst/>
-                </a:prstGeom>
-              </p:spPr>
-            </p:pic>
-            <p:sp>
-              <p:nvSpPr>
-                <p:cNvPr id="5" name="Unvan 1"/>
-                <p:cNvSpPr txBox="1">
-                  <a:spLocks/>
-                </p:cNvSpPr>
-                <p:nvPr/>
-              </p:nvSpPr>
-              <p:spPr>
-                <a:xfrm>
-                  <a:off x="1283763" y="6024023"/>
-                  <a:ext cx="3940170" cy="600892"/>
-                </a:xfrm>
-                <a:prstGeom prst="rect">
-                  <a:avLst/>
-                </a:prstGeom>
-              </p:spPr>
-              <p:txBody>
-                <a:bodyPr vert="horz" lIns="91440" tIns="45720" rIns="91440" bIns="45720" rtlCol="0" anchor="b">
-                  <a:noAutofit/>
-                </a:bodyPr>
-                <a:lstStyle>
-                  <a:lvl1pPr algn="ctr" defTabSz="914400" rtl="0" eaLnBrk="1" latinLnBrk="0" hangingPunct="1">
-                    <a:lnSpc>
-                      <a:spcPct val="90000"/>
-                    </a:lnSpc>
-                    <a:spcBef>
-                      <a:spcPct val="0"/>
-                    </a:spcBef>
-                    <a:buNone/>
-                    <a:defRPr sz="6000" kern="1200">
-                      <a:solidFill>
-                        <a:schemeClr val="tx1"/>
-                      </a:solidFill>
-                      <a:latin typeface="+mj-lt"/>
-                      <a:ea typeface="+mj-ea"/>
-                      <a:cs typeface="+mj-cs"/>
-                    </a:defRPr>
-                  </a:lvl1pPr>
-                </a:lstStyle>
-                <a:p>
-                  <a:pPr algn="l"/>
-                  <a:r>
-                    <a:rPr lang="tr-TR" sz="2000" dirty="0">
-                      <a:solidFill>
-                        <a:srgbClr val="CB171F"/>
-                      </a:solidFill>
-                      <a:latin typeface="Constantia" panose="02030602050306030303" pitchFamily="18" charset="0"/>
-                      <a:ea typeface="Verdana" panose="020B0604030504040204" pitchFamily="34" charset="0"/>
-                      <a:cs typeface="Arial" panose="020B0604020202020204" pitchFamily="34" charset="0"/>
-                    </a:rPr>
-                    <a:t>Veri Bilimi Okulu</a:t>
-                  </a:r>
-                  <a:endParaRPr lang="en-US" sz="2000" dirty="0">
-                    <a:solidFill>
-                      <a:srgbClr val="CB171F"/>
-                    </a:solidFill>
-                    <a:latin typeface="Constantia" panose="02030602050306030303" pitchFamily="18" charset="0"/>
-                    <a:ea typeface="Verdana" panose="020B0604030504040204" pitchFamily="34" charset="0"/>
-                    <a:cs typeface="Arial" panose="020B0604020202020204" pitchFamily="34" charset="0"/>
-                  </a:endParaRPr>
-                </a:p>
-              </p:txBody>
-            </p:sp>
-          </p:grpSp>
-        </p:grpSp>
-        <p:sp>
-          <p:nvSpPr>
-            <p:cNvPr id="12" name="Metin kutusu 11"/>
-            <p:cNvSpPr txBox="1"/>
-            <p:nvPr/>
-          </p:nvSpPr>
-          <p:spPr>
-            <a:xfrm>
-              <a:off x="1582782" y="6493211"/>
-              <a:ext cx="1687468" cy="230832"/>
-            </a:xfrm>
-            <a:prstGeom prst="rect">
-              <a:avLst/>
-            </a:prstGeom>
-            <a:noFill/>
-          </p:spPr>
-          <p:txBody>
-            <a:bodyPr wrap="square" rtlCol="0">
-              <a:spAutoFit/>
-            </a:bodyPr>
-            <a:lstStyle/>
-            <a:p>
-              <a:r>
-                <a:rPr lang="en-US" sz="900" dirty="0">
-                  <a:solidFill>
-                    <a:srgbClr val="0B8043"/>
-                  </a:solidFill>
-                </a:rPr>
-                <a:t>https:</a:t>
-              </a:r>
-              <a:r>
-                <a:rPr lang="en-US" sz="900" dirty="0">
-                  <a:solidFill>
-                    <a:schemeClr val="bg1">
-                      <a:lumMod val="50000"/>
-                    </a:schemeClr>
-                  </a:solidFill>
-                </a:rPr>
-                <a:t>//www.veribilimi.co</a:t>
-              </a:r>
-            </a:p>
-          </p:txBody>
-        </p:sp>
-      </p:grpSp>
-      <p:grpSp>
-        <p:nvGrpSpPr>
-          <p:cNvPr id="11" name="Grup 10"/>
-          <p:cNvGrpSpPr/>
-          <p:nvPr/>
-        </p:nvGrpSpPr>
-        <p:grpSpPr>
-          <a:xfrm>
-            <a:off x="9194796" y="6231467"/>
-            <a:ext cx="2802471" cy="457084"/>
-            <a:chOff x="184993" y="5905369"/>
-            <a:chExt cx="5156200" cy="838200"/>
-          </a:xfrm>
-        </p:grpSpPr>
-        <p:sp>
-          <p:nvSpPr>
-            <p:cNvPr id="13" name="Dikdörtgen 12"/>
-            <p:cNvSpPr/>
-            <p:nvPr/>
-          </p:nvSpPr>
-          <p:spPr>
-            <a:xfrm>
-              <a:off x="184993" y="5905369"/>
-              <a:ext cx="5156200" cy="838200"/>
-            </a:xfrm>
-            <a:prstGeom prst="rect">
-              <a:avLst/>
-            </a:prstGeom>
-            <a:solidFill>
-              <a:schemeClr val="bg1">
-                <a:lumMod val="95000"/>
-              </a:schemeClr>
-            </a:solidFill>
-            <a:ln>
-              <a:noFill/>
-            </a:ln>
-          </p:spPr>
-          <p:style>
-            <a:lnRef idx="2">
-              <a:schemeClr val="accent1">
-                <a:shade val="50000"/>
-              </a:schemeClr>
-            </a:lnRef>
-            <a:fillRef idx="1">
-              <a:schemeClr val="accent1"/>
-            </a:fillRef>
-            <a:effectRef idx="0">
-              <a:schemeClr val="accent1"/>
-            </a:effectRef>
-            <a:fontRef idx="minor">
-              <a:schemeClr val="lt1"/>
-            </a:fontRef>
-          </p:style>
-          <p:txBody>
-            <a:bodyPr rtlCol="0" anchor="ctr"/>
-            <a:lstStyle/>
-            <a:p>
-              <a:pPr algn="ctr"/>
-              <a:endParaRPr lang="en-US" sz="2000"/>
-            </a:p>
-          </p:txBody>
-        </p:sp>
-        <p:sp>
-          <p:nvSpPr>
-            <p:cNvPr id="14" name="Unvan 1"/>
-            <p:cNvSpPr txBox="1">
-              <a:spLocks/>
-            </p:cNvSpPr>
-            <p:nvPr/>
-          </p:nvSpPr>
-          <p:spPr>
-            <a:xfrm>
-              <a:off x="302252" y="6024023"/>
-              <a:ext cx="4921678" cy="600892"/>
-            </a:xfrm>
-            <a:prstGeom prst="rect">
-              <a:avLst/>
-            </a:prstGeom>
-          </p:spPr>
-          <p:txBody>
-            <a:bodyPr vert="horz" lIns="91440" tIns="45720" rIns="91440" bIns="45720" rtlCol="0" anchor="b">
-              <a:noAutofit/>
-            </a:bodyPr>
-            <a:lstStyle>
-              <a:lvl1pPr algn="ctr" defTabSz="914400" rtl="0" eaLnBrk="1" latinLnBrk="0" hangingPunct="1">
-                <a:lnSpc>
-                  <a:spcPct val="90000"/>
-                </a:lnSpc>
-                <a:spcBef>
-                  <a:spcPct val="0"/>
-                </a:spcBef>
-                <a:buNone/>
-                <a:defRPr sz="6000" kern="1200">
-                  <a:solidFill>
-                    <a:schemeClr val="tx1"/>
-                  </a:solidFill>
-                  <a:latin typeface="+mj-lt"/>
-                  <a:ea typeface="+mj-ea"/>
-                  <a:cs typeface="+mj-cs"/>
-                </a:defRPr>
-              </a:lvl1pPr>
-            </a:lstStyle>
-            <a:p>
-              <a:pPr algn="l"/>
-              <a:r>
-                <a:rPr lang="tr-TR" sz="2000" dirty="0">
-                  <a:solidFill>
-                    <a:srgbClr val="CB171F"/>
-                  </a:solidFill>
-                  <a:latin typeface="Constantia" panose="02030602050306030303" pitchFamily="18" charset="0"/>
-                  <a:ea typeface="Verdana" panose="020B0604030504040204" pitchFamily="34" charset="0"/>
-                  <a:cs typeface="Arial" panose="020B0604020202020204" pitchFamily="34" charset="0"/>
-                </a:rPr>
-                <a:t>A’dan Z’ye Büyük Veri</a:t>
-              </a:r>
-              <a:endParaRPr lang="en-US" sz="2000" dirty="0">
-                <a:solidFill>
-                  <a:srgbClr val="CB171F"/>
-                </a:solidFill>
-                <a:latin typeface="Constantia" panose="02030602050306030303" pitchFamily="18" charset="0"/>
-                <a:ea typeface="Verdana" panose="020B0604030504040204" pitchFamily="34" charset="0"/>
-                <a:cs typeface="Arial" panose="020B0604020202020204" pitchFamily="34" charset="0"/>
-              </a:endParaRPr>
-            </a:p>
-          </p:txBody>
-        </p:sp>
-      </p:grpSp>
       <p:sp>
         <p:nvSpPr>
           <p:cNvPr id="16" name="Unvan 1"/>
@@ -20719,362 +16803,6 @@
           </a:fontRef>
         </p:style>
       </p:cxnSp>
-      <p:grpSp>
-        <p:nvGrpSpPr>
-          <p:cNvPr id="15" name="Grup 14"/>
-          <p:cNvGrpSpPr/>
-          <p:nvPr/>
-        </p:nvGrpSpPr>
-        <p:grpSpPr>
-          <a:xfrm>
-            <a:off x="228596" y="6231467"/>
-            <a:ext cx="3041654" cy="492576"/>
-            <a:chOff x="228596" y="6231467"/>
-            <a:chExt cx="3041654" cy="492576"/>
-          </a:xfrm>
-        </p:grpSpPr>
-        <p:grpSp>
-          <p:nvGrpSpPr>
-            <p:cNvPr id="8" name="Grup 7"/>
-            <p:cNvGrpSpPr/>
-            <p:nvPr/>
-          </p:nvGrpSpPr>
-          <p:grpSpPr>
-            <a:xfrm>
-              <a:off x="228596" y="6231467"/>
-              <a:ext cx="2802471" cy="457084"/>
-              <a:chOff x="127000" y="5901146"/>
-              <a:chExt cx="5156200" cy="838200"/>
-            </a:xfrm>
-          </p:grpSpPr>
-          <p:sp>
-            <p:nvSpPr>
-              <p:cNvPr id="7" name="Dikdörtgen 6"/>
-              <p:cNvSpPr/>
-              <p:nvPr/>
-            </p:nvSpPr>
-            <p:spPr>
-              <a:xfrm>
-                <a:off x="127000" y="5901146"/>
-                <a:ext cx="5156200" cy="838200"/>
-              </a:xfrm>
-              <a:prstGeom prst="rect">
-                <a:avLst/>
-              </a:prstGeom>
-              <a:solidFill>
-                <a:schemeClr val="bg1">
-                  <a:lumMod val="95000"/>
-                </a:schemeClr>
-              </a:solidFill>
-              <a:ln>
-                <a:noFill/>
-              </a:ln>
-            </p:spPr>
-            <p:style>
-              <a:lnRef idx="2">
-                <a:schemeClr val="accent1">
-                  <a:shade val="50000"/>
-                </a:schemeClr>
-              </a:lnRef>
-              <a:fillRef idx="1">
-                <a:schemeClr val="accent1"/>
-              </a:fillRef>
-              <a:effectRef idx="0">
-                <a:schemeClr val="accent1"/>
-              </a:effectRef>
-              <a:fontRef idx="minor">
-                <a:schemeClr val="lt1"/>
-              </a:fontRef>
-            </p:style>
-            <p:txBody>
-              <a:bodyPr rtlCol="0" anchor="ctr"/>
-              <a:lstStyle/>
-              <a:p>
-                <a:pPr algn="ctr"/>
-                <a:endParaRPr lang="en-US" sz="2000"/>
-              </a:p>
-            </p:txBody>
-          </p:sp>
-          <p:grpSp>
-            <p:nvGrpSpPr>
-              <p:cNvPr id="6" name="Grup 5"/>
-              <p:cNvGrpSpPr/>
-              <p:nvPr/>
-            </p:nvGrpSpPr>
-            <p:grpSpPr>
-              <a:xfrm>
-                <a:off x="211667" y="6019800"/>
-                <a:ext cx="5012266" cy="605115"/>
-                <a:chOff x="211667" y="6019800"/>
-                <a:chExt cx="5012266" cy="605115"/>
-              </a:xfrm>
-            </p:grpSpPr>
-            <p:pic>
-              <p:nvPicPr>
-                <p:cNvPr id="4" name="Resim 3"/>
-                <p:cNvPicPr>
-                  <a:picLocks noChangeAspect="1"/>
-                </p:cNvPicPr>
-                <p:nvPr/>
-              </p:nvPicPr>
-              <p:blipFill rotWithShape="1">
-                <a:blip r:embed="rId2" cstate="print">
-                  <a:extLst>
-                    <a:ext uri="{28A0092B-C50C-407E-A947-70E740481C1C}">
-                      <a14:useLocalDpi xmlns:a14="http://schemas.microsoft.com/office/drawing/2010/main" val="0"/>
-                    </a:ext>
-                  </a:extLst>
-                </a:blip>
-                <a:srcRect l="24387" t="8319" r="18355" b="50150"/>
-                <a:stretch/>
-              </p:blipFill>
-              <p:spPr>
-                <a:xfrm>
-                  <a:off x="211667" y="6019800"/>
-                  <a:ext cx="1072095" cy="600892"/>
-                </a:xfrm>
-                <a:prstGeom prst="rect">
-                  <a:avLst/>
-                </a:prstGeom>
-              </p:spPr>
-            </p:pic>
-            <p:sp>
-              <p:nvSpPr>
-                <p:cNvPr id="5" name="Unvan 1"/>
-                <p:cNvSpPr txBox="1">
-                  <a:spLocks/>
-                </p:cNvSpPr>
-                <p:nvPr/>
-              </p:nvSpPr>
-              <p:spPr>
-                <a:xfrm>
-                  <a:off x="1283763" y="6024023"/>
-                  <a:ext cx="3940170" cy="600892"/>
-                </a:xfrm>
-                <a:prstGeom prst="rect">
-                  <a:avLst/>
-                </a:prstGeom>
-              </p:spPr>
-              <p:txBody>
-                <a:bodyPr vert="horz" lIns="91440" tIns="45720" rIns="91440" bIns="45720" rtlCol="0" anchor="b">
-                  <a:noAutofit/>
-                </a:bodyPr>
-                <a:lstStyle>
-                  <a:lvl1pPr algn="ctr" defTabSz="914400" rtl="0" eaLnBrk="1" latinLnBrk="0" hangingPunct="1">
-                    <a:lnSpc>
-                      <a:spcPct val="90000"/>
-                    </a:lnSpc>
-                    <a:spcBef>
-                      <a:spcPct val="0"/>
-                    </a:spcBef>
-                    <a:buNone/>
-                    <a:defRPr sz="6000" kern="1200">
-                      <a:solidFill>
-                        <a:schemeClr val="tx1"/>
-                      </a:solidFill>
-                      <a:latin typeface="+mj-lt"/>
-                      <a:ea typeface="+mj-ea"/>
-                      <a:cs typeface="+mj-cs"/>
-                    </a:defRPr>
-                  </a:lvl1pPr>
-                </a:lstStyle>
-                <a:p>
-                  <a:pPr algn="l"/>
-                  <a:r>
-                    <a:rPr lang="tr-TR" sz="2000" dirty="0">
-                      <a:solidFill>
-                        <a:srgbClr val="CB171F"/>
-                      </a:solidFill>
-                      <a:latin typeface="Constantia" panose="02030602050306030303" pitchFamily="18" charset="0"/>
-                      <a:ea typeface="Verdana" panose="020B0604030504040204" pitchFamily="34" charset="0"/>
-                      <a:cs typeface="Arial" panose="020B0604020202020204" pitchFamily="34" charset="0"/>
-                    </a:rPr>
-                    <a:t>Veri Bilimi Okulu</a:t>
-                  </a:r>
-                  <a:endParaRPr lang="en-US" sz="2000" dirty="0">
-                    <a:solidFill>
-                      <a:srgbClr val="CB171F"/>
-                    </a:solidFill>
-                    <a:latin typeface="Constantia" panose="02030602050306030303" pitchFamily="18" charset="0"/>
-                    <a:ea typeface="Verdana" panose="020B0604030504040204" pitchFamily="34" charset="0"/>
-                    <a:cs typeface="Arial" panose="020B0604020202020204" pitchFamily="34" charset="0"/>
-                  </a:endParaRPr>
-                </a:p>
-              </p:txBody>
-            </p:sp>
-          </p:grpSp>
-        </p:grpSp>
-        <p:sp>
-          <p:nvSpPr>
-            <p:cNvPr id="12" name="Metin kutusu 11"/>
-            <p:cNvSpPr txBox="1"/>
-            <p:nvPr/>
-          </p:nvSpPr>
-          <p:spPr>
-            <a:xfrm>
-              <a:off x="1582782" y="6493211"/>
-              <a:ext cx="1687468" cy="230832"/>
-            </a:xfrm>
-            <a:prstGeom prst="rect">
-              <a:avLst/>
-            </a:prstGeom>
-            <a:noFill/>
-          </p:spPr>
-          <p:txBody>
-            <a:bodyPr wrap="square" rtlCol="0">
-              <a:spAutoFit/>
-            </a:bodyPr>
-            <a:lstStyle/>
-            <a:p>
-              <a:r>
-                <a:rPr lang="en-US" sz="900" dirty="0">
-                  <a:solidFill>
-                    <a:srgbClr val="0B8043"/>
-                  </a:solidFill>
-                </a:rPr>
-                <a:t>https:</a:t>
-              </a:r>
-              <a:r>
-                <a:rPr lang="en-US" sz="900" dirty="0">
-                  <a:solidFill>
-                    <a:schemeClr val="bg1">
-                      <a:lumMod val="50000"/>
-                    </a:schemeClr>
-                  </a:solidFill>
-                </a:rPr>
-                <a:t>//www.veribilimi.co</a:t>
-              </a:r>
-            </a:p>
-          </p:txBody>
-        </p:sp>
-      </p:grpSp>
-      <p:grpSp>
-        <p:nvGrpSpPr>
-          <p:cNvPr id="11" name="Grup 10"/>
-          <p:cNvGrpSpPr/>
-          <p:nvPr/>
-        </p:nvGrpSpPr>
-        <p:grpSpPr>
-          <a:xfrm>
-            <a:off x="9194796" y="6231467"/>
-            <a:ext cx="2802471" cy="457084"/>
-            <a:chOff x="184993" y="5905369"/>
-            <a:chExt cx="5156200" cy="838200"/>
-          </a:xfrm>
-        </p:grpSpPr>
-        <p:sp>
-          <p:nvSpPr>
-            <p:cNvPr id="13" name="Dikdörtgen 12"/>
-            <p:cNvSpPr/>
-            <p:nvPr/>
-          </p:nvSpPr>
-          <p:spPr>
-            <a:xfrm>
-              <a:off x="184993" y="5905369"/>
-              <a:ext cx="5156200" cy="838200"/>
-            </a:xfrm>
-            <a:prstGeom prst="rect">
-              <a:avLst/>
-            </a:prstGeom>
-            <a:solidFill>
-              <a:schemeClr val="bg1">
-                <a:lumMod val="95000"/>
-              </a:schemeClr>
-            </a:solidFill>
-            <a:ln>
-              <a:noFill/>
-            </a:ln>
-          </p:spPr>
-          <p:style>
-            <a:lnRef idx="2">
-              <a:schemeClr val="accent1">
-                <a:shade val="50000"/>
-              </a:schemeClr>
-            </a:lnRef>
-            <a:fillRef idx="1">
-              <a:schemeClr val="accent1"/>
-            </a:fillRef>
-            <a:effectRef idx="0">
-              <a:schemeClr val="accent1"/>
-            </a:effectRef>
-            <a:fontRef idx="minor">
-              <a:schemeClr val="lt1"/>
-            </a:fontRef>
-          </p:style>
-          <p:txBody>
-            <a:bodyPr rtlCol="0" anchor="ctr"/>
-            <a:lstStyle/>
-            <a:p>
-              <a:pPr algn="ctr"/>
-              <a:endParaRPr lang="en-US" sz="2000"/>
-            </a:p>
-          </p:txBody>
-        </p:sp>
-        <p:sp>
-          <p:nvSpPr>
-            <p:cNvPr id="14" name="Unvan 1"/>
-            <p:cNvSpPr txBox="1">
-              <a:spLocks/>
-            </p:cNvSpPr>
-            <p:nvPr/>
-          </p:nvSpPr>
-          <p:spPr>
-            <a:xfrm>
-              <a:off x="302252" y="6024023"/>
-              <a:ext cx="4921678" cy="600892"/>
-            </a:xfrm>
-            <a:prstGeom prst="rect">
-              <a:avLst/>
-            </a:prstGeom>
-          </p:spPr>
-          <p:txBody>
-            <a:bodyPr vert="horz" lIns="91440" tIns="45720" rIns="91440" bIns="45720" rtlCol="0" anchor="b">
-              <a:noAutofit/>
-            </a:bodyPr>
-            <a:lstStyle>
-              <a:lvl1pPr algn="ctr" defTabSz="914400" rtl="0" eaLnBrk="1" latinLnBrk="0" hangingPunct="1">
-                <a:lnSpc>
-                  <a:spcPct val="90000"/>
-                </a:lnSpc>
-                <a:spcBef>
-                  <a:spcPct val="0"/>
-                </a:spcBef>
-                <a:buNone/>
-                <a:defRPr sz="6000" kern="1200">
-                  <a:solidFill>
-                    <a:schemeClr val="tx1"/>
-                  </a:solidFill>
-                  <a:latin typeface="+mj-lt"/>
-                  <a:ea typeface="+mj-ea"/>
-                  <a:cs typeface="+mj-cs"/>
-                </a:defRPr>
-              </a:lvl1pPr>
-            </a:lstStyle>
-            <a:p>
-              <a:pPr algn="l"/>
-              <a:r>
-                <a:rPr lang="tr-TR" sz="2000" dirty="0">
-                  <a:solidFill>
-                    <a:srgbClr val="CB171F"/>
-                  </a:solidFill>
-                  <a:latin typeface="Constantia" panose="02030602050306030303" pitchFamily="18" charset="0"/>
-                  <a:ea typeface="Verdana" panose="020B0604030504040204" pitchFamily="34" charset="0"/>
-                  <a:cs typeface="Arial" panose="020B0604020202020204" pitchFamily="34" charset="0"/>
-                </a:rPr>
-                <a:t>A’dan Z’ye Büyük Veri</a:t>
-              </a:r>
-              <a:endParaRPr lang="en-US" sz="2000" dirty="0">
-                <a:solidFill>
-                  <a:srgbClr val="CB171F"/>
-                </a:solidFill>
-                <a:latin typeface="Constantia" panose="02030602050306030303" pitchFamily="18" charset="0"/>
-                <a:ea typeface="Verdana" panose="020B0604030504040204" pitchFamily="34" charset="0"/>
-                <a:cs typeface="Arial" panose="020B0604020202020204" pitchFamily="34" charset="0"/>
-              </a:endParaRPr>
-            </a:p>
-          </p:txBody>
-        </p:sp>
-      </p:grpSp>
       <p:sp>
         <p:nvSpPr>
           <p:cNvPr id="16" name="Unvan 1"/>
@@ -21439,7 +17167,7 @@
             <p:nvPr/>
           </p:nvPicPr>
           <p:blipFill rotWithShape="1">
-            <a:blip r:embed="rId3" cstate="print">
+            <a:blip r:embed="rId2" cstate="print">
               <a:extLst>
                 <a:ext uri="{28A0092B-C50C-407E-A947-70E740481C1C}">
                   <a14:useLocalDpi xmlns:a14="http://schemas.microsoft.com/office/drawing/2010/main" val="0"/>
@@ -21758,7 +17486,7 @@
             <p:nvPr/>
           </p:nvPicPr>
           <p:blipFill rotWithShape="1">
-            <a:blip r:embed="rId3" cstate="print">
+            <a:blip r:embed="rId2" cstate="print">
               <a:extLst>
                 <a:ext uri="{28A0092B-C50C-407E-A947-70E740481C1C}">
                   <a14:useLocalDpi xmlns:a14="http://schemas.microsoft.com/office/drawing/2010/main" val="0"/>
@@ -22077,7 +17805,7 @@
             <p:nvPr/>
           </p:nvPicPr>
           <p:blipFill rotWithShape="1">
-            <a:blip r:embed="rId3" cstate="print">
+            <a:blip r:embed="rId2" cstate="print">
               <a:extLst>
                 <a:ext uri="{28A0092B-C50C-407E-A947-70E740481C1C}">
                   <a14:useLocalDpi xmlns:a14="http://schemas.microsoft.com/office/drawing/2010/main" val="0"/>
@@ -22396,7 +18124,7 @@
             <p:nvPr/>
           </p:nvPicPr>
           <p:blipFill rotWithShape="1">
-            <a:blip r:embed="rId3" cstate="print">
+            <a:blip r:embed="rId2" cstate="print">
               <a:extLst>
                 <a:ext uri="{28A0092B-C50C-407E-A947-70E740481C1C}">
                   <a14:useLocalDpi xmlns:a14="http://schemas.microsoft.com/office/drawing/2010/main" val="0"/>
@@ -24887,362 +20615,6 @@
           </a:fontRef>
         </p:style>
       </p:cxnSp>
-      <p:grpSp>
-        <p:nvGrpSpPr>
-          <p:cNvPr id="15" name="Grup 14"/>
-          <p:cNvGrpSpPr/>
-          <p:nvPr/>
-        </p:nvGrpSpPr>
-        <p:grpSpPr>
-          <a:xfrm>
-            <a:off x="228596" y="6231467"/>
-            <a:ext cx="3041654" cy="492576"/>
-            <a:chOff x="228596" y="6231467"/>
-            <a:chExt cx="3041654" cy="492576"/>
-          </a:xfrm>
-        </p:grpSpPr>
-        <p:grpSp>
-          <p:nvGrpSpPr>
-            <p:cNvPr id="8" name="Grup 7"/>
-            <p:cNvGrpSpPr/>
-            <p:nvPr/>
-          </p:nvGrpSpPr>
-          <p:grpSpPr>
-            <a:xfrm>
-              <a:off x="228596" y="6231467"/>
-              <a:ext cx="2802471" cy="457084"/>
-              <a:chOff x="127000" y="5901146"/>
-              <a:chExt cx="5156200" cy="838200"/>
-            </a:xfrm>
-          </p:grpSpPr>
-          <p:sp>
-            <p:nvSpPr>
-              <p:cNvPr id="7" name="Dikdörtgen 6"/>
-              <p:cNvSpPr/>
-              <p:nvPr/>
-            </p:nvSpPr>
-            <p:spPr>
-              <a:xfrm>
-                <a:off x="127000" y="5901146"/>
-                <a:ext cx="5156200" cy="838200"/>
-              </a:xfrm>
-              <a:prstGeom prst="rect">
-                <a:avLst/>
-              </a:prstGeom>
-              <a:solidFill>
-                <a:schemeClr val="bg1">
-                  <a:lumMod val="95000"/>
-                </a:schemeClr>
-              </a:solidFill>
-              <a:ln>
-                <a:noFill/>
-              </a:ln>
-            </p:spPr>
-            <p:style>
-              <a:lnRef idx="2">
-                <a:schemeClr val="accent1">
-                  <a:shade val="50000"/>
-                </a:schemeClr>
-              </a:lnRef>
-              <a:fillRef idx="1">
-                <a:schemeClr val="accent1"/>
-              </a:fillRef>
-              <a:effectRef idx="0">
-                <a:schemeClr val="accent1"/>
-              </a:effectRef>
-              <a:fontRef idx="minor">
-                <a:schemeClr val="lt1"/>
-              </a:fontRef>
-            </p:style>
-            <p:txBody>
-              <a:bodyPr rtlCol="0" anchor="ctr"/>
-              <a:lstStyle/>
-              <a:p>
-                <a:pPr algn="ctr"/>
-                <a:endParaRPr lang="en-US" sz="2000"/>
-              </a:p>
-            </p:txBody>
-          </p:sp>
-          <p:grpSp>
-            <p:nvGrpSpPr>
-              <p:cNvPr id="6" name="Grup 5"/>
-              <p:cNvGrpSpPr/>
-              <p:nvPr/>
-            </p:nvGrpSpPr>
-            <p:grpSpPr>
-              <a:xfrm>
-                <a:off x="211667" y="6019800"/>
-                <a:ext cx="5012266" cy="605115"/>
-                <a:chOff x="211667" y="6019800"/>
-                <a:chExt cx="5012266" cy="605115"/>
-              </a:xfrm>
-            </p:grpSpPr>
-            <p:pic>
-              <p:nvPicPr>
-                <p:cNvPr id="4" name="Resim 3"/>
-                <p:cNvPicPr>
-                  <a:picLocks noChangeAspect="1"/>
-                </p:cNvPicPr>
-                <p:nvPr/>
-              </p:nvPicPr>
-              <p:blipFill rotWithShape="1">
-                <a:blip r:embed="rId2" cstate="print">
-                  <a:extLst>
-                    <a:ext uri="{28A0092B-C50C-407E-A947-70E740481C1C}">
-                      <a14:useLocalDpi xmlns:a14="http://schemas.microsoft.com/office/drawing/2010/main" val="0"/>
-                    </a:ext>
-                  </a:extLst>
-                </a:blip>
-                <a:srcRect l="24387" t="8319" r="18355" b="50150"/>
-                <a:stretch/>
-              </p:blipFill>
-              <p:spPr>
-                <a:xfrm>
-                  <a:off x="211667" y="6019800"/>
-                  <a:ext cx="1072095" cy="600892"/>
-                </a:xfrm>
-                <a:prstGeom prst="rect">
-                  <a:avLst/>
-                </a:prstGeom>
-              </p:spPr>
-            </p:pic>
-            <p:sp>
-              <p:nvSpPr>
-                <p:cNvPr id="5" name="Unvan 1"/>
-                <p:cNvSpPr txBox="1">
-                  <a:spLocks/>
-                </p:cNvSpPr>
-                <p:nvPr/>
-              </p:nvSpPr>
-              <p:spPr>
-                <a:xfrm>
-                  <a:off x="1283763" y="6024023"/>
-                  <a:ext cx="3940170" cy="600892"/>
-                </a:xfrm>
-                <a:prstGeom prst="rect">
-                  <a:avLst/>
-                </a:prstGeom>
-              </p:spPr>
-              <p:txBody>
-                <a:bodyPr vert="horz" lIns="91440" tIns="45720" rIns="91440" bIns="45720" rtlCol="0" anchor="b">
-                  <a:noAutofit/>
-                </a:bodyPr>
-                <a:lstStyle>
-                  <a:lvl1pPr algn="ctr" defTabSz="914400" rtl="0" eaLnBrk="1" latinLnBrk="0" hangingPunct="1">
-                    <a:lnSpc>
-                      <a:spcPct val="90000"/>
-                    </a:lnSpc>
-                    <a:spcBef>
-                      <a:spcPct val="0"/>
-                    </a:spcBef>
-                    <a:buNone/>
-                    <a:defRPr sz="6000" kern="1200">
-                      <a:solidFill>
-                        <a:schemeClr val="tx1"/>
-                      </a:solidFill>
-                      <a:latin typeface="+mj-lt"/>
-                      <a:ea typeface="+mj-ea"/>
-                      <a:cs typeface="+mj-cs"/>
-                    </a:defRPr>
-                  </a:lvl1pPr>
-                </a:lstStyle>
-                <a:p>
-                  <a:pPr algn="l"/>
-                  <a:r>
-                    <a:rPr lang="tr-TR" sz="2000" dirty="0">
-                      <a:solidFill>
-                        <a:srgbClr val="CB171F"/>
-                      </a:solidFill>
-                      <a:latin typeface="Constantia" panose="02030602050306030303" pitchFamily="18" charset="0"/>
-                      <a:ea typeface="Verdana" panose="020B0604030504040204" pitchFamily="34" charset="0"/>
-                      <a:cs typeface="Arial" panose="020B0604020202020204" pitchFamily="34" charset="0"/>
-                    </a:rPr>
-                    <a:t>Veri Bilimi Okulu</a:t>
-                  </a:r>
-                  <a:endParaRPr lang="en-US" sz="2000" dirty="0">
-                    <a:solidFill>
-                      <a:srgbClr val="CB171F"/>
-                    </a:solidFill>
-                    <a:latin typeface="Constantia" panose="02030602050306030303" pitchFamily="18" charset="0"/>
-                    <a:ea typeface="Verdana" panose="020B0604030504040204" pitchFamily="34" charset="0"/>
-                    <a:cs typeface="Arial" panose="020B0604020202020204" pitchFamily="34" charset="0"/>
-                  </a:endParaRPr>
-                </a:p>
-              </p:txBody>
-            </p:sp>
-          </p:grpSp>
-        </p:grpSp>
-        <p:sp>
-          <p:nvSpPr>
-            <p:cNvPr id="12" name="Metin kutusu 11"/>
-            <p:cNvSpPr txBox="1"/>
-            <p:nvPr/>
-          </p:nvSpPr>
-          <p:spPr>
-            <a:xfrm>
-              <a:off x="1582782" y="6493211"/>
-              <a:ext cx="1687468" cy="230832"/>
-            </a:xfrm>
-            <a:prstGeom prst="rect">
-              <a:avLst/>
-            </a:prstGeom>
-            <a:noFill/>
-          </p:spPr>
-          <p:txBody>
-            <a:bodyPr wrap="square" rtlCol="0">
-              <a:spAutoFit/>
-            </a:bodyPr>
-            <a:lstStyle/>
-            <a:p>
-              <a:r>
-                <a:rPr lang="en-US" sz="900" dirty="0">
-                  <a:solidFill>
-                    <a:srgbClr val="0B8043"/>
-                  </a:solidFill>
-                </a:rPr>
-                <a:t>https:</a:t>
-              </a:r>
-              <a:r>
-                <a:rPr lang="en-US" sz="900" dirty="0">
-                  <a:solidFill>
-                    <a:schemeClr val="bg1">
-                      <a:lumMod val="50000"/>
-                    </a:schemeClr>
-                  </a:solidFill>
-                </a:rPr>
-                <a:t>//www.veribilimi.co</a:t>
-              </a:r>
-            </a:p>
-          </p:txBody>
-        </p:sp>
-      </p:grpSp>
-      <p:grpSp>
-        <p:nvGrpSpPr>
-          <p:cNvPr id="11" name="Grup 10"/>
-          <p:cNvGrpSpPr/>
-          <p:nvPr/>
-        </p:nvGrpSpPr>
-        <p:grpSpPr>
-          <a:xfrm>
-            <a:off x="9194796" y="6231467"/>
-            <a:ext cx="2802471" cy="457084"/>
-            <a:chOff x="184993" y="5905369"/>
-            <a:chExt cx="5156200" cy="838200"/>
-          </a:xfrm>
-        </p:grpSpPr>
-        <p:sp>
-          <p:nvSpPr>
-            <p:cNvPr id="13" name="Dikdörtgen 12"/>
-            <p:cNvSpPr/>
-            <p:nvPr/>
-          </p:nvSpPr>
-          <p:spPr>
-            <a:xfrm>
-              <a:off x="184993" y="5905369"/>
-              <a:ext cx="5156200" cy="838200"/>
-            </a:xfrm>
-            <a:prstGeom prst="rect">
-              <a:avLst/>
-            </a:prstGeom>
-            <a:solidFill>
-              <a:schemeClr val="bg1">
-                <a:lumMod val="95000"/>
-              </a:schemeClr>
-            </a:solidFill>
-            <a:ln>
-              <a:noFill/>
-            </a:ln>
-          </p:spPr>
-          <p:style>
-            <a:lnRef idx="2">
-              <a:schemeClr val="accent1">
-                <a:shade val="50000"/>
-              </a:schemeClr>
-            </a:lnRef>
-            <a:fillRef idx="1">
-              <a:schemeClr val="accent1"/>
-            </a:fillRef>
-            <a:effectRef idx="0">
-              <a:schemeClr val="accent1"/>
-            </a:effectRef>
-            <a:fontRef idx="minor">
-              <a:schemeClr val="lt1"/>
-            </a:fontRef>
-          </p:style>
-          <p:txBody>
-            <a:bodyPr rtlCol="0" anchor="ctr"/>
-            <a:lstStyle/>
-            <a:p>
-              <a:pPr algn="ctr"/>
-              <a:endParaRPr lang="en-US" sz="2000"/>
-            </a:p>
-          </p:txBody>
-        </p:sp>
-        <p:sp>
-          <p:nvSpPr>
-            <p:cNvPr id="14" name="Unvan 1"/>
-            <p:cNvSpPr txBox="1">
-              <a:spLocks/>
-            </p:cNvSpPr>
-            <p:nvPr/>
-          </p:nvSpPr>
-          <p:spPr>
-            <a:xfrm>
-              <a:off x="302252" y="6024023"/>
-              <a:ext cx="4921678" cy="600892"/>
-            </a:xfrm>
-            <a:prstGeom prst="rect">
-              <a:avLst/>
-            </a:prstGeom>
-          </p:spPr>
-          <p:txBody>
-            <a:bodyPr vert="horz" lIns="91440" tIns="45720" rIns="91440" bIns="45720" rtlCol="0" anchor="b">
-              <a:noAutofit/>
-            </a:bodyPr>
-            <a:lstStyle>
-              <a:lvl1pPr algn="ctr" defTabSz="914400" rtl="0" eaLnBrk="1" latinLnBrk="0" hangingPunct="1">
-                <a:lnSpc>
-                  <a:spcPct val="90000"/>
-                </a:lnSpc>
-                <a:spcBef>
-                  <a:spcPct val="0"/>
-                </a:spcBef>
-                <a:buNone/>
-                <a:defRPr sz="6000" kern="1200">
-                  <a:solidFill>
-                    <a:schemeClr val="tx1"/>
-                  </a:solidFill>
-                  <a:latin typeface="+mj-lt"/>
-                  <a:ea typeface="+mj-ea"/>
-                  <a:cs typeface="+mj-cs"/>
-                </a:defRPr>
-              </a:lvl1pPr>
-            </a:lstStyle>
-            <a:p>
-              <a:pPr algn="l"/>
-              <a:r>
-                <a:rPr lang="tr-TR" sz="2000" dirty="0">
-                  <a:solidFill>
-                    <a:srgbClr val="CB171F"/>
-                  </a:solidFill>
-                  <a:latin typeface="Constantia" panose="02030602050306030303" pitchFamily="18" charset="0"/>
-                  <a:ea typeface="Verdana" panose="020B0604030504040204" pitchFamily="34" charset="0"/>
-                  <a:cs typeface="Arial" panose="020B0604020202020204" pitchFamily="34" charset="0"/>
-                </a:rPr>
-                <a:t>A’dan Z’ye Büyük Veri</a:t>
-              </a:r>
-              <a:endParaRPr lang="en-US" sz="2000" dirty="0">
-                <a:solidFill>
-                  <a:srgbClr val="CB171F"/>
-                </a:solidFill>
-                <a:latin typeface="Constantia" panose="02030602050306030303" pitchFamily="18" charset="0"/>
-                <a:ea typeface="Verdana" panose="020B0604030504040204" pitchFamily="34" charset="0"/>
-                <a:cs typeface="Arial" panose="020B0604020202020204" pitchFamily="34" charset="0"/>
-              </a:endParaRPr>
-            </a:p>
-          </p:txBody>
-        </p:sp>
-      </p:grpSp>
       <p:sp>
         <p:nvSpPr>
           <p:cNvPr id="16" name="Unvan 1"/>
@@ -25513,362 +20885,6 @@
           </a:fontRef>
         </p:style>
       </p:cxnSp>
-      <p:grpSp>
-        <p:nvGrpSpPr>
-          <p:cNvPr id="15" name="Grup 14"/>
-          <p:cNvGrpSpPr/>
-          <p:nvPr/>
-        </p:nvGrpSpPr>
-        <p:grpSpPr>
-          <a:xfrm>
-            <a:off x="228596" y="6231467"/>
-            <a:ext cx="3041654" cy="492576"/>
-            <a:chOff x="228596" y="6231467"/>
-            <a:chExt cx="3041654" cy="492576"/>
-          </a:xfrm>
-        </p:grpSpPr>
-        <p:grpSp>
-          <p:nvGrpSpPr>
-            <p:cNvPr id="8" name="Grup 7"/>
-            <p:cNvGrpSpPr/>
-            <p:nvPr/>
-          </p:nvGrpSpPr>
-          <p:grpSpPr>
-            <a:xfrm>
-              <a:off x="228596" y="6231467"/>
-              <a:ext cx="2802471" cy="457084"/>
-              <a:chOff x="127000" y="5901146"/>
-              <a:chExt cx="5156200" cy="838200"/>
-            </a:xfrm>
-          </p:grpSpPr>
-          <p:sp>
-            <p:nvSpPr>
-              <p:cNvPr id="7" name="Dikdörtgen 6"/>
-              <p:cNvSpPr/>
-              <p:nvPr/>
-            </p:nvSpPr>
-            <p:spPr>
-              <a:xfrm>
-                <a:off x="127000" y="5901146"/>
-                <a:ext cx="5156200" cy="838200"/>
-              </a:xfrm>
-              <a:prstGeom prst="rect">
-                <a:avLst/>
-              </a:prstGeom>
-              <a:solidFill>
-                <a:schemeClr val="bg1">
-                  <a:lumMod val="95000"/>
-                </a:schemeClr>
-              </a:solidFill>
-              <a:ln>
-                <a:noFill/>
-              </a:ln>
-            </p:spPr>
-            <p:style>
-              <a:lnRef idx="2">
-                <a:schemeClr val="accent1">
-                  <a:shade val="50000"/>
-                </a:schemeClr>
-              </a:lnRef>
-              <a:fillRef idx="1">
-                <a:schemeClr val="accent1"/>
-              </a:fillRef>
-              <a:effectRef idx="0">
-                <a:schemeClr val="accent1"/>
-              </a:effectRef>
-              <a:fontRef idx="minor">
-                <a:schemeClr val="lt1"/>
-              </a:fontRef>
-            </p:style>
-            <p:txBody>
-              <a:bodyPr rtlCol="0" anchor="ctr"/>
-              <a:lstStyle/>
-              <a:p>
-                <a:pPr algn="ctr"/>
-                <a:endParaRPr lang="en-US" sz="2000"/>
-              </a:p>
-            </p:txBody>
-          </p:sp>
-          <p:grpSp>
-            <p:nvGrpSpPr>
-              <p:cNvPr id="6" name="Grup 5"/>
-              <p:cNvGrpSpPr/>
-              <p:nvPr/>
-            </p:nvGrpSpPr>
-            <p:grpSpPr>
-              <a:xfrm>
-                <a:off x="211667" y="6019800"/>
-                <a:ext cx="5012266" cy="605115"/>
-                <a:chOff x="211667" y="6019800"/>
-                <a:chExt cx="5012266" cy="605115"/>
-              </a:xfrm>
-            </p:grpSpPr>
-            <p:pic>
-              <p:nvPicPr>
-                <p:cNvPr id="4" name="Resim 3"/>
-                <p:cNvPicPr>
-                  <a:picLocks noChangeAspect="1"/>
-                </p:cNvPicPr>
-                <p:nvPr/>
-              </p:nvPicPr>
-              <p:blipFill rotWithShape="1">
-                <a:blip r:embed="rId2" cstate="print">
-                  <a:extLst>
-                    <a:ext uri="{28A0092B-C50C-407E-A947-70E740481C1C}">
-                      <a14:useLocalDpi xmlns:a14="http://schemas.microsoft.com/office/drawing/2010/main" val="0"/>
-                    </a:ext>
-                  </a:extLst>
-                </a:blip>
-                <a:srcRect l="24387" t="8319" r="18355" b="50150"/>
-                <a:stretch/>
-              </p:blipFill>
-              <p:spPr>
-                <a:xfrm>
-                  <a:off x="211667" y="6019800"/>
-                  <a:ext cx="1072095" cy="600892"/>
-                </a:xfrm>
-                <a:prstGeom prst="rect">
-                  <a:avLst/>
-                </a:prstGeom>
-              </p:spPr>
-            </p:pic>
-            <p:sp>
-              <p:nvSpPr>
-                <p:cNvPr id="5" name="Unvan 1"/>
-                <p:cNvSpPr txBox="1">
-                  <a:spLocks/>
-                </p:cNvSpPr>
-                <p:nvPr/>
-              </p:nvSpPr>
-              <p:spPr>
-                <a:xfrm>
-                  <a:off x="1283763" y="6024023"/>
-                  <a:ext cx="3940170" cy="600892"/>
-                </a:xfrm>
-                <a:prstGeom prst="rect">
-                  <a:avLst/>
-                </a:prstGeom>
-              </p:spPr>
-              <p:txBody>
-                <a:bodyPr vert="horz" lIns="91440" tIns="45720" rIns="91440" bIns="45720" rtlCol="0" anchor="b">
-                  <a:noAutofit/>
-                </a:bodyPr>
-                <a:lstStyle>
-                  <a:lvl1pPr algn="ctr" defTabSz="914400" rtl="0" eaLnBrk="1" latinLnBrk="0" hangingPunct="1">
-                    <a:lnSpc>
-                      <a:spcPct val="90000"/>
-                    </a:lnSpc>
-                    <a:spcBef>
-                      <a:spcPct val="0"/>
-                    </a:spcBef>
-                    <a:buNone/>
-                    <a:defRPr sz="6000" kern="1200">
-                      <a:solidFill>
-                        <a:schemeClr val="tx1"/>
-                      </a:solidFill>
-                      <a:latin typeface="+mj-lt"/>
-                      <a:ea typeface="+mj-ea"/>
-                      <a:cs typeface="+mj-cs"/>
-                    </a:defRPr>
-                  </a:lvl1pPr>
-                </a:lstStyle>
-                <a:p>
-                  <a:pPr algn="l"/>
-                  <a:r>
-                    <a:rPr lang="tr-TR" sz="2000" dirty="0">
-                      <a:solidFill>
-                        <a:srgbClr val="CB171F"/>
-                      </a:solidFill>
-                      <a:latin typeface="Constantia" panose="02030602050306030303" pitchFamily="18" charset="0"/>
-                      <a:ea typeface="Verdana" panose="020B0604030504040204" pitchFamily="34" charset="0"/>
-                      <a:cs typeface="Arial" panose="020B0604020202020204" pitchFamily="34" charset="0"/>
-                    </a:rPr>
-                    <a:t>Veri Bilimi Okulu</a:t>
-                  </a:r>
-                  <a:endParaRPr lang="en-US" sz="2000" dirty="0">
-                    <a:solidFill>
-                      <a:srgbClr val="CB171F"/>
-                    </a:solidFill>
-                    <a:latin typeface="Constantia" panose="02030602050306030303" pitchFamily="18" charset="0"/>
-                    <a:ea typeface="Verdana" panose="020B0604030504040204" pitchFamily="34" charset="0"/>
-                    <a:cs typeface="Arial" panose="020B0604020202020204" pitchFamily="34" charset="0"/>
-                  </a:endParaRPr>
-                </a:p>
-              </p:txBody>
-            </p:sp>
-          </p:grpSp>
-        </p:grpSp>
-        <p:sp>
-          <p:nvSpPr>
-            <p:cNvPr id="12" name="Metin kutusu 11"/>
-            <p:cNvSpPr txBox="1"/>
-            <p:nvPr/>
-          </p:nvSpPr>
-          <p:spPr>
-            <a:xfrm>
-              <a:off x="1582782" y="6493211"/>
-              <a:ext cx="1687468" cy="230832"/>
-            </a:xfrm>
-            <a:prstGeom prst="rect">
-              <a:avLst/>
-            </a:prstGeom>
-            <a:noFill/>
-          </p:spPr>
-          <p:txBody>
-            <a:bodyPr wrap="square" rtlCol="0">
-              <a:spAutoFit/>
-            </a:bodyPr>
-            <a:lstStyle/>
-            <a:p>
-              <a:r>
-                <a:rPr lang="en-US" sz="900" dirty="0">
-                  <a:solidFill>
-                    <a:srgbClr val="0B8043"/>
-                  </a:solidFill>
-                </a:rPr>
-                <a:t>https:</a:t>
-              </a:r>
-              <a:r>
-                <a:rPr lang="en-US" sz="900" dirty="0">
-                  <a:solidFill>
-                    <a:schemeClr val="bg1">
-                      <a:lumMod val="50000"/>
-                    </a:schemeClr>
-                  </a:solidFill>
-                </a:rPr>
-                <a:t>//www.veribilimi.co</a:t>
-              </a:r>
-            </a:p>
-          </p:txBody>
-        </p:sp>
-      </p:grpSp>
-      <p:grpSp>
-        <p:nvGrpSpPr>
-          <p:cNvPr id="11" name="Grup 10"/>
-          <p:cNvGrpSpPr/>
-          <p:nvPr/>
-        </p:nvGrpSpPr>
-        <p:grpSpPr>
-          <a:xfrm>
-            <a:off x="9194796" y="6231467"/>
-            <a:ext cx="2802471" cy="457084"/>
-            <a:chOff x="184993" y="5905369"/>
-            <a:chExt cx="5156200" cy="838200"/>
-          </a:xfrm>
-        </p:grpSpPr>
-        <p:sp>
-          <p:nvSpPr>
-            <p:cNvPr id="13" name="Dikdörtgen 12"/>
-            <p:cNvSpPr/>
-            <p:nvPr/>
-          </p:nvSpPr>
-          <p:spPr>
-            <a:xfrm>
-              <a:off x="184993" y="5905369"/>
-              <a:ext cx="5156200" cy="838200"/>
-            </a:xfrm>
-            <a:prstGeom prst="rect">
-              <a:avLst/>
-            </a:prstGeom>
-            <a:solidFill>
-              <a:schemeClr val="bg1">
-                <a:lumMod val="95000"/>
-              </a:schemeClr>
-            </a:solidFill>
-            <a:ln>
-              <a:noFill/>
-            </a:ln>
-          </p:spPr>
-          <p:style>
-            <a:lnRef idx="2">
-              <a:schemeClr val="accent1">
-                <a:shade val="50000"/>
-              </a:schemeClr>
-            </a:lnRef>
-            <a:fillRef idx="1">
-              <a:schemeClr val="accent1"/>
-            </a:fillRef>
-            <a:effectRef idx="0">
-              <a:schemeClr val="accent1"/>
-            </a:effectRef>
-            <a:fontRef idx="minor">
-              <a:schemeClr val="lt1"/>
-            </a:fontRef>
-          </p:style>
-          <p:txBody>
-            <a:bodyPr rtlCol="0" anchor="ctr"/>
-            <a:lstStyle/>
-            <a:p>
-              <a:pPr algn="ctr"/>
-              <a:endParaRPr lang="en-US" sz="2000"/>
-            </a:p>
-          </p:txBody>
-        </p:sp>
-        <p:sp>
-          <p:nvSpPr>
-            <p:cNvPr id="14" name="Unvan 1"/>
-            <p:cNvSpPr txBox="1">
-              <a:spLocks/>
-            </p:cNvSpPr>
-            <p:nvPr/>
-          </p:nvSpPr>
-          <p:spPr>
-            <a:xfrm>
-              <a:off x="302252" y="6024023"/>
-              <a:ext cx="4921678" cy="600892"/>
-            </a:xfrm>
-            <a:prstGeom prst="rect">
-              <a:avLst/>
-            </a:prstGeom>
-          </p:spPr>
-          <p:txBody>
-            <a:bodyPr vert="horz" lIns="91440" tIns="45720" rIns="91440" bIns="45720" rtlCol="0" anchor="b">
-              <a:noAutofit/>
-            </a:bodyPr>
-            <a:lstStyle>
-              <a:lvl1pPr algn="ctr" defTabSz="914400" rtl="0" eaLnBrk="1" latinLnBrk="0" hangingPunct="1">
-                <a:lnSpc>
-                  <a:spcPct val="90000"/>
-                </a:lnSpc>
-                <a:spcBef>
-                  <a:spcPct val="0"/>
-                </a:spcBef>
-                <a:buNone/>
-                <a:defRPr sz="6000" kern="1200">
-                  <a:solidFill>
-                    <a:schemeClr val="tx1"/>
-                  </a:solidFill>
-                  <a:latin typeface="+mj-lt"/>
-                  <a:ea typeface="+mj-ea"/>
-                  <a:cs typeface="+mj-cs"/>
-                </a:defRPr>
-              </a:lvl1pPr>
-            </a:lstStyle>
-            <a:p>
-              <a:pPr algn="l"/>
-              <a:r>
-                <a:rPr lang="tr-TR" sz="2000" dirty="0">
-                  <a:solidFill>
-                    <a:srgbClr val="CB171F"/>
-                  </a:solidFill>
-                  <a:latin typeface="Constantia" panose="02030602050306030303" pitchFamily="18" charset="0"/>
-                  <a:ea typeface="Verdana" panose="020B0604030504040204" pitchFamily="34" charset="0"/>
-                  <a:cs typeface="Arial" panose="020B0604020202020204" pitchFamily="34" charset="0"/>
-                </a:rPr>
-                <a:t>A’dan Z’ye Büyük Veri</a:t>
-              </a:r>
-              <a:endParaRPr lang="en-US" sz="2000" dirty="0">
-                <a:solidFill>
-                  <a:srgbClr val="CB171F"/>
-                </a:solidFill>
-                <a:latin typeface="Constantia" panose="02030602050306030303" pitchFamily="18" charset="0"/>
-                <a:ea typeface="Verdana" panose="020B0604030504040204" pitchFamily="34" charset="0"/>
-                <a:cs typeface="Arial" panose="020B0604020202020204" pitchFamily="34" charset="0"/>
-              </a:endParaRPr>
-            </a:p>
-          </p:txBody>
-        </p:sp>
-      </p:grpSp>
       <p:sp>
         <p:nvSpPr>
           <p:cNvPr id="16" name="Unvan 1"/>
